--- a/presentations/DESY - Final Presentation (fixed).pptx
+++ b/presentations/DESY - Final Presentation (fixed).pptx
@@ -5,7 +5,7 @@
     <p:sldMasterId id="2147483648" r:id="rId1"/>
   </p:sldMasterIdLst>
   <p:notesMasterIdLst>
-    <p:notesMasterId r:id="rId18"/>
+    <p:notesMasterId r:id="rId17"/>
   </p:notesMasterIdLst>
   <p:sldIdLst>
     <p:sldId id="257" r:id="rId2"/>
@@ -23,7 +23,6 @@
     <p:sldId id="264" r:id="rId14"/>
     <p:sldId id="265" r:id="rId15"/>
     <p:sldId id="266" r:id="rId16"/>
-    <p:sldId id="267" r:id="rId17"/>
   </p:sldIdLst>
   <p:sldSz cx="12192000" cy="6858000"/>
   <p:notesSz cx="6858000" cy="9144000"/>
@@ -122,6 +121,11 @@
       </a:defRPr>
     </a:lvl9pPr>
   </p:defaultTextStyle>
+  <p:extLst>
+    <p:ext uri="{EFAFB233-063F-42B5-8137-9DF3F51BA10A}">
+      <p15:sldGuideLst xmlns:p15="http://schemas.microsoft.com/office/powerpoint/2012/main"/>
+    </p:ext>
+  </p:extLst>
 </p:presentation>
 </file>
 
@@ -4473,7 +4477,7 @@
             <p:spPr>
               <a:xfrm>
                 <a:off x="455644" y="1645022"/>
-                <a:ext cx="5543940" cy="2308324"/>
+                <a:ext cx="5543940" cy="4154984"/>
               </a:xfrm>
               <a:prstGeom prst="rect">
                 <a:avLst/>
@@ -4491,7 +4495,7 @@
                   <a:buChar char="•"/>
                 </a:pPr>
                 <a:r>
-                  <a:rPr lang="en-GB" dirty="0"/>
+                  <a:rPr lang="en-GB" sz="2400" dirty="0"/>
                   <a:t>The simulations were used to investigate the effects of chirp (GVD) on the UV output spectra</a:t>
                 </a:r>
               </a:p>
@@ -4501,13 +4505,13 @@
                   <a:buChar char="•"/>
                 </a:pPr>
                 <a:r>
-                  <a:rPr lang="en-GB" dirty="0"/>
+                  <a:rPr lang="en-GB" sz="2400" dirty="0"/>
                   <a:t>The chosen GVD values of </a:t>
                 </a:r>
                 <a14:m>
                   <m:oMath xmlns:m="http://schemas.openxmlformats.org/officeDocument/2006/math">
                     <m:r>
-                      <a:rPr lang="en-GB" b="0" i="1" smtClean="0">
+                      <a:rPr lang="en-GB" sz="2400" b="0" i="1" smtClean="0">
                         <a:latin typeface="Cambria Math" panose="02040503050406030204" pitchFamily="18" charset="0"/>
                       </a:rPr>
                       <m:t>±</m:t>
@@ -4515,7 +4519,7 @@
                   </m:oMath>
                 </a14:m>
                 <a:r>
-                  <a:rPr lang="en-GB" dirty="0"/>
+                  <a:rPr lang="en-GB" sz="2400" dirty="0"/>
                   <a:t>11.0fs² correspond to an input pulse stretched from 6.2fs to 9.Xfs </a:t>
                 </a:r>
               </a:p>
@@ -4525,7 +4529,7 @@
                   <a:buChar char="•"/>
                 </a:pPr>
                 <a:r>
-                  <a:rPr lang="en-GB" dirty="0"/>
+                  <a:rPr lang="en-GB" sz="2400" dirty="0"/>
                   <a:t>Negative chirp increases UV intensity without introducing significant spectral broadening</a:t>
                 </a:r>
               </a:p>
@@ -4535,7 +4539,7 @@
                   <a:buChar char="•"/>
                 </a:pPr>
                 <a:r>
-                  <a:rPr lang="en-GB" dirty="0"/>
+                  <a:rPr lang="en-GB" sz="2400" dirty="0"/>
                   <a:t>Positive chirp results in a broadened spectrum (towards the blue end)</a:t>
                 </a:r>
               </a:p>
@@ -4560,7 +4564,7 @@
             <p:spPr>
               <a:xfrm>
                 <a:off x="455644" y="1645022"/>
-                <a:ext cx="5543940" cy="2308324"/>
+                <a:ext cx="5543940" cy="4154984"/>
               </a:xfrm>
               <a:prstGeom prst="rect">
                 <a:avLst/>
@@ -4568,7 +4572,7 @@
               <a:blipFill>
                 <a:blip r:embed="rId3"/>
                 <a:stretch>
-                  <a:fillRect l="-770" t="-1583" r="-1540" b="-3166"/>
+                  <a:fillRect l="-1540" t="-1175" r="-1980" b="-2496"/>
                 </a:stretch>
               </a:blipFill>
             </p:spPr>
@@ -4873,68 +4877,6 @@
             <a:r>
               <a:rPr lang="en-GB" dirty="0"/>
               <a:t>: UV output spectra for different CEP values of the input beam (Argon, 150mW, 0.4bar)</a:t>
-            </a:r>
-          </a:p>
-        </p:txBody>
-      </p:sp>
-      <p:sp>
-        <p:nvSpPr>
-          <p:cNvPr id="7" name="Content Placeholder 2">
-            <a:extLst>
-              <a:ext uri="{FF2B5EF4-FFF2-40B4-BE49-F238E27FC236}">
-                <a16:creationId xmlns:a16="http://schemas.microsoft.com/office/drawing/2014/main" id="{B3E169B5-7DA3-EE8A-FEA8-0F292A1CAFAD}"/>
-              </a:ext>
-            </a:extLst>
-          </p:cNvPr>
-          <p:cNvSpPr txBox="1">
-            <a:spLocks/>
-          </p:cNvSpPr>
-          <p:nvPr/>
-        </p:nvSpPr>
-        <p:spPr>
-          <a:xfrm>
-            <a:off x="407881" y="1406520"/>
-            <a:ext cx="5688120" cy="5009760"/>
-          </a:xfrm>
-          <a:prstGeom prst="rect">
-            <a:avLst/>
-          </a:prstGeom>
-          <a:noFill/>
-          <a:ln w="0">
-            <a:noFill/>
-          </a:ln>
-        </p:spPr>
-        <p:txBody>
-          <a:bodyPr lIns="0" tIns="0" rIns="0" bIns="0" anchor="ctr">
-            <a:noAutofit/>
-          </a:bodyPr>
-          <a:lstStyle>
-            <a:lvl1pPr algn="l" defTabSz="914400" rtl="0" eaLnBrk="1" latinLnBrk="0" hangingPunct="1">
-              <a:lnSpc>
-                <a:spcPct val="90000"/>
-              </a:lnSpc>
-              <a:spcBef>
-                <a:spcPct val="0"/>
-              </a:spcBef>
-              <a:buNone/>
-              <a:defRPr sz="4400" kern="1200">
-                <a:solidFill>
-                  <a:schemeClr val="tx1"/>
-                </a:solidFill>
-                <a:latin typeface="+mj-lt"/>
-                <a:ea typeface="+mj-ea"/>
-                <a:cs typeface="+mj-cs"/>
-              </a:defRPr>
-            </a:lvl1pPr>
-          </a:lstStyle>
-          <a:p>
-            <a:pPr marL="457200" indent="-457200">
-              <a:buFont typeface="Arial" panose="020B0604020202020204" pitchFamily="34" charset="0"/>
-              <a:buChar char="•"/>
-            </a:pPr>
-            <a:r>
-              <a:rPr lang="en-GB" sz="2600" dirty="0"/>
-              <a:t>Barely any effect …. Don’t show??</a:t>
             </a:r>
           </a:p>
         </p:txBody>
@@ -5457,8 +5399,8 @@
         </p:nvSpPr>
         <p:spPr>
           <a:xfrm>
-            <a:off x="2947988" y="1568053"/>
-            <a:ext cx="6162674" cy="3693319"/>
+            <a:off x="829938" y="1353449"/>
+            <a:ext cx="10141305" cy="4524315"/>
           </a:xfrm>
           <a:prstGeom prst="rect">
             <a:avLst/>
@@ -5476,7 +5418,7 @@
               <a:buChar char="•"/>
             </a:pPr>
             <a:r>
-              <a:rPr lang="en-GB" dirty="0"/>
+              <a:rPr lang="en-GB" sz="2400" dirty="0"/>
               <a:t>The THG simulations resulted in some promising outputs</a:t>
             </a:r>
           </a:p>
@@ -5486,7 +5428,7 @@
               <a:buChar char="•"/>
             </a:pPr>
             <a:r>
-              <a:rPr lang="en-GB" dirty="0"/>
+              <a:rPr lang="en-GB" sz="2400" dirty="0"/>
               <a:t>Agreement with experiment and literature </a:t>
             </a:r>
           </a:p>
@@ -5496,15 +5438,15 @@
               <a:buChar char="•"/>
             </a:pPr>
             <a:r>
-              <a:rPr lang="en-GB" dirty="0"/>
+              <a:rPr lang="en-GB" sz="2400" dirty="0"/>
               <a:t>Some of the figures shown here will be used in the manuscript for </a:t>
             </a:r>
             <a:r>
-              <a:rPr lang="en-GB" dirty="0" err="1"/>
+              <a:rPr lang="en-GB" sz="2400" dirty="0" err="1"/>
               <a:t>JPhys</a:t>
             </a:r>
             <a:r>
-              <a:rPr lang="en-GB" dirty="0"/>
+              <a:rPr lang="en-GB" sz="2400" dirty="0"/>
               <a:t> Photonics being prepared </a:t>
             </a:r>
           </a:p>
@@ -5514,7 +5456,7 @@
               <a:buChar char="•"/>
             </a:pPr>
             <a:r>
-              <a:rPr lang="en-GB" dirty="0"/>
+              <a:rPr lang="en-GB" sz="2400" dirty="0"/>
               <a:t>There is significant room for further improvements</a:t>
             </a:r>
           </a:p>
@@ -5524,7 +5466,7 @@
               <a:buChar char="•"/>
             </a:pPr>
             <a:r>
-              <a:rPr lang="en-GB" dirty="0"/>
+              <a:rPr lang="en-GB" sz="2400" dirty="0"/>
               <a:t>Base the spatial profile of the input beam on measured data (this requires dropping the assumption of radial symmetry)</a:t>
             </a:r>
           </a:p>
@@ -5534,7 +5476,7 @@
               <a:buChar char="•"/>
             </a:pPr>
             <a:r>
-              <a:rPr lang="en-GB" dirty="0"/>
+              <a:rPr lang="en-GB" sz="2400" dirty="0"/>
               <a:t>Take into account that the beam channel radius changes throughout the chip </a:t>
             </a:r>
           </a:p>
@@ -5544,7 +5486,7 @@
               <a:buChar char="•"/>
             </a:pPr>
             <a:r>
-              <a:rPr lang="en-GB" dirty="0"/>
+              <a:rPr lang="en-GB" sz="2400" dirty="0"/>
               <a:t>Further improve the COMSOL simulations </a:t>
             </a:r>
           </a:p>
@@ -5554,7 +5496,7 @@
               <a:buChar char="•"/>
             </a:pPr>
             <a:r>
-              <a:rPr lang="en-GB" dirty="0"/>
+              <a:rPr lang="en-GB" sz="2400" dirty="0"/>
               <a:t>With additional expansions, the simulation code could serve as a basis to back up future experiments with theory</a:t>
             </a:r>
           </a:p>
@@ -5684,7 +5626,7 @@
         </p:nvSpPr>
         <p:spPr>
           <a:xfrm>
-            <a:off x="11541966" y="6537702"/>
+            <a:off x="11607283" y="6528371"/>
             <a:ext cx="511629" cy="365125"/>
           </a:xfrm>
         </p:spPr>
@@ -5693,10 +5635,18 @@
           <a:lstStyle/>
           <a:p>
             <a:fld id="{54D89579-D9F6-47AA-A878-E5ECDBCBE9C9}" type="slidenum">
-              <a:rPr lang="en-GB" b="1" smtClean="0"/>
+              <a:rPr lang="en-GB" b="1" smtClean="0">
+                <a:solidFill>
+                  <a:schemeClr val="tx1"/>
+                </a:solidFill>
+              </a:rPr>
               <a:t>15</a:t>
             </a:fld>
-            <a:endParaRPr lang="en-GB" b="1" dirty="0"/>
+            <a:endParaRPr lang="en-GB" b="1" dirty="0">
+              <a:solidFill>
+                <a:schemeClr val="tx1"/>
+              </a:solidFill>
+            </a:endParaRPr>
           </a:p>
         </p:txBody>
       </p:sp>
@@ -5714,8 +5664,8 @@
         </p:nvSpPr>
         <p:spPr>
           <a:xfrm>
-            <a:off x="2950806" y="1568345"/>
-            <a:ext cx="6162868" cy="3693319"/>
+            <a:off x="664805" y="1279096"/>
+            <a:ext cx="10515599" cy="4524315"/>
           </a:xfrm>
           <a:prstGeom prst="rect">
             <a:avLst/>
@@ -5732,7 +5682,7 @@
               <a:buNone/>
             </a:pPr>
             <a:r>
-              <a:rPr lang="en-GB" b="1" dirty="0"/>
+              <a:rPr lang="en-GB" sz="2400" b="1" u="sng" dirty="0"/>
               <a:t>Acknowledgments</a:t>
             </a:r>
           </a:p>
@@ -5741,46 +5691,51 @@
               <a:buNone/>
             </a:pPr>
             <a:r>
-              <a:rPr lang="en-GB" dirty="0"/>
+              <a:rPr lang="en-GB" sz="2400" dirty="0"/>
               <a:t>Thank you to </a:t>
             </a:r>
             <a:r>
-              <a:rPr lang="en-GB" dirty="0" err="1"/>
+              <a:rPr lang="en-GB" sz="2400" dirty="0" err="1"/>
               <a:t>Josina</a:t>
             </a:r>
             <a:r>
-              <a:rPr lang="en-GB" dirty="0"/>
+              <a:rPr lang="en-GB" sz="2400" dirty="0"/>
               <a:t> Hahne, Vincent </a:t>
             </a:r>
             <a:r>
-              <a:rPr lang="en-GB" dirty="0" err="1"/>
+              <a:rPr lang="en-GB" sz="2400" dirty="0" err="1"/>
               <a:t>Wanie</a:t>
             </a:r>
             <a:r>
-              <a:rPr lang="en-GB" dirty="0"/>
+              <a:rPr lang="en-GB" sz="2400" dirty="0"/>
               <a:t>, and Agata </a:t>
             </a:r>
             <a:r>
-              <a:rPr lang="en-GB" dirty="0" err="1"/>
+              <a:rPr lang="en-GB" sz="2400" dirty="0" err="1"/>
               <a:t>Azzolin</a:t>
             </a:r>
             <a:r>
-              <a:rPr lang="en-GB" dirty="0"/>
-              <a:t> for their help with the project as well as to the rest of the CFEL-ATTO team for being so welcoming.</a:t>
-            </a:r>
+              <a:rPr lang="en-GB" sz="2400" dirty="0"/>
+              <a:t> for their help with the project as well as to the rest of the CFEL-ATTO team for being so welcoming </a:t>
+            </a:r>
+            <a:r>
+              <a:rPr lang="en-GB" sz="2400"/>
+              <a:t>and friendly.</a:t>
+            </a:r>
+            <a:endParaRPr lang="en-GB" sz="2400" dirty="0"/>
           </a:p>
           <a:p>
             <a:pPr marL="0" indent="0">
               <a:buNone/>
             </a:pPr>
-            <a:endParaRPr lang="en-GB" dirty="0"/>
+            <a:endParaRPr lang="en-GB" sz="2400" dirty="0"/>
           </a:p>
           <a:p>
             <a:pPr marL="0" indent="0">
               <a:buNone/>
             </a:pPr>
             <a:r>
-              <a:rPr lang="en-GB" b="1" dirty="0"/>
+              <a:rPr lang="en-GB" sz="2400" b="1" u="sng" dirty="0"/>
               <a:t>References</a:t>
             </a:r>
           </a:p>
@@ -5789,15 +5744,15 @@
               <a:buNone/>
             </a:pPr>
             <a:r>
-              <a:rPr lang="en-GB" sz="1800" dirty="0"/>
+              <a:rPr lang="en-GB" sz="2400" dirty="0"/>
               <a:t>[1] C. Brahms and J. C. Travers, “</a:t>
             </a:r>
             <a:r>
-              <a:rPr lang="en-GB" sz="1800" i="1" dirty="0" err="1"/>
+              <a:rPr lang="en-GB" sz="2400" i="1" dirty="0" err="1"/>
               <a:t>Luna.jl</a:t>
             </a:r>
             <a:r>
-              <a:rPr lang="en-GB" sz="1800" dirty="0"/>
+              <a:rPr lang="en-GB" sz="2400" dirty="0"/>
               <a:t>,” (2023); https://doi.org/10.5281/zenodo.8242646</a:t>
             </a:r>
           </a:p>
@@ -5806,31 +5761,31 @@
               <a:buNone/>
             </a:pPr>
             <a:r>
-              <a:rPr lang="en-GB" sz="1800" dirty="0"/>
+              <a:rPr lang="en-GB" sz="2400" dirty="0"/>
               <a:t>[2] M. </a:t>
             </a:r>
             <a:r>
-              <a:rPr lang="en-GB" sz="1800" dirty="0" err="1"/>
+              <a:rPr lang="en-GB" sz="2400" dirty="0" err="1"/>
               <a:t>Kolesik</a:t>
             </a:r>
             <a:r>
-              <a:rPr lang="en-GB" sz="1800" dirty="0"/>
+              <a:rPr lang="en-GB" sz="2400" dirty="0"/>
               <a:t> and J. V. Moloney, “</a:t>
             </a:r>
             <a:r>
-              <a:rPr lang="en-GB" sz="1800" i="1" dirty="0"/>
+              <a:rPr lang="en-GB" sz="2400" i="1" dirty="0"/>
               <a:t>Nonlinear optical pulse propagation simulation: From Maxwell’s to unidirectional equations</a:t>
             </a:r>
             <a:r>
-              <a:rPr lang="en-GB" sz="1800" dirty="0"/>
+              <a:rPr lang="en-GB" sz="2400" dirty="0"/>
               <a:t>,” Phys. Rev. E </a:t>
             </a:r>
             <a:r>
-              <a:rPr lang="en-GB" sz="1800" b="1" dirty="0"/>
+              <a:rPr lang="en-GB" sz="2400" b="1" dirty="0"/>
               <a:t>70</a:t>
             </a:r>
             <a:r>
-              <a:rPr lang="en-GB" sz="1800" dirty="0"/>
+              <a:rPr lang="en-GB" sz="2400" dirty="0"/>
               <a:t>, 036 604 (2004) </a:t>
             </a:r>
           </a:p>
@@ -5839,31 +5794,31 @@
               <a:buNone/>
             </a:pPr>
             <a:r>
-              <a:rPr lang="en-GB" sz="1800" dirty="0"/>
+              <a:rPr lang="en-GB" sz="2400" dirty="0"/>
               <a:t>[3] </a:t>
             </a:r>
             <a:r>
-              <a:rPr lang="de-DE" sz="1800" dirty="0"/>
+              <a:rPr lang="de-DE" sz="2400" dirty="0"/>
               <a:t>F. Reiter, U. Graf, </a:t>
             </a:r>
             <a:r>
-              <a:rPr lang="en-GB" sz="1800" dirty="0"/>
+              <a:rPr lang="en-GB" sz="2400" dirty="0"/>
               <a:t>et al. “</a:t>
             </a:r>
             <a:r>
-              <a:rPr lang="en-GB" sz="1800" i="1" dirty="0"/>
+              <a:rPr lang="en-GB" sz="2400" i="1" dirty="0"/>
               <a:t>Route to Attosecond Nonlinear Spectroscopy</a:t>
             </a:r>
             <a:r>
-              <a:rPr lang="en-GB" sz="1800" dirty="0"/>
+              <a:rPr lang="en-GB" sz="2400" dirty="0"/>
               <a:t>,” Phys. Rev. Lett. </a:t>
             </a:r>
             <a:r>
-              <a:rPr lang="en-GB" sz="1800" b="1" dirty="0"/>
+              <a:rPr lang="en-GB" sz="2400" b="1" dirty="0"/>
               <a:t>105</a:t>
             </a:r>
             <a:r>
-              <a:rPr lang="en-GB" sz="1800" dirty="0"/>
+              <a:rPr lang="en-GB" sz="2400" dirty="0"/>
               <a:t>, 243 902 (2010)</a:t>
             </a:r>
           </a:p>
@@ -5873,115 +5828,6 @@
     <p:extLst>
       <p:ext uri="{BB962C8B-B14F-4D97-AF65-F5344CB8AC3E}">
         <p14:creationId xmlns:p14="http://schemas.microsoft.com/office/powerpoint/2010/main" val="2772628618"/>
-      </p:ext>
-    </p:extLst>
-  </p:cSld>
-  <p:clrMapOvr>
-    <a:masterClrMapping/>
-  </p:clrMapOvr>
-</p:sld>
-</file>
-
-<file path=ppt/slides/slide16.xml><?xml version="1.0" encoding="utf-8"?>
-<p:sld xmlns:a="http://schemas.openxmlformats.org/drawingml/2006/main" xmlns:r="http://schemas.openxmlformats.org/officeDocument/2006/relationships" xmlns:p="http://schemas.openxmlformats.org/presentationml/2006/main">
-  <p:cSld>
-    <p:spTree>
-      <p:nvGrpSpPr>
-        <p:cNvPr id="1" name=""/>
-        <p:cNvGrpSpPr/>
-        <p:nvPr/>
-      </p:nvGrpSpPr>
-      <p:grpSpPr>
-        <a:xfrm>
-          <a:off x="0" y="0"/>
-          <a:ext cx="0" cy="0"/>
-          <a:chOff x="0" y="0"/>
-          <a:chExt cx="0" cy="0"/>
-        </a:xfrm>
-      </p:grpSpPr>
-      <p:sp>
-        <p:nvSpPr>
-          <p:cNvPr id="2" name="Title 1">
-            <a:extLst>
-              <a:ext uri="{FF2B5EF4-FFF2-40B4-BE49-F238E27FC236}">
-                <a16:creationId xmlns:a16="http://schemas.microsoft.com/office/drawing/2014/main" id="{1AA1E5FB-B2F6-9CDE-9513-4795B5A740D9}"/>
-              </a:ext>
-            </a:extLst>
-          </p:cNvPr>
-          <p:cNvSpPr>
-            <a:spLocks noGrp="1"/>
-          </p:cNvSpPr>
-          <p:nvPr>
-            <p:ph type="title"/>
-          </p:nvPr>
-        </p:nvSpPr>
-        <p:spPr/>
-        <p:txBody>
-          <a:bodyPr/>
-          <a:lstStyle/>
-          <a:p>
-            <a:endParaRPr lang="en-GB"/>
-          </a:p>
-        </p:txBody>
-      </p:sp>
-      <p:sp>
-        <p:nvSpPr>
-          <p:cNvPr id="3" name="Content Placeholder 2">
-            <a:extLst>
-              <a:ext uri="{FF2B5EF4-FFF2-40B4-BE49-F238E27FC236}">
-                <a16:creationId xmlns:a16="http://schemas.microsoft.com/office/drawing/2014/main" id="{5E5777EF-7D19-4B65-4547-DA4F79CBC36A}"/>
-              </a:ext>
-            </a:extLst>
-          </p:cNvPr>
-          <p:cNvSpPr>
-            <a:spLocks noGrp="1"/>
-          </p:cNvSpPr>
-          <p:nvPr>
-            <p:ph idx="1"/>
-          </p:nvPr>
-        </p:nvSpPr>
-        <p:spPr/>
-        <p:txBody>
-          <a:bodyPr/>
-          <a:lstStyle/>
-          <a:p>
-            <a:endParaRPr lang="en-GB"/>
-          </a:p>
-        </p:txBody>
-      </p:sp>
-      <p:sp>
-        <p:nvSpPr>
-          <p:cNvPr id="4" name="Slide Number Placeholder 3">
-            <a:extLst>
-              <a:ext uri="{FF2B5EF4-FFF2-40B4-BE49-F238E27FC236}">
-                <a16:creationId xmlns:a16="http://schemas.microsoft.com/office/drawing/2014/main" id="{D190ACA7-DBFA-4F08-5C81-3E05D7AA664A}"/>
-              </a:ext>
-            </a:extLst>
-          </p:cNvPr>
-          <p:cNvSpPr>
-            <a:spLocks noGrp="1"/>
-          </p:cNvSpPr>
-          <p:nvPr>
-            <p:ph type="sldNum" sz="quarter" idx="12"/>
-          </p:nvPr>
-        </p:nvSpPr>
-        <p:spPr/>
-        <p:txBody>
-          <a:bodyPr/>
-          <a:lstStyle/>
-          <a:p>
-            <a:fld id="{54D89579-D9F6-47AA-A878-E5ECDBCBE9C9}" type="slidenum">
-              <a:rPr lang="en-GB" smtClean="0"/>
-              <a:t>16</a:t>
-            </a:fld>
-            <a:endParaRPr lang="en-GB"/>
-          </a:p>
-        </p:txBody>
-      </p:sp>
-    </p:spTree>
-    <p:extLst>
-      <p:ext uri="{BB962C8B-B14F-4D97-AF65-F5344CB8AC3E}">
-        <p14:creationId xmlns:p14="http://schemas.microsoft.com/office/powerpoint/2010/main" val="2637127207"/>
       </p:ext>
     </p:extLst>
   </p:cSld>
@@ -6133,7 +5979,7 @@
         <p:spPr>
           <a:xfrm>
             <a:off x="610893" y="1146052"/>
-            <a:ext cx="9167589" cy="5570756"/>
+            <a:ext cx="9167589" cy="4524315"/>
           </a:xfrm>
           <a:prstGeom prst="rect">
             <a:avLst/>
@@ -6151,7 +5997,7 @@
               <a:buAutoNum type="arabicPeriod"/>
             </a:pPr>
             <a:r>
-              <a:rPr lang="en-GB" sz="2600" dirty="0"/>
+              <a:rPr lang="en-GB" sz="2400" dirty="0"/>
               <a:t>Motivation</a:t>
             </a:r>
           </a:p>
@@ -6161,7 +6007,7 @@
               <a:buAutoNum type="arabicPeriod"/>
             </a:pPr>
             <a:r>
-              <a:rPr lang="en-GB" sz="2600" dirty="0"/>
+              <a:rPr lang="en-GB" sz="2400" dirty="0"/>
               <a:t>Background</a:t>
             </a:r>
           </a:p>
@@ -6171,7 +6017,7 @@
               <a:buAutoNum type="arabicPeriod"/>
             </a:pPr>
             <a:r>
-              <a:rPr lang="en-GB" sz="2600" dirty="0"/>
+              <a:rPr lang="en-GB" sz="2400" dirty="0"/>
               <a:t>Simulation inputs</a:t>
             </a:r>
           </a:p>
@@ -6181,7 +6027,7 @@
               <a:buAutoNum type="arabicPeriod"/>
             </a:pPr>
             <a:r>
-              <a:rPr lang="en-GB" sz="2600" dirty="0"/>
+              <a:rPr lang="en-GB" sz="2400" dirty="0"/>
               <a:t>Simulation output</a:t>
             </a:r>
           </a:p>
@@ -6191,7 +6037,7 @@
               <a:buAutoNum type="romanUcPeriod"/>
             </a:pPr>
             <a:r>
-              <a:rPr lang="en-GB" sz="2600" dirty="0"/>
+              <a:rPr lang="en-GB" sz="2400" dirty="0"/>
               <a:t>Comparison with experiment</a:t>
             </a:r>
           </a:p>
@@ -6201,7 +6047,7 @@
               <a:buAutoNum type="romanUcPeriod"/>
             </a:pPr>
             <a:r>
-              <a:rPr lang="en-GB" sz="2600" dirty="0"/>
+              <a:rPr lang="en-GB" sz="2400" dirty="0"/>
               <a:t>Self-steepening</a:t>
             </a:r>
           </a:p>
@@ -6211,7 +6057,7 @@
               <a:buAutoNum type="romanUcPeriod"/>
             </a:pPr>
             <a:r>
-              <a:rPr lang="en-GB" sz="2600" dirty="0"/>
+              <a:rPr lang="en-GB" sz="2400" dirty="0"/>
               <a:t>Effects of chirp </a:t>
             </a:r>
           </a:p>
@@ -6221,7 +6067,7 @@
               <a:buAutoNum type="romanUcPeriod"/>
             </a:pPr>
             <a:r>
-              <a:rPr lang="en-GB" sz="2600" dirty="0"/>
+              <a:rPr lang="en-GB" sz="2400" dirty="0"/>
               <a:t>Effects of CEP</a:t>
             </a:r>
           </a:p>
@@ -6231,7 +6077,7 @@
               <a:buAutoNum type="romanUcPeriod"/>
             </a:pPr>
             <a:r>
-              <a:rPr lang="en-GB" sz="2600" dirty="0"/>
+              <a:rPr lang="en-GB" sz="2400" dirty="0"/>
               <a:t>Gas comparisons</a:t>
             </a:r>
           </a:p>
@@ -6241,7 +6087,7 @@
               <a:buAutoNum type="romanUcPeriod"/>
             </a:pPr>
             <a:r>
-              <a:rPr lang="en-GB" sz="2600" dirty="0"/>
+              <a:rPr lang="en-GB" sz="2400" dirty="0"/>
               <a:t>Gas cell comparisons</a:t>
             </a:r>
           </a:p>
@@ -6251,7 +6097,7 @@
               <a:buAutoNum type="arabicPeriod"/>
             </a:pPr>
             <a:r>
-              <a:rPr lang="en-GB" sz="2600" dirty="0"/>
+              <a:rPr lang="en-GB" sz="2400" dirty="0"/>
               <a:t>Discussion &amp; conclusion</a:t>
             </a:r>
           </a:p>
@@ -6261,15 +6107,9 @@
               <a:buAutoNum type="arabicPeriod"/>
             </a:pPr>
             <a:r>
-              <a:rPr lang="en-GB" sz="2600" dirty="0"/>
+              <a:rPr lang="en-GB" sz="2400" dirty="0"/>
               <a:t>Acknowledgments &amp; references</a:t>
             </a:r>
-          </a:p>
-          <a:p>
-            <a:endParaRPr lang="en-GB" sz="2600" dirty="0"/>
-          </a:p>
-          <a:p>
-            <a:endParaRPr lang="en-GB" dirty="0"/>
           </a:p>
         </p:txBody>
       </p:sp>
@@ -6437,7 +6277,7 @@
         <p:spPr>
           <a:xfrm>
             <a:off x="390329" y="1199535"/>
-            <a:ext cx="5640356" cy="5509200"/>
+            <a:ext cx="5640356" cy="5601533"/>
           </a:xfrm>
           <a:prstGeom prst="rect">
             <a:avLst/>
@@ -6455,7 +6295,7 @@
               <a:buChar char="•"/>
             </a:pPr>
             <a:r>
-              <a:rPr lang="en-GB" sz="2200" dirty="0"/>
+              <a:rPr lang="en-GB" sz="2400" dirty="0"/>
               <a:t>The CFEL-ATTO group uses THG of few-femtosecond IR laser pulses in a gas cell to produce ultrashort UV pulses </a:t>
             </a:r>
           </a:p>
@@ -6465,18 +6305,8 @@
               <a:buChar char="•"/>
             </a:pPr>
             <a:r>
-              <a:rPr lang="en-GB" sz="2200" dirty="0"/>
-              <a:t>This process is sensitive to a variety of experimental parameters</a:t>
-            </a:r>
-          </a:p>
-          <a:p>
-            <a:pPr marL="285750" indent="-285750">
-              <a:buFont typeface="Arial" panose="020B0604020202020204" pitchFamily="34" charset="0"/>
-              <a:buChar char="•"/>
-            </a:pPr>
-            <a:r>
-              <a:rPr lang="en-GB" sz="2200" dirty="0"/>
-              <a:t>The aim of this project was to produce simulations of the THG process in order to </a:t>
+              <a:rPr lang="en-GB" sz="2400" dirty="0"/>
+              <a:t>The aim of this project was to produce simulations of the THG process to: </a:t>
             </a:r>
           </a:p>
           <a:p>
@@ -6485,7 +6315,7 @@
               <a:buAutoNum type="alphaLcPeriod"/>
             </a:pPr>
             <a:r>
-              <a:rPr lang="en-GB" sz="2200" dirty="0"/>
+              <a:rPr lang="en-GB" sz="2400" dirty="0"/>
               <a:t>Reproduce the experimental conditions in the gas </a:t>
             </a:r>
           </a:p>
@@ -6495,7 +6325,7 @@
               <a:buAutoNum type="alphaLcPeriod"/>
             </a:pPr>
             <a:r>
-              <a:rPr lang="en-GB" sz="2200" dirty="0"/>
+              <a:rPr lang="en-GB" sz="2400" dirty="0"/>
               <a:t>Study the effects dominating the THG process </a:t>
             </a:r>
           </a:p>
@@ -6505,7 +6335,7 @@
               <a:buAutoNum type="alphaLcPeriod"/>
             </a:pPr>
             <a:r>
-              <a:rPr lang="en-GB" sz="2200" dirty="0"/>
+              <a:rPr lang="en-GB" sz="2400" dirty="0"/>
               <a:t>Investigate how changes to different input parameters affect the UV pulses</a:t>
             </a:r>
           </a:p>
@@ -6515,7 +6345,7 @@
               <a:buAutoNum type="alphaLcPeriod"/>
             </a:pPr>
             <a:r>
-              <a:rPr lang="en-GB" sz="2200" dirty="0"/>
+              <a:rPr lang="en-GB" sz="2400" dirty="0"/>
               <a:t>Compare the new gas chip to the old (2019) cell </a:t>
             </a:r>
           </a:p>
@@ -6784,25 +6614,25 @@
                   <a:buChar char="•"/>
                 </a:pPr>
                 <a:r>
-                  <a:rPr lang="en-GB" sz="2600" dirty="0">
+                  <a:rPr lang="en-GB" sz="2400" dirty="0">
                     <a:latin typeface="+mn-lt"/>
                   </a:rPr>
                   <a:t>The simulations were produced using the </a:t>
                 </a:r>
                 <a:r>
-                  <a:rPr lang="en-GB" sz="2600" i="1" dirty="0" err="1">
+                  <a:rPr lang="en-GB" sz="2400" i="1" dirty="0" err="1">
                     <a:latin typeface="+mn-lt"/>
                   </a:rPr>
                   <a:t>Luna.jl</a:t>
                 </a:r>
                 <a:r>
-                  <a:rPr lang="en-GB" sz="2600" i="1" dirty="0">
+                  <a:rPr lang="en-GB" sz="2400" i="1" dirty="0">
                     <a:latin typeface="+mn-lt"/>
                   </a:rPr>
                   <a:t> </a:t>
                 </a:r>
                 <a:r>
-                  <a:rPr lang="en-GB" sz="2600" dirty="0">
+                  <a:rPr lang="en-GB" sz="2400" dirty="0">
                     <a:latin typeface="+mn-lt"/>
                   </a:rPr>
                   <a:t>package [1]</a:t>
@@ -6814,19 +6644,19 @@
                   <a:buChar char="•"/>
                 </a:pPr>
                 <a:r>
-                  <a:rPr lang="en-GB" sz="2600" dirty="0">
+                  <a:rPr lang="en-GB" sz="2400" dirty="0">
                     <a:latin typeface="+mn-lt"/>
                   </a:rPr>
                   <a:t>Luna numerically solves the unidirectional pulse propagation equation (UPPE) for a pulse travelling in the </a:t>
                 </a:r>
                 <a:r>
-                  <a:rPr lang="en-GB" sz="2600" i="1" dirty="0">
+                  <a:rPr lang="en-GB" sz="2400" i="1" dirty="0">
                     <a:latin typeface="+mn-lt"/>
                   </a:rPr>
                   <a:t>z</a:t>
                 </a:r>
                 <a:r>
-                  <a:rPr lang="en-GB" sz="2600" dirty="0">
+                  <a:rPr lang="en-GB" sz="2400" dirty="0">
                     <a:latin typeface="+mn-lt"/>
                   </a:rPr>
                   <a:t>-direction:</a:t>
@@ -7347,16 +7177,10 @@
                   <a:buChar char="•"/>
                 </a:pPr>
                 <a:r>
-                  <a:rPr lang="en-GB" sz="2600" dirty="0">
+                  <a:rPr lang="en-GB" sz="2400" dirty="0">
                     <a:latin typeface="+mn-lt"/>
                   </a:rPr>
-                  <a:t>A Hankel transform is used to transform into reciprocal space, assuming radial symmetry </a:t>
-                </a:r>
-                <a:r>
-                  <a:rPr lang="en-GB" dirty="0">
-                    <a:latin typeface="+mn-lt"/>
-                  </a:rPr>
-                  <a:t>	</a:t>
+                  <a:t>A Hankel transform is used to transform into reciprocal space, assuming radial symmetry 	</a:t>
                 </a:r>
               </a:p>
               <a:p>
@@ -7391,7 +7215,7 @@
               <a:blipFill>
                 <a:blip r:embed="rId3"/>
                 <a:stretch>
-                  <a:fillRect l="-893" t="-903"/>
+                  <a:fillRect l="-782" t="-903" r="-893"/>
                 </a:stretch>
               </a:blipFill>
             </p:spPr>
@@ -7410,8 +7234,8 @@
           </p:sp>
         </mc:Fallback>
       </mc:AlternateContent>
-      <mc:AlternateContent xmlns:mc="http://schemas.openxmlformats.org/markup-compatibility/2006">
-        <mc:Choice xmlns:a14="http://schemas.microsoft.com/office/drawing/2010/main" Requires="a14">
+      <mc:AlternateContent xmlns:mc="http://schemas.openxmlformats.org/markup-compatibility/2006" xmlns:a14="http://schemas.microsoft.com/office/drawing/2010/main">
+        <mc:Choice Requires="a14">
           <p:sp>
             <p:nvSpPr>
               <p:cNvPr id="10" name="TextBox 9">
@@ -7814,7 +7638,7 @@
             </p:txBody>
           </p:sp>
         </mc:Choice>
-        <mc:Fallback>
+        <mc:Fallback xmlns="">
           <p:sp>
             <p:nvSpPr>
               <p:cNvPr id="10" name="TextBox 9">
@@ -7874,7 +7698,7 @@
         <p:spPr>
           <a:xfrm>
             <a:off x="9986929" y="3005017"/>
-            <a:ext cx="561372" cy="461665"/>
+            <a:ext cx="526106" cy="461665"/>
           </a:xfrm>
           <a:prstGeom prst="rect">
             <a:avLst/>
@@ -7888,7 +7712,11 @@
           <a:lstStyle/>
           <a:p>
             <a:r>
-              <a:rPr lang="en-GB" sz="2400" dirty="0"/>
+              <a:rPr lang="en-GB" sz="2400" dirty="0">
+                <a:solidFill>
+                  <a:schemeClr val="tx2"/>
+                </a:solidFill>
+              </a:rPr>
               <a:t>(1)</a:t>
             </a:r>
           </a:p>
@@ -8050,8 +7878,8 @@
             </p:nvSpPr>
             <p:spPr>
               <a:xfrm>
-                <a:off x="455645" y="1530220"/>
-                <a:ext cx="10098056" cy="5078954"/>
+                <a:off x="455644" y="1210603"/>
+                <a:ext cx="10098056" cy="5327099"/>
               </a:xfrm>
               <a:prstGeom prst="rect">
                 <a:avLst/>
@@ -8069,7 +7897,7 @@
                   <a:buChar char="•"/>
                 </a:pPr>
                 <a:r>
-                  <a:rPr lang="en-GB" sz="2000" dirty="0"/>
+                  <a:rPr lang="en-GB" sz="2400" dirty="0"/>
                   <a:t>The UPPE is derived directly from Maxwell’s Equations without using a  slowly-varying envelope approximation [2]</a:t>
                 </a:r>
               </a:p>
@@ -8079,7 +7907,7 @@
                   <a:buChar char="•"/>
                 </a:pPr>
                 <a:r>
-                  <a:rPr lang="en-GB" sz="2000" dirty="0"/>
+                  <a:rPr lang="en-GB" sz="2400" dirty="0"/>
                   <a:t>The nonlinear polarisation response considers the Kerr effect as well as photo-ionisation: </a:t>
                 </a:r>
                 <a14:m>
@@ -8087,14 +7915,14 @@
                     <m:sSup>
                       <m:sSupPr>
                         <m:ctrlPr>
-                          <a:rPr lang="en-GB" sz="2000" b="0" i="1" smtClean="0">
+                          <a:rPr lang="en-GB" sz="2400" b="0" i="1" smtClean="0">
                             <a:latin typeface="Cambria Math" panose="02040503050406030204" pitchFamily="18" charset="0"/>
                           </a:rPr>
                         </m:ctrlPr>
                       </m:sSupPr>
                       <m:e>
                         <m:r>
-                          <a:rPr lang="en-GB" sz="2000" b="1" i="1" smtClean="0">
+                          <a:rPr lang="en-GB" sz="2400" b="1" i="1" smtClean="0">
                             <a:latin typeface="Cambria Math" panose="02040503050406030204" pitchFamily="18" charset="0"/>
                           </a:rPr>
                           <m:t>𝑷</m:t>
@@ -8102,7 +7930,7 @@
                       </m:e>
                       <m:sup>
                         <m:r>
-                          <a:rPr lang="en-GB" sz="2000" b="0" i="1" smtClean="0">
+                          <a:rPr lang="en-GB" sz="2400" b="0" i="1" smtClean="0">
                             <a:latin typeface="Cambria Math" panose="02040503050406030204" pitchFamily="18" charset="0"/>
                           </a:rPr>
                           <m:t>𝑁𝐿</m:t>
@@ -8110,7 +7938,7 @@
                       </m:sup>
                     </m:sSup>
                     <m:r>
-                      <a:rPr lang="en-GB" sz="2000" b="0" i="1" smtClean="0">
+                      <a:rPr lang="en-GB" sz="2400" b="0" i="1" smtClean="0">
                         <a:latin typeface="Cambria Math" panose="02040503050406030204" pitchFamily="18" charset="0"/>
                       </a:rPr>
                       <m:t>=</m:t>
@@ -8118,14 +7946,14 @@
                     <m:sSup>
                       <m:sSupPr>
                         <m:ctrlPr>
-                          <a:rPr lang="en-GB" sz="2000" b="0" i="1" smtClean="0">
+                          <a:rPr lang="en-GB" sz="2400" b="0" i="1" smtClean="0">
                             <a:latin typeface="Cambria Math" panose="02040503050406030204" pitchFamily="18" charset="0"/>
                           </a:rPr>
                         </m:ctrlPr>
                       </m:sSupPr>
                       <m:e>
                         <m:r>
-                          <a:rPr lang="en-GB" sz="2000" b="1" i="1" smtClean="0">
+                          <a:rPr lang="en-GB" sz="2400" b="1" i="1" smtClean="0">
                             <a:latin typeface="Cambria Math" panose="02040503050406030204" pitchFamily="18" charset="0"/>
                           </a:rPr>
                           <m:t>𝑷</m:t>
@@ -8133,7 +7961,7 @@
                       </m:e>
                       <m:sup>
                         <m:r>
-                          <a:rPr lang="en-GB" sz="2000" b="0" i="1" smtClean="0">
+                          <a:rPr lang="en-GB" sz="2400" b="0" i="1" smtClean="0">
                             <a:latin typeface="Cambria Math" panose="02040503050406030204" pitchFamily="18" charset="0"/>
                           </a:rPr>
                           <m:t>𝐾𝑒𝑟𝑟</m:t>
@@ -8141,7 +7969,7 @@
                       </m:sup>
                     </m:sSup>
                     <m:r>
-                      <a:rPr lang="en-GB" sz="2000" b="0" i="1" smtClean="0">
+                      <a:rPr lang="en-GB" sz="2400" b="0" i="1" smtClean="0">
                         <a:latin typeface="Cambria Math" panose="02040503050406030204" pitchFamily="18" charset="0"/>
                       </a:rPr>
                       <m:t>+</m:t>
@@ -8149,14 +7977,14 @@
                     <m:sSup>
                       <m:sSupPr>
                         <m:ctrlPr>
-                          <a:rPr lang="en-GB" sz="2000" b="0" i="1" smtClean="0">
+                          <a:rPr lang="en-GB" sz="2400" b="0" i="1" smtClean="0">
                             <a:latin typeface="Cambria Math" panose="02040503050406030204" pitchFamily="18" charset="0"/>
                           </a:rPr>
                         </m:ctrlPr>
                       </m:sSupPr>
                       <m:e>
                         <m:r>
-                          <a:rPr lang="en-GB" sz="2000" b="1" i="1" smtClean="0">
+                          <a:rPr lang="en-GB" sz="2400" b="1" i="1" smtClean="0">
                             <a:latin typeface="Cambria Math" panose="02040503050406030204" pitchFamily="18" charset="0"/>
                           </a:rPr>
                           <m:t>𝑷</m:t>
@@ -8164,7 +7992,7 @@
                       </m:e>
                       <m:sup>
                         <m:r>
-                          <a:rPr lang="en-GB" sz="2000" b="0" i="1" smtClean="0">
+                          <a:rPr lang="en-GB" sz="2400" b="0" i="1" smtClean="0">
                             <a:latin typeface="Cambria Math" panose="02040503050406030204" pitchFamily="18" charset="0"/>
                           </a:rPr>
                           <m:t>𝑖𝑜𝑛</m:t>
@@ -8174,7 +8002,7 @@
                   </m:oMath>
                 </a14:m>
                 <a:r>
-                  <a:rPr lang="en-GB" sz="2000" dirty="0"/>
+                  <a:rPr lang="en-GB" sz="2400" dirty="0"/>
                   <a:t>, with</a:t>
                 </a:r>
               </a:p>
@@ -8245,9 +8073,7 @@
                 <a:endParaRPr lang="en-GB" sz="1600" dirty="0"/>
               </a:p>
               <a:p>
-                <a:pPr marL="0" indent="0">
-                  <a:buNone/>
-                </a:pPr>
+                <a:pPr lvl="1"/>
                 <a:r>
                   <a:rPr lang="en-GB" dirty="0"/>
                   <a:t>where </a:t>
@@ -8407,8 +8233,8 @@
             </p:nvSpPr>
             <p:spPr>
               <a:xfrm>
-                <a:off x="455645" y="1530220"/>
-                <a:ext cx="10098056" cy="5078954"/>
+                <a:off x="455644" y="1210603"/>
+                <a:ext cx="10098056" cy="5327099"/>
               </a:xfrm>
               <a:prstGeom prst="rect">
                 <a:avLst/>
@@ -8416,7 +8242,7 @@
               <a:blipFill>
                 <a:blip r:embed="rId3"/>
                 <a:stretch>
-                  <a:fillRect l="-543" t="-600"/>
+                  <a:fillRect l="-845" t="-916"/>
                 </a:stretch>
               </a:blipFill>
             </p:spPr>
@@ -8451,7 +8277,7 @@
             </p:nvSpPr>
             <p:spPr>
               <a:xfrm>
-                <a:off x="2939845" y="3034661"/>
+                <a:off x="2169083" y="3034661"/>
                 <a:ext cx="4526624" cy="394339"/>
               </a:xfrm>
               <a:prstGeom prst="rect">
@@ -8723,7 +8549,7 @@
             </p:nvSpPr>
             <p:spPr>
               <a:xfrm>
-                <a:off x="2939845" y="3034661"/>
+                <a:off x="2169083" y="3034661"/>
                 <a:ext cx="4526624" cy="394339"/>
               </a:xfrm>
               <a:prstGeom prst="rect">
@@ -8767,7 +8593,7 @@
             </p:nvSpPr>
             <p:spPr>
               <a:xfrm>
-                <a:off x="2678017" y="3750466"/>
+                <a:off x="1820494" y="3582690"/>
                 <a:ext cx="8420382" cy="824136"/>
               </a:xfrm>
               <a:prstGeom prst="rect">
@@ -9374,7 +9200,7 @@
             </p:nvSpPr>
             <p:spPr>
               <a:xfrm>
-                <a:off x="2678017" y="3750466"/>
+                <a:off x="1820494" y="3582690"/>
                 <a:ext cx="8420382" cy="824136"/>
               </a:xfrm>
               <a:prstGeom prst="rect">
@@ -9418,7 +9244,7 @@
             </p:nvSpPr>
             <p:spPr>
               <a:xfrm>
-                <a:off x="4099570" y="4741990"/>
+                <a:off x="3266189" y="4630615"/>
                 <a:ext cx="3175421" cy="702244"/>
               </a:xfrm>
               <a:prstGeom prst="rect">
@@ -9617,7 +9443,7 @@
             </p:nvSpPr>
             <p:spPr>
               <a:xfrm>
-                <a:off x="4099570" y="4741990"/>
+                <a:off x="3266189" y="4630615"/>
                 <a:ext cx="3175421" cy="702244"/>
               </a:xfrm>
               <a:prstGeom prst="rect">
@@ -9659,8 +9485,8 @@
         </p:nvSpPr>
         <p:spPr>
           <a:xfrm>
-            <a:off x="9252155" y="2944688"/>
-            <a:ext cx="561372" cy="461665"/>
+            <a:off x="8016700" y="2986732"/>
+            <a:ext cx="526106" cy="461665"/>
           </a:xfrm>
           <a:prstGeom prst="rect">
             <a:avLst/>
@@ -9674,7 +9500,11 @@
           <a:lstStyle/>
           <a:p>
             <a:r>
-              <a:rPr lang="en-GB" sz="2400" dirty="0"/>
+              <a:rPr lang="en-GB" sz="2400" dirty="0">
+                <a:solidFill>
+                  <a:schemeClr val="tx2"/>
+                </a:solidFill>
+              </a:rPr>
               <a:t>(2)</a:t>
             </a:r>
           </a:p>
@@ -9694,8 +9524,8 @@
         </p:nvSpPr>
         <p:spPr>
           <a:xfrm>
-            <a:off x="11384847" y="3911400"/>
-            <a:ext cx="561372" cy="461665"/>
+            <a:off x="10971244" y="3763925"/>
+            <a:ext cx="526106" cy="461665"/>
           </a:xfrm>
           <a:prstGeom prst="rect">
             <a:avLst/>
@@ -9709,7 +9539,11 @@
           <a:lstStyle/>
           <a:p>
             <a:r>
-              <a:rPr lang="en-GB" sz="2400" dirty="0"/>
+              <a:rPr lang="en-GB" sz="2400" dirty="0">
+                <a:solidFill>
+                  <a:schemeClr val="tx2"/>
+                </a:solidFill>
+              </a:rPr>
               <a:t>(3)</a:t>
             </a:r>
           </a:p>
@@ -9729,8 +9563,8 @@
         </p:nvSpPr>
         <p:spPr>
           <a:xfrm>
-            <a:off x="9252155" y="4944521"/>
-            <a:ext cx="561372" cy="461665"/>
+            <a:off x="8076497" y="4814701"/>
+            <a:ext cx="526106" cy="461665"/>
           </a:xfrm>
           <a:prstGeom prst="rect">
             <a:avLst/>
@@ -9744,7 +9578,11 @@
           <a:lstStyle/>
           <a:p>
             <a:r>
-              <a:rPr lang="en-GB" sz="2400" dirty="0"/>
+              <a:rPr lang="en-GB" sz="2400" dirty="0">
+                <a:solidFill>
+                  <a:schemeClr val="tx2"/>
+                </a:solidFill>
+              </a:rPr>
               <a:t>(4)</a:t>
             </a:r>
           </a:p>
@@ -9810,7 +9648,7 @@
         </p:blipFill>
         <p:spPr>
           <a:xfrm>
-            <a:off x="-130629" y="-44827"/>
+            <a:off x="-130629" y="-54158"/>
             <a:ext cx="12322629" cy="6947654"/>
           </a:xfrm>
         </p:spPr>
@@ -9892,7 +9730,7 @@
         </p:nvSpPr>
         <p:spPr>
           <a:xfrm>
-            <a:off x="11541966" y="6537702"/>
+            <a:off x="11569959" y="6509709"/>
             <a:ext cx="511629" cy="365125"/>
           </a:xfrm>
         </p:spPr>
@@ -9901,10 +9739,18 @@
           <a:lstStyle/>
           <a:p>
             <a:fld id="{54D89579-D9F6-47AA-A878-E5ECDBCBE9C9}" type="slidenum">
-              <a:rPr lang="en-GB" b="1" smtClean="0"/>
+              <a:rPr lang="en-GB" sz="1400" b="1" smtClean="0">
+                <a:solidFill>
+                  <a:schemeClr val="tx1"/>
+                </a:solidFill>
+              </a:rPr>
               <a:t>6</a:t>
             </a:fld>
-            <a:endParaRPr lang="en-GB" b="1" dirty="0"/>
+            <a:endParaRPr lang="en-GB" sz="1400" b="1" dirty="0">
+              <a:solidFill>
+                <a:schemeClr val="tx1"/>
+              </a:solidFill>
+            </a:endParaRPr>
           </a:p>
         </p:txBody>
       </p:sp>
@@ -10253,7 +10099,7 @@
         <p:spPr>
           <a:xfrm>
             <a:off x="455643" y="1032043"/>
-            <a:ext cx="8790993" cy="369332"/>
+            <a:ext cx="8790993" cy="461665"/>
           </a:xfrm>
           <a:prstGeom prst="rect">
             <a:avLst/>
@@ -10270,7 +10116,7 @@
               <a:buNone/>
             </a:pPr>
             <a:r>
-              <a:rPr lang="en-GB" dirty="0"/>
+              <a:rPr lang="en-GB" sz="2400" dirty="0"/>
               <a:t>The simulated UV spectra and energies agree well with experiment:</a:t>
             </a:r>
           </a:p>
@@ -10776,138 +10622,6 @@
           </a:p>
         </p:txBody>
       </p:sp>
-      <p:sp>
-        <p:nvSpPr>
-          <p:cNvPr id="10" name="Content Placeholder 2">
-            <a:extLst>
-              <a:ext uri="{FF2B5EF4-FFF2-40B4-BE49-F238E27FC236}">
-                <a16:creationId xmlns:a16="http://schemas.microsoft.com/office/drawing/2014/main" id="{41454A91-7917-35F8-B73C-BFDCB31A52F6}"/>
-              </a:ext>
-            </a:extLst>
-          </p:cNvPr>
-          <p:cNvSpPr txBox="1">
-            <a:spLocks/>
-          </p:cNvSpPr>
-          <p:nvPr/>
-        </p:nvSpPr>
-        <p:spPr>
-          <a:xfrm>
-            <a:off x="407881" y="1406520"/>
-            <a:ext cx="5688120" cy="5009760"/>
-          </a:xfrm>
-          <a:prstGeom prst="rect">
-            <a:avLst/>
-          </a:prstGeom>
-          <a:noFill/>
-          <a:ln w="0">
-            <a:noFill/>
-          </a:ln>
-        </p:spPr>
-        <p:txBody>
-          <a:bodyPr lIns="0" tIns="0" rIns="0" bIns="0" anchor="ctr">
-            <a:noAutofit/>
-          </a:bodyPr>
-          <a:lstStyle>
-            <a:lvl1pPr algn="l" defTabSz="914400" rtl="0" eaLnBrk="1" latinLnBrk="0" hangingPunct="1">
-              <a:lnSpc>
-                <a:spcPct val="90000"/>
-              </a:lnSpc>
-              <a:spcBef>
-                <a:spcPct val="0"/>
-              </a:spcBef>
-              <a:buNone/>
-              <a:defRPr sz="4400" kern="1200">
-                <a:solidFill>
-                  <a:schemeClr val="tx1"/>
-                </a:solidFill>
-                <a:latin typeface="+mj-lt"/>
-                <a:ea typeface="+mj-ea"/>
-                <a:cs typeface="+mj-cs"/>
-              </a:defRPr>
-            </a:lvl1pPr>
-          </a:lstStyle>
-          <a:p>
-            <a:pPr marL="457200" indent="-457200">
-              <a:buFont typeface="Arial" panose="020B0604020202020204" pitchFamily="34" charset="0"/>
-              <a:buChar char="•"/>
-            </a:pPr>
-            <a:r>
-              <a:rPr lang="en-GB" sz="2600" dirty="0"/>
-              <a:t>Waff </a:t>
-            </a:r>
-          </a:p>
-          <a:p>
-            <a:pPr marL="457200" indent="-457200">
-              <a:buFont typeface="Arial" panose="020B0604020202020204" pitchFamily="34" charset="0"/>
-              <a:buChar char="•"/>
-            </a:pPr>
-            <a:endParaRPr lang="en-GB" sz="2600" dirty="0"/>
-          </a:p>
-          <a:p>
-            <a:pPr marL="457200" indent="-457200">
-              <a:buFont typeface="Arial" panose="020B0604020202020204" pitchFamily="34" charset="0"/>
-              <a:buChar char="•"/>
-            </a:pPr>
-            <a:endParaRPr lang="en-GB" sz="2600" dirty="0"/>
-          </a:p>
-          <a:p>
-            <a:pPr marL="457200" indent="-457200">
-              <a:buFont typeface="Arial" panose="020B0604020202020204" pitchFamily="34" charset="0"/>
-              <a:buChar char="•"/>
-            </a:pPr>
-            <a:endParaRPr lang="en-GB" sz="2600" dirty="0"/>
-          </a:p>
-          <a:p>
-            <a:pPr marL="457200" indent="-457200">
-              <a:buFont typeface="Arial" panose="020B0604020202020204" pitchFamily="34" charset="0"/>
-              <a:buChar char="•"/>
-            </a:pPr>
-            <a:endParaRPr lang="en-GB" sz="2600" dirty="0"/>
-          </a:p>
-          <a:p>
-            <a:pPr marL="457200" indent="-457200">
-              <a:buFont typeface="Arial" panose="020B0604020202020204" pitchFamily="34" charset="0"/>
-              <a:buChar char="•"/>
-            </a:pPr>
-            <a:endParaRPr lang="en-GB" sz="2600" dirty="0"/>
-          </a:p>
-          <a:p>
-            <a:pPr marL="457200" indent="-457200">
-              <a:buFont typeface="Arial" panose="020B0604020202020204" pitchFamily="34" charset="0"/>
-              <a:buChar char="•"/>
-            </a:pPr>
-            <a:endParaRPr lang="en-GB" sz="2600" dirty="0"/>
-          </a:p>
-          <a:p>
-            <a:pPr marL="457200" indent="-457200">
-              <a:buFont typeface="Arial" panose="020B0604020202020204" pitchFamily="34" charset="0"/>
-              <a:buChar char="•"/>
-            </a:pPr>
-            <a:endParaRPr lang="en-GB" sz="2600" dirty="0"/>
-          </a:p>
-          <a:p>
-            <a:pPr marL="457200" indent="-457200">
-              <a:buFont typeface="Arial" panose="020B0604020202020204" pitchFamily="34" charset="0"/>
-              <a:buChar char="•"/>
-            </a:pPr>
-            <a:endParaRPr lang="en-GB" sz="2600" dirty="0"/>
-          </a:p>
-          <a:p>
-            <a:pPr marL="457200" indent="-457200">
-              <a:buFont typeface="Arial" panose="020B0604020202020204" pitchFamily="34" charset="0"/>
-              <a:buChar char="•"/>
-            </a:pPr>
-            <a:endParaRPr lang="en-GB" sz="2600" dirty="0"/>
-          </a:p>
-          <a:p>
-            <a:pPr marL="457200" indent="-457200">
-              <a:buFont typeface="Arial" panose="020B0604020202020204" pitchFamily="34" charset="0"/>
-              <a:buChar char="•"/>
-            </a:pPr>
-            <a:endParaRPr lang="en-GB" sz="2600" dirty="0"/>
-          </a:p>
-        </p:txBody>
-      </p:sp>
     </p:spTree>
     <p:extLst>
       <p:ext uri="{BB962C8B-B14F-4D97-AF65-F5344CB8AC3E}">
@@ -11290,7 +11004,7 @@
         </p:nvSpPr>
         <p:spPr>
           <a:xfrm>
-            <a:off x="6198129" y="5815183"/>
+            <a:off x="6198129" y="5852507"/>
             <a:ext cx="5742289" cy="646331"/>
           </a:xfrm>
           <a:prstGeom prst="rect">

--- a/presentations/DESY - Final Presentation (fixed).pptx
+++ b/presentations/DESY - Final Presentation (fixed).pptx
@@ -5,24 +5,22 @@
     <p:sldMasterId id="2147483648" r:id="rId1"/>
   </p:sldMasterIdLst>
   <p:notesMasterIdLst>
-    <p:notesMasterId r:id="rId17"/>
+    <p:notesMasterId r:id="rId15"/>
   </p:notesMasterIdLst>
   <p:sldIdLst>
     <p:sldId id="257" r:id="rId2"/>
-    <p:sldId id="274" r:id="rId3"/>
-    <p:sldId id="273" r:id="rId4"/>
-    <p:sldId id="258" r:id="rId5"/>
-    <p:sldId id="272" r:id="rId6"/>
-    <p:sldId id="268" r:id="rId7"/>
-    <p:sldId id="269" r:id="rId8"/>
-    <p:sldId id="270" r:id="rId9"/>
-    <p:sldId id="271" r:id="rId10"/>
-    <p:sldId id="261" r:id="rId11"/>
-    <p:sldId id="262" r:id="rId12"/>
-    <p:sldId id="263" r:id="rId13"/>
-    <p:sldId id="264" r:id="rId14"/>
-    <p:sldId id="265" r:id="rId15"/>
-    <p:sldId id="266" r:id="rId16"/>
+    <p:sldId id="273" r:id="rId3"/>
+    <p:sldId id="258" r:id="rId4"/>
+    <p:sldId id="268" r:id="rId5"/>
+    <p:sldId id="269" r:id="rId6"/>
+    <p:sldId id="275" r:id="rId7"/>
+    <p:sldId id="270" r:id="rId8"/>
+    <p:sldId id="271" r:id="rId9"/>
+    <p:sldId id="261" r:id="rId10"/>
+    <p:sldId id="264" r:id="rId11"/>
+    <p:sldId id="276" r:id="rId12"/>
+    <p:sldId id="265" r:id="rId13"/>
+    <p:sldId id="266" r:id="rId14"/>
   </p:sldIdLst>
   <p:sldSz cx="12192000" cy="6858000"/>
   <p:notesSz cx="6858000" cy="9144000"/>
@@ -211,7 +209,7 @@
           <a:p>
             <a:fld id="{178AEDB3-358A-4A82-BD5A-8ED62EB3E52D}" type="datetimeFigureOut">
               <a:rPr lang="en-GB" smtClean="0"/>
-              <a:t>29/08/2023</a:t>
+              <a:t>30/08/2023</a:t>
             </a:fld>
             <a:endParaRPr lang="en-GB"/>
           </a:p>
@@ -783,7 +781,7 @@
           <a:p>
             <a:fld id="{68F2466B-BA14-43F9-BF3A-C7AF4D265EF6}" type="datetime1">
               <a:rPr lang="en-GB" smtClean="0"/>
-              <a:t>29/08/2023</a:t>
+              <a:t>30/08/2023</a:t>
             </a:fld>
             <a:endParaRPr lang="en-GB"/>
           </a:p>
@@ -983,7 +981,7 @@
           <a:p>
             <a:fld id="{9E1E46E3-503F-43E5-9751-E18D5C3F3EE5}" type="datetime1">
               <a:rPr lang="en-GB" smtClean="0"/>
-              <a:t>29/08/2023</a:t>
+              <a:t>30/08/2023</a:t>
             </a:fld>
             <a:endParaRPr lang="en-GB"/>
           </a:p>
@@ -1193,7 +1191,7 @@
           <a:p>
             <a:fld id="{466A10F0-83B5-4414-BA25-2925A4C38CEA}" type="datetime1">
               <a:rPr lang="en-GB" smtClean="0"/>
-              <a:t>29/08/2023</a:t>
+              <a:t>30/08/2023</a:t>
             </a:fld>
             <a:endParaRPr lang="en-GB"/>
           </a:p>
@@ -1505,7 +1503,7 @@
           <a:p>
             <a:fld id="{A09059D6-4CEF-4960-A9FE-E55DB08CA49C}" type="datetime1">
               <a:rPr lang="en-GB" smtClean="0"/>
-              <a:t>29/08/2023</a:t>
+              <a:t>30/08/2023</a:t>
             </a:fld>
             <a:endParaRPr lang="en-GB"/>
           </a:p>
@@ -1781,7 +1779,7 @@
           <a:p>
             <a:fld id="{A35DA214-1A52-4EFA-A12A-F35B075A4B74}" type="datetime1">
               <a:rPr lang="en-GB" smtClean="0"/>
-              <a:t>29/08/2023</a:t>
+              <a:t>30/08/2023</a:t>
             </a:fld>
             <a:endParaRPr lang="en-GB"/>
           </a:p>
@@ -2049,7 +2047,7 @@
           <a:p>
             <a:fld id="{39A58629-D694-4684-82CA-953AF440C013}" type="datetime1">
               <a:rPr lang="en-GB" smtClean="0"/>
-              <a:t>29/08/2023</a:t>
+              <a:t>30/08/2023</a:t>
             </a:fld>
             <a:endParaRPr lang="en-GB"/>
           </a:p>
@@ -2464,7 +2462,7 @@
           <a:p>
             <a:fld id="{81D84155-C72E-4EBA-B762-204A008C2110}" type="datetime1">
               <a:rPr lang="en-GB" smtClean="0"/>
-              <a:t>29/08/2023</a:t>
+              <a:t>30/08/2023</a:t>
             </a:fld>
             <a:endParaRPr lang="en-GB"/>
           </a:p>
@@ -2606,7 +2604,7 @@
           <a:p>
             <a:fld id="{2E055730-61E9-46EA-922A-BE08F9DC7EBC}" type="datetime1">
               <a:rPr lang="en-GB" smtClean="0"/>
-              <a:t>29/08/2023</a:t>
+              <a:t>30/08/2023</a:t>
             </a:fld>
             <a:endParaRPr lang="en-GB"/>
           </a:p>
@@ -2719,7 +2717,7 @@
           <a:p>
             <a:fld id="{0F7C7BAC-EDDD-45D9-9FAD-24B1694D84C9}" type="datetime1">
               <a:rPr lang="en-GB" smtClean="0"/>
-              <a:t>29/08/2023</a:t>
+              <a:t>30/08/2023</a:t>
             </a:fld>
             <a:endParaRPr lang="en-GB"/>
           </a:p>
@@ -3032,7 +3030,7 @@
           <a:p>
             <a:fld id="{2EEAACDD-B6B6-4058-A6D2-54852E20247F}" type="datetime1">
               <a:rPr lang="en-GB" smtClean="0"/>
-              <a:t>29/08/2023</a:t>
+              <a:t>30/08/2023</a:t>
             </a:fld>
             <a:endParaRPr lang="en-GB"/>
           </a:p>
@@ -3321,7 +3319,7 @@
           <a:p>
             <a:fld id="{E5EE81B6-7451-4280-BE2D-EBA8A9729551}" type="datetime1">
               <a:rPr lang="en-GB" smtClean="0"/>
-              <a:t>29/08/2023</a:t>
+              <a:t>30/08/2023</a:t>
             </a:fld>
             <a:endParaRPr lang="en-GB"/>
           </a:p>
@@ -3564,7 +3562,7 @@
           <a:p>
             <a:fld id="{FCA68BBE-C674-408D-A2D3-8C11399BE1F0}" type="datetime1">
               <a:rPr lang="en-GB" smtClean="0"/>
-              <a:t>29/08/2023</a:t>
+              <a:t>30/08/2023</a:t>
             </a:fld>
             <a:endParaRPr lang="en-GB"/>
           </a:p>
@@ -4405,22 +4403,13 @@
           <a:lstStyle/>
           <a:p>
             <a:r>
-              <a:rPr lang="en-US" b="1" spc="-1" dirty="0">
-                <a:solidFill>
-                  <a:srgbClr val="009FDF"/>
-                </a:solidFill>
-                <a:latin typeface="Arial"/>
-              </a:rPr>
-              <a:t>4</a:t>
-            </a:r>
-            <a:r>
               <a:rPr lang="en-US" b="1" strike="noStrike" spc="-1" dirty="0">
                 <a:solidFill>
                   <a:srgbClr val="009FDF"/>
                 </a:solidFill>
                 <a:latin typeface="Arial"/>
               </a:rPr>
-              <a:t>.III Effects of chirp</a:t>
+              <a:t>4.IV Comparing the gas cells</a:t>
             </a:r>
             <a:endParaRPr lang="en-GB" dirty="0"/>
           </a:p>
@@ -4460,143 +4449,51 @@
           </a:p>
         </p:txBody>
       </p:sp>
-      <mc:AlternateContent xmlns:mc="http://schemas.openxmlformats.org/markup-compatibility/2006">
-        <mc:Choice xmlns:a14="http://schemas.microsoft.com/office/drawing/2010/main" Requires="a14">
-          <p:sp>
-            <p:nvSpPr>
-              <p:cNvPr id="4" name="TextBox 3">
-                <a:extLst>
-                  <a:ext uri="{FF2B5EF4-FFF2-40B4-BE49-F238E27FC236}">
-                    <a16:creationId xmlns:a16="http://schemas.microsoft.com/office/drawing/2014/main" id="{EFDAF1EB-49C2-8531-837A-B0B024E1900D}"/>
-                  </a:ext>
-                </a:extLst>
-              </p:cNvPr>
-              <p:cNvSpPr txBox="1"/>
-              <p:nvPr/>
-            </p:nvSpPr>
-            <p:spPr>
-              <a:xfrm>
-                <a:off x="455644" y="1645022"/>
-                <a:ext cx="5543940" cy="4154984"/>
-              </a:xfrm>
-              <a:prstGeom prst="rect">
-                <a:avLst/>
-              </a:prstGeom>
-              <a:noFill/>
-            </p:spPr>
-            <p:txBody>
-              <a:bodyPr wrap="square">
-                <a:spAutoFit/>
-              </a:bodyPr>
-              <a:lstStyle/>
-              <a:p>
-                <a:pPr marL="285750" indent="-285750">
-                  <a:buFont typeface="Arial" panose="020B0604020202020204" pitchFamily="34" charset="0"/>
-                  <a:buChar char="•"/>
-                </a:pPr>
-                <a:r>
-                  <a:rPr lang="en-GB" sz="2400" dirty="0"/>
-                  <a:t>The simulations were used to investigate the effects of chirp (GVD) on the UV output spectra</a:t>
-                </a:r>
-              </a:p>
-              <a:p>
-                <a:pPr marL="742950" lvl="1" indent="-285750">
-                  <a:buFont typeface="Arial" panose="020B0604020202020204" pitchFamily="34" charset="0"/>
-                  <a:buChar char="•"/>
-                </a:pPr>
-                <a:r>
-                  <a:rPr lang="en-GB" sz="2400" dirty="0"/>
-                  <a:t>The chosen GVD values of </a:t>
-                </a:r>
-                <a14:m>
-                  <m:oMath xmlns:m="http://schemas.openxmlformats.org/officeDocument/2006/math">
-                    <m:r>
-                      <a:rPr lang="en-GB" sz="2400" b="0" i="1" smtClean="0">
-                        <a:latin typeface="Cambria Math" panose="02040503050406030204" pitchFamily="18" charset="0"/>
-                      </a:rPr>
-                      <m:t>±</m:t>
-                    </m:r>
-                  </m:oMath>
-                </a14:m>
-                <a:r>
-                  <a:rPr lang="en-GB" sz="2400" dirty="0"/>
-                  <a:t>11.0fs² correspond to an input pulse stretched from 6.2fs to 9.Xfs </a:t>
-                </a:r>
-              </a:p>
-              <a:p>
-                <a:pPr marL="285750" indent="-285750">
-                  <a:buFont typeface="Arial" panose="020B0604020202020204" pitchFamily="34" charset="0"/>
-                  <a:buChar char="•"/>
-                </a:pPr>
-                <a:r>
-                  <a:rPr lang="en-GB" sz="2400" dirty="0"/>
-                  <a:t>Negative chirp increases UV intensity without introducing significant spectral broadening</a:t>
-                </a:r>
-              </a:p>
-              <a:p>
-                <a:pPr marL="285750" indent="-285750">
-                  <a:buFont typeface="Arial" panose="020B0604020202020204" pitchFamily="34" charset="0"/>
-                  <a:buChar char="•"/>
-                </a:pPr>
-                <a:r>
-                  <a:rPr lang="en-GB" sz="2400" dirty="0"/>
-                  <a:t>Positive chirp results in a broadened spectrum (towards the blue end)</a:t>
-                </a:r>
-              </a:p>
-            </p:txBody>
-          </p:sp>
-        </mc:Choice>
-        <mc:Fallback>
-          <p:sp>
-            <p:nvSpPr>
-              <p:cNvPr id="4" name="TextBox 3">
-                <a:extLst>
-                  <a:ext uri="{FF2B5EF4-FFF2-40B4-BE49-F238E27FC236}">
-                    <a16:creationId xmlns:a16="http://schemas.microsoft.com/office/drawing/2014/main" id="{EFDAF1EB-49C2-8531-837A-B0B024E1900D}"/>
-                  </a:ext>
-                </a:extLst>
-              </p:cNvPr>
-              <p:cNvSpPr txBox="1">
-                <a:spLocks noRot="1" noChangeAspect="1" noMove="1" noResize="1" noEditPoints="1" noAdjustHandles="1" noChangeArrowheads="1" noChangeShapeType="1" noTextEdit="1"/>
-              </p:cNvSpPr>
-              <p:nvPr/>
-            </p:nvSpPr>
-            <p:spPr>
-              <a:xfrm>
-                <a:off x="455644" y="1645022"/>
-                <a:ext cx="5543940" cy="4154984"/>
-              </a:xfrm>
-              <a:prstGeom prst="rect">
-                <a:avLst/>
-              </a:prstGeom>
-              <a:blipFill>
-                <a:blip r:embed="rId3"/>
-                <a:stretch>
-                  <a:fillRect l="-1540" t="-1175" r="-1980" b="-2496"/>
-                </a:stretch>
-              </a:blipFill>
-            </p:spPr>
-            <p:txBody>
-              <a:bodyPr/>
-              <a:lstStyle/>
-              <a:p>
-                <a:r>
-                  <a:rPr lang="en-GB">
-                    <a:noFill/>
-                  </a:rPr>
-                  <a:t> </a:t>
-                </a:r>
-              </a:p>
-            </p:txBody>
-          </p:sp>
-        </mc:Fallback>
-      </mc:AlternateContent>
+      <p:sp>
+        <p:nvSpPr>
+          <p:cNvPr id="3" name="TextBox 2">
+            <a:extLst>
+              <a:ext uri="{FF2B5EF4-FFF2-40B4-BE49-F238E27FC236}">
+                <a16:creationId xmlns:a16="http://schemas.microsoft.com/office/drawing/2014/main" id="{B7956B7D-5F1B-1893-AA79-B3179C014825}"/>
+              </a:ext>
+            </a:extLst>
+          </p:cNvPr>
+          <p:cNvSpPr txBox="1"/>
+          <p:nvPr/>
+        </p:nvSpPr>
+        <p:spPr>
+          <a:xfrm>
+            <a:off x="529337" y="5833003"/>
+            <a:ext cx="4714467" cy="646331"/>
+          </a:xfrm>
+          <a:prstGeom prst="rect">
+            <a:avLst/>
+          </a:prstGeom>
+          <a:noFill/>
+        </p:spPr>
+        <p:txBody>
+          <a:bodyPr wrap="square" rtlCol="0">
+            <a:spAutoFit/>
+          </a:bodyPr>
+          <a:lstStyle/>
+          <a:p>
+            <a:r>
+              <a:rPr lang="en-GB" i="1" dirty="0"/>
+              <a:t>Fig. 11: </a:t>
+            </a:r>
+            <a:r>
+              <a:rPr lang="en-GB" dirty="0"/>
+              <a:t>Gas density distributions in the old and new cell</a:t>
+            </a:r>
+          </a:p>
+        </p:txBody>
+      </p:sp>
       <p:pic>
         <p:nvPicPr>
-          <p:cNvPr id="7" name="Picture 6" descr="A graph of a graph of a graph&#10;&#10;Description automatically generated with medium confidence">
-            <a:extLst>
-              <a:ext uri="{FF2B5EF4-FFF2-40B4-BE49-F238E27FC236}">
-                <a16:creationId xmlns:a16="http://schemas.microsoft.com/office/drawing/2014/main" id="{3F449FF9-4322-FF8D-259F-DC398957DF6C}"/>
+          <p:cNvPr id="4" name="Picture 3" descr="A graph of a graph&#10;&#10;Description automatically generated">
+            <a:extLst>
+              <a:ext uri="{FF2B5EF4-FFF2-40B4-BE49-F238E27FC236}">
+                <a16:creationId xmlns:a16="http://schemas.microsoft.com/office/drawing/2014/main" id="{4973ABE9-A72F-014C-7A36-1BD0B2D8F48C}"/>
               </a:ext>
             </a:extLst>
           </p:cNvPr>
@@ -4606,7 +4503,7 @@
           <p:nvPr/>
         </p:nvPicPr>
         <p:blipFill>
-          <a:blip r:embed="rId4" cstate="print">
+          <a:blip r:embed="rId3" cstate="print">
             <a:extLst>
               <a:ext uri="{28A0092B-C50C-407E-A947-70E740481C1C}">
                 <a14:useLocalDpi xmlns:a14="http://schemas.microsoft.com/office/drawing/2010/main" val="0"/>
@@ -4619,7 +4516,7 @@
         </p:blipFill>
         <p:spPr>
           <a:xfrm>
-            <a:off x="6195265" y="1259206"/>
+            <a:off x="5633185" y="1470696"/>
             <a:ext cx="5759817" cy="4319634"/>
           </a:xfrm>
           <a:prstGeom prst="rect">
@@ -4627,12 +4524,48 @@
           </a:prstGeom>
         </p:spPr>
       </p:pic>
-      <p:sp>
-        <p:nvSpPr>
-          <p:cNvPr id="8" name="TextBox 7">
-            <a:extLst>
-              <a:ext uri="{FF2B5EF4-FFF2-40B4-BE49-F238E27FC236}">
-                <a16:creationId xmlns:a16="http://schemas.microsoft.com/office/drawing/2014/main" id="{D5368143-56AA-5C57-3BC4-D3FD02865771}"/>
+      <p:pic>
+        <p:nvPicPr>
+          <p:cNvPr id="8" name="Picture 7" descr="A graph of a graph&#10;&#10;Description automatically generated">
+            <a:extLst>
+              <a:ext uri="{FF2B5EF4-FFF2-40B4-BE49-F238E27FC236}">
+                <a16:creationId xmlns:a16="http://schemas.microsoft.com/office/drawing/2014/main" id="{31775113-EDBA-25F1-C551-A8E15C92B706}"/>
+              </a:ext>
+            </a:extLst>
+          </p:cNvPr>
+          <p:cNvPicPr>
+            <a:picLocks noChangeAspect="1"/>
+          </p:cNvPicPr>
+          <p:nvPr/>
+        </p:nvPicPr>
+        <p:blipFill>
+          <a:blip r:embed="rId3" cstate="print">
+            <a:extLst>
+              <a:ext uri="{28A0092B-C50C-407E-A947-70E740481C1C}">
+                <a14:useLocalDpi xmlns:a14="http://schemas.microsoft.com/office/drawing/2010/main" val="0"/>
+              </a:ext>
+            </a:extLst>
+          </a:blip>
+          <a:stretch>
+            <a:fillRect/>
+          </a:stretch>
+        </p:blipFill>
+        <p:spPr>
+          <a:xfrm>
+            <a:off x="-37042" y="1531407"/>
+            <a:ext cx="5759817" cy="4319634"/>
+          </a:xfrm>
+          <a:prstGeom prst="rect">
+            <a:avLst/>
+          </a:prstGeom>
+        </p:spPr>
+      </p:pic>
+      <p:sp>
+        <p:nvSpPr>
+          <p:cNvPr id="7" name="TextBox 6">
+            <a:extLst>
+              <a:ext uri="{FF2B5EF4-FFF2-40B4-BE49-F238E27FC236}">
+                <a16:creationId xmlns:a16="http://schemas.microsoft.com/office/drawing/2014/main" id="{9C32E8B8-5474-A83C-8084-A44076F59713}"/>
               </a:ext>
             </a:extLst>
           </p:cNvPr>
@@ -4641,8 +4574,8 @@
         </p:nvSpPr>
         <p:spPr>
           <a:xfrm>
-            <a:off x="6630748" y="5668880"/>
-            <a:ext cx="5742289" cy="646331"/>
+            <a:off x="455643" y="1032043"/>
+            <a:ext cx="10087949" cy="830997"/>
           </a:xfrm>
           <a:prstGeom prst="rect">
             <a:avLst/>
@@ -4650,6 +4583,52 @@
           <a:noFill/>
         </p:spPr>
         <p:txBody>
+          <a:bodyPr wrap="square">
+            <a:spAutoFit/>
+          </a:bodyPr>
+          <a:lstStyle/>
+          <a:p>
+            <a:pPr marL="0" indent="0">
+              <a:buNone/>
+            </a:pPr>
+            <a:r>
+              <a:rPr lang="en-GB" sz="2400" dirty="0"/>
+              <a:t>COMSOL simulations for the gas density distribution of the new and old cell were produced (by </a:t>
+            </a:r>
+            <a:r>
+              <a:rPr lang="en-GB" sz="2400" dirty="0" err="1"/>
+              <a:t>Josina</a:t>
+            </a:r>
+            <a:r>
+              <a:rPr lang="en-GB" sz="2400" dirty="0"/>
+              <a:t> Hahne): </a:t>
+            </a:r>
+          </a:p>
+        </p:txBody>
+      </p:sp>
+      <p:sp>
+        <p:nvSpPr>
+          <p:cNvPr id="9" name="TextBox 8">
+            <a:extLst>
+              <a:ext uri="{FF2B5EF4-FFF2-40B4-BE49-F238E27FC236}">
+                <a16:creationId xmlns:a16="http://schemas.microsoft.com/office/drawing/2014/main" id="{4B6D4442-3FF2-DF32-F139-A26D3361B876}"/>
+              </a:ext>
+            </a:extLst>
+          </p:cNvPr>
+          <p:cNvSpPr txBox="1"/>
+          <p:nvPr/>
+        </p:nvSpPr>
+        <p:spPr>
+          <a:xfrm>
+            <a:off x="6030685" y="5794811"/>
+            <a:ext cx="4714467" cy="646331"/>
+          </a:xfrm>
+          <a:prstGeom prst="rect">
+            <a:avLst/>
+          </a:prstGeom>
+          <a:noFill/>
+        </p:spPr>
+        <p:txBody>
           <a:bodyPr wrap="square" rtlCol="0">
             <a:spAutoFit/>
           </a:bodyPr>
@@ -4657,11 +4636,11 @@
           <a:p>
             <a:r>
               <a:rPr lang="en-GB" i="1" dirty="0"/>
-              <a:t>Fig. X</a:t>
+              <a:t>Fig. 12: </a:t>
             </a:r>
             <a:r>
               <a:rPr lang="en-GB" dirty="0"/>
-              <a:t>: UV output spectra for different GVD values of the input beam (Argon, 150mW, 0.4bar)</a:t>
+              <a:t>Comparison of gas distributions in the central interaction region </a:t>
             </a:r>
           </a:p>
         </p:txBody>
@@ -4669,7 +4648,7 @@
     </p:spTree>
     <p:extLst>
       <p:ext uri="{BB962C8B-B14F-4D97-AF65-F5344CB8AC3E}">
-        <p14:creationId xmlns:p14="http://schemas.microsoft.com/office/powerpoint/2010/main" val="1190150282"/>
+        <p14:creationId xmlns:p14="http://schemas.microsoft.com/office/powerpoint/2010/main" val="2103079193"/>
       </p:ext>
     </p:extLst>
   </p:cSld>
@@ -4766,7 +4745,7 @@
                 </a:solidFill>
                 <a:latin typeface="Arial"/>
               </a:rPr>
-              <a:t>4.IV Effects of CEP</a:t>
+              <a:t>4.IV Comparing the gas cells</a:t>
             </a:r>
             <a:endParaRPr lang="en-GB" dirty="0"/>
           </a:p>
@@ -4806,12 +4785,51 @@
           </a:p>
         </p:txBody>
       </p:sp>
+      <p:sp>
+        <p:nvSpPr>
+          <p:cNvPr id="3" name="TextBox 2">
+            <a:extLst>
+              <a:ext uri="{FF2B5EF4-FFF2-40B4-BE49-F238E27FC236}">
+                <a16:creationId xmlns:a16="http://schemas.microsoft.com/office/drawing/2014/main" id="{B7956B7D-5F1B-1893-AA79-B3179C014825}"/>
+              </a:ext>
+            </a:extLst>
+          </p:cNvPr>
+          <p:cNvSpPr txBox="1"/>
+          <p:nvPr/>
+        </p:nvSpPr>
+        <p:spPr>
+          <a:xfrm>
+            <a:off x="116913" y="5825957"/>
+            <a:ext cx="5759817" cy="646331"/>
+          </a:xfrm>
+          <a:prstGeom prst="rect">
+            <a:avLst/>
+          </a:prstGeom>
+          <a:noFill/>
+        </p:spPr>
+        <p:txBody>
+          <a:bodyPr wrap="square" rtlCol="0">
+            <a:spAutoFit/>
+          </a:bodyPr>
+          <a:lstStyle/>
+          <a:p>
+            <a:r>
+              <a:rPr lang="en-GB" i="1" dirty="0"/>
+              <a:t>Fig. 13: </a:t>
+            </a:r>
+            <a:r>
+              <a:rPr lang="en-GB" dirty="0"/>
+              <a:t>UV output spectra with new and old gas cell for Argon at 150mW NIR power and 0.4bar central pressure</a:t>
+            </a:r>
+          </a:p>
+        </p:txBody>
+      </p:sp>
       <p:pic>
         <p:nvPicPr>
-          <p:cNvPr id="3" name="Content Placeholder 6" descr="A graph of a graph&#10;&#10;Description automatically generated">
-            <a:extLst>
-              <a:ext uri="{FF2B5EF4-FFF2-40B4-BE49-F238E27FC236}">
-                <a16:creationId xmlns:a16="http://schemas.microsoft.com/office/drawing/2014/main" id="{1AC34FFD-A77C-2952-4327-A5CD388B9E7C}"/>
+          <p:cNvPr id="4" name="Picture 3" descr="A graph of a graph&#10;&#10;Description automatically generated">
+            <a:extLst>
+              <a:ext uri="{FF2B5EF4-FFF2-40B4-BE49-F238E27FC236}">
+                <a16:creationId xmlns:a16="http://schemas.microsoft.com/office/drawing/2014/main" id="{4973ABE9-A72F-014C-7A36-1BD0B2D8F48C}"/>
               </a:ext>
             </a:extLst>
           </p:cNvPr>
@@ -4834,7 +4852,7 @@
         </p:blipFill>
         <p:spPr>
           <a:xfrm>
-            <a:off x="6096000" y="1269183"/>
+            <a:off x="5633185" y="1470696"/>
             <a:ext cx="5759817" cy="4319634"/>
           </a:xfrm>
           <a:prstGeom prst="rect">
@@ -4842,12 +4860,48 @@
           </a:prstGeom>
         </p:spPr>
       </p:pic>
-      <p:sp>
-        <p:nvSpPr>
-          <p:cNvPr id="4" name="TextBox 3">
-            <a:extLst>
-              <a:ext uri="{FF2B5EF4-FFF2-40B4-BE49-F238E27FC236}">
-                <a16:creationId xmlns:a16="http://schemas.microsoft.com/office/drawing/2014/main" id="{0AD2103B-81F2-DFF0-5044-B1F155275650}"/>
+      <p:pic>
+        <p:nvPicPr>
+          <p:cNvPr id="8" name="Picture 7" descr="A graph of a graph&#10;&#10;Description automatically generated">
+            <a:extLst>
+              <a:ext uri="{FF2B5EF4-FFF2-40B4-BE49-F238E27FC236}">
+                <a16:creationId xmlns:a16="http://schemas.microsoft.com/office/drawing/2014/main" id="{31775113-EDBA-25F1-C551-A8E15C92B706}"/>
+              </a:ext>
+            </a:extLst>
+          </p:cNvPr>
+          <p:cNvPicPr>
+            <a:picLocks noChangeAspect="1"/>
+          </p:cNvPicPr>
+          <p:nvPr/>
+        </p:nvPicPr>
+        <p:blipFill>
+          <a:blip r:embed="rId3" cstate="print">
+            <a:extLst>
+              <a:ext uri="{28A0092B-C50C-407E-A947-70E740481C1C}">
+                <a14:useLocalDpi xmlns:a14="http://schemas.microsoft.com/office/drawing/2010/main" val="0"/>
+              </a:ext>
+            </a:extLst>
+          </a:blip>
+          <a:stretch>
+            <a:fillRect/>
+          </a:stretch>
+        </p:blipFill>
+        <p:spPr>
+          <a:xfrm>
+            <a:off x="-37042" y="1531407"/>
+            <a:ext cx="5759817" cy="4319634"/>
+          </a:xfrm>
+          <a:prstGeom prst="rect">
+            <a:avLst/>
+          </a:prstGeom>
+        </p:spPr>
+      </p:pic>
+      <p:sp>
+        <p:nvSpPr>
+          <p:cNvPr id="7" name="TextBox 6">
+            <a:extLst>
+              <a:ext uri="{FF2B5EF4-FFF2-40B4-BE49-F238E27FC236}">
+                <a16:creationId xmlns:a16="http://schemas.microsoft.com/office/drawing/2014/main" id="{9C32E8B8-5474-A83C-8084-A44076F59713}"/>
               </a:ext>
             </a:extLst>
           </p:cNvPr>
@@ -4856,8 +4910,8 @@
         </p:nvSpPr>
         <p:spPr>
           <a:xfrm>
-            <a:off x="6630748" y="5668880"/>
-            <a:ext cx="5742289" cy="646331"/>
+            <a:off x="455643" y="1032043"/>
+            <a:ext cx="10087949" cy="830997"/>
           </a:xfrm>
           <a:prstGeom prst="rect">
             <a:avLst/>
@@ -4865,6 +4919,44 @@
           <a:noFill/>
         </p:spPr>
         <p:txBody>
+          <a:bodyPr wrap="square">
+            <a:spAutoFit/>
+          </a:bodyPr>
+          <a:lstStyle/>
+          <a:p>
+            <a:pPr marL="0" indent="0">
+              <a:buNone/>
+            </a:pPr>
+            <a:r>
+              <a:rPr lang="en-GB" sz="2400" dirty="0"/>
+              <a:t>As expected, the simulations show the new chip to deliver broader and more intense UV spectra:</a:t>
+            </a:r>
+          </a:p>
+        </p:txBody>
+      </p:sp>
+      <p:sp>
+        <p:nvSpPr>
+          <p:cNvPr id="9" name="TextBox 8">
+            <a:extLst>
+              <a:ext uri="{FF2B5EF4-FFF2-40B4-BE49-F238E27FC236}">
+                <a16:creationId xmlns:a16="http://schemas.microsoft.com/office/drawing/2014/main" id="{4B6D4442-3FF2-DF32-F139-A26D3361B876}"/>
+              </a:ext>
+            </a:extLst>
+          </p:cNvPr>
+          <p:cNvSpPr txBox="1"/>
+          <p:nvPr/>
+        </p:nvSpPr>
+        <p:spPr>
+          <a:xfrm>
+            <a:off x="6030685" y="5794811"/>
+            <a:ext cx="5759817" cy="646331"/>
+          </a:xfrm>
+          <a:prstGeom prst="rect">
+            <a:avLst/>
+          </a:prstGeom>
+          <a:noFill/>
+        </p:spPr>
+        <p:txBody>
           <a:bodyPr wrap="square" rtlCol="0">
             <a:spAutoFit/>
           </a:bodyPr>
@@ -4872,11 +4964,11 @@
           <a:p>
             <a:r>
               <a:rPr lang="en-GB" i="1" dirty="0"/>
-              <a:t>Fig. X</a:t>
+              <a:t>Fig. 14: </a:t>
             </a:r>
             <a:r>
               <a:rPr lang="en-GB" dirty="0"/>
-              <a:t>: UV output spectra for different CEP values of the input beam (Argon, 150mW, 0.4bar)</a:t>
+              <a:t>UV output spectra with new and old gas cell for Argon at 400mW NIR power and 2.0bar central pressure</a:t>
             </a:r>
           </a:p>
         </p:txBody>
@@ -4884,7 +4976,7 @@
     </p:spTree>
     <p:extLst>
       <p:ext uri="{BB962C8B-B14F-4D97-AF65-F5344CB8AC3E}">
-        <p14:creationId xmlns:p14="http://schemas.microsoft.com/office/powerpoint/2010/main" val="3292552791"/>
+        <p14:creationId xmlns:p14="http://schemas.microsoft.com/office/powerpoint/2010/main" val="3969622972"/>
       </p:ext>
     </p:extLst>
   </p:cSld>
@@ -4975,22 +5067,13 @@
           <a:lstStyle/>
           <a:p>
             <a:r>
-              <a:rPr lang="en-US" b="1" spc="-1" dirty="0">
-                <a:solidFill>
-                  <a:srgbClr val="009FDF"/>
-                </a:solidFill>
-                <a:latin typeface="Arial"/>
-              </a:rPr>
-              <a:t>4</a:t>
-            </a:r>
-            <a:r>
               <a:rPr lang="en-US" b="1" strike="noStrike" spc="-1" dirty="0">
                 <a:solidFill>
                   <a:srgbClr val="009FDF"/>
                 </a:solidFill>
                 <a:latin typeface="Arial"/>
               </a:rPr>
-              <a:t>.V Gas comparisons</a:t>
+              <a:t>5. Discussion &amp; conclusion</a:t>
             </a:r>
             <a:endParaRPr lang="en-GB" dirty="0"/>
           </a:p>
@@ -5030,10 +5113,104 @@
           </a:p>
         </p:txBody>
       </p:sp>
+      <p:sp>
+        <p:nvSpPr>
+          <p:cNvPr id="4" name="TextBox 3">
+            <a:extLst>
+              <a:ext uri="{FF2B5EF4-FFF2-40B4-BE49-F238E27FC236}">
+                <a16:creationId xmlns:a16="http://schemas.microsoft.com/office/drawing/2014/main" id="{5786D243-34CC-30E0-32CC-7E0064A3ED29}"/>
+              </a:ext>
+            </a:extLst>
+          </p:cNvPr>
+          <p:cNvSpPr txBox="1"/>
+          <p:nvPr/>
+        </p:nvSpPr>
+        <p:spPr>
+          <a:xfrm>
+            <a:off x="829938" y="1353449"/>
+            <a:ext cx="10141305" cy="3785652"/>
+          </a:xfrm>
+          <a:prstGeom prst="rect">
+            <a:avLst/>
+          </a:prstGeom>
+          <a:noFill/>
+        </p:spPr>
+        <p:txBody>
+          <a:bodyPr wrap="square">
+            <a:spAutoFit/>
+          </a:bodyPr>
+          <a:lstStyle/>
+          <a:p>
+            <a:pPr marL="285750" indent="-285750">
+              <a:buFont typeface="Arial" panose="020B0604020202020204" pitchFamily="34" charset="0"/>
+              <a:buChar char="•"/>
+            </a:pPr>
+            <a:r>
+              <a:rPr lang="en-GB" sz="2400" dirty="0"/>
+              <a:t>The THG simulations resulted in some promising outputs, showing agreement with both experiment and literature</a:t>
+            </a:r>
+          </a:p>
+          <a:p>
+            <a:endParaRPr lang="en-GB" sz="2400" dirty="0"/>
+          </a:p>
+          <a:p>
+            <a:pPr marL="285750" indent="-285750">
+              <a:buFont typeface="Arial" panose="020B0604020202020204" pitchFamily="34" charset="0"/>
+              <a:buChar char="•"/>
+            </a:pPr>
+            <a:r>
+              <a:rPr lang="en-GB" sz="2400" dirty="0"/>
+              <a:t>There is significant room for further improvements</a:t>
+            </a:r>
+          </a:p>
+          <a:p>
+            <a:pPr marL="742950" lvl="1" indent="-285750">
+              <a:buFont typeface="Arial" panose="020B0604020202020204" pitchFamily="34" charset="0"/>
+              <a:buChar char="•"/>
+            </a:pPr>
+            <a:r>
+              <a:rPr lang="en-GB" sz="2400" dirty="0"/>
+              <a:t>Use </a:t>
+            </a:r>
+            <a:r>
+              <a:rPr lang="en-GB" sz="2400" i="1" dirty="0"/>
+              <a:t>COMSOL</a:t>
+            </a:r>
+            <a:r>
+              <a:rPr lang="en-GB" sz="2400" dirty="0"/>
+              <a:t> simulations to model the gas distribution</a:t>
+            </a:r>
+          </a:p>
+          <a:p>
+            <a:pPr marL="742950" lvl="1" indent="-285750">
+              <a:buFont typeface="Arial" panose="020B0604020202020204" pitchFamily="34" charset="0"/>
+              <a:buChar char="•"/>
+            </a:pPr>
+            <a:r>
+              <a:rPr lang="en-GB" sz="2400" dirty="0"/>
+              <a:t>Base the spatial profile of the input beam on measured data (this requires dropping the assumption of radial symmetry)</a:t>
+            </a:r>
+          </a:p>
+          <a:p>
+            <a:pPr lvl="1"/>
+            <a:endParaRPr lang="en-GB" sz="2400" dirty="0"/>
+          </a:p>
+          <a:p>
+            <a:pPr marL="285750" indent="-285750">
+              <a:buFont typeface="Arial" panose="020B0604020202020204" pitchFamily="34" charset="0"/>
+              <a:buChar char="•"/>
+            </a:pPr>
+            <a:r>
+              <a:rPr lang="en-GB" sz="2400" dirty="0"/>
+              <a:t>With additional expansions, the simulation code could serve as a basis to back up future experiments with theory</a:t>
+            </a:r>
+          </a:p>
+        </p:txBody>
+      </p:sp>
     </p:spTree>
     <p:extLst>
       <p:ext uri="{BB962C8B-B14F-4D97-AF65-F5344CB8AC3E}">
-        <p14:creationId xmlns:p14="http://schemas.microsoft.com/office/powerpoint/2010/main" val="3977918013"/>
+        <p14:creationId xmlns:p14="http://schemas.microsoft.com/office/powerpoint/2010/main" val="1785149432"/>
       </p:ext>
     </p:extLst>
   </p:cSld>
@@ -5130,478 +5307,6 @@
                 </a:solidFill>
                 <a:latin typeface="Arial"/>
               </a:rPr>
-              <a:t>4.VI Comparing the gas cells</a:t>
-            </a:r>
-            <a:endParaRPr lang="en-GB" dirty="0"/>
-          </a:p>
-        </p:txBody>
-      </p:sp>
-      <p:sp>
-        <p:nvSpPr>
-          <p:cNvPr id="6" name="Slide Number Placeholder 5">
-            <a:extLst>
-              <a:ext uri="{FF2B5EF4-FFF2-40B4-BE49-F238E27FC236}">
-                <a16:creationId xmlns:a16="http://schemas.microsoft.com/office/drawing/2014/main" id="{BAFACB1C-C8EF-DE7D-CF6B-A6DC324A47A3}"/>
-              </a:ext>
-            </a:extLst>
-          </p:cNvPr>
-          <p:cNvSpPr>
-            <a:spLocks noGrp="1"/>
-          </p:cNvSpPr>
-          <p:nvPr>
-            <p:ph type="sldNum" sz="quarter" idx="12"/>
-          </p:nvPr>
-        </p:nvSpPr>
-        <p:spPr>
-          <a:xfrm>
-            <a:off x="11541966" y="6537702"/>
-            <a:ext cx="511629" cy="365125"/>
-          </a:xfrm>
-        </p:spPr>
-        <p:txBody>
-          <a:bodyPr/>
-          <a:lstStyle/>
-          <a:p>
-            <a:fld id="{54D89579-D9F6-47AA-A878-E5ECDBCBE9C9}" type="slidenum">
-              <a:rPr lang="en-GB" b="1" smtClean="0"/>
-              <a:t>13</a:t>
-            </a:fld>
-            <a:endParaRPr lang="en-GB" b="1" dirty="0"/>
-          </a:p>
-        </p:txBody>
-      </p:sp>
-      <p:sp>
-        <p:nvSpPr>
-          <p:cNvPr id="3" name="TextBox 2">
-            <a:extLst>
-              <a:ext uri="{FF2B5EF4-FFF2-40B4-BE49-F238E27FC236}">
-                <a16:creationId xmlns:a16="http://schemas.microsoft.com/office/drawing/2014/main" id="{B7956B7D-5F1B-1893-AA79-B3179C014825}"/>
-              </a:ext>
-            </a:extLst>
-          </p:cNvPr>
-          <p:cNvSpPr txBox="1"/>
-          <p:nvPr/>
-        </p:nvSpPr>
-        <p:spPr>
-          <a:xfrm>
-            <a:off x="5558537" y="5769949"/>
-            <a:ext cx="6141850" cy="646331"/>
-          </a:xfrm>
-          <a:prstGeom prst="rect">
-            <a:avLst/>
-          </a:prstGeom>
-          <a:noFill/>
-        </p:spPr>
-        <p:txBody>
-          <a:bodyPr wrap="square" rtlCol="0">
-            <a:spAutoFit/>
-          </a:bodyPr>
-          <a:lstStyle/>
-          <a:p>
-            <a:r>
-              <a:rPr lang="en-GB" i="1" dirty="0"/>
-              <a:t>Fig. X: </a:t>
-            </a:r>
-            <a:r>
-              <a:rPr lang="en-GB" dirty="0"/>
-              <a:t>Simulated UV output produced with Argon at 150mW and 0.4bar comparing the new and old gas cells</a:t>
-            </a:r>
-          </a:p>
-        </p:txBody>
-      </p:sp>
-      <p:pic>
-        <p:nvPicPr>
-          <p:cNvPr id="4" name="Picture 3" descr="A graph of a graph&#10;&#10;Description automatically generated">
-            <a:extLst>
-              <a:ext uri="{FF2B5EF4-FFF2-40B4-BE49-F238E27FC236}">
-                <a16:creationId xmlns:a16="http://schemas.microsoft.com/office/drawing/2014/main" id="{4973ABE9-A72F-014C-7A36-1BD0B2D8F48C}"/>
-              </a:ext>
-            </a:extLst>
-          </p:cNvPr>
-          <p:cNvPicPr>
-            <a:picLocks noChangeAspect="1"/>
-          </p:cNvPicPr>
-          <p:nvPr/>
-        </p:nvPicPr>
-        <p:blipFill>
-          <a:blip r:embed="rId3" cstate="print">
-            <a:extLst>
-              <a:ext uri="{28A0092B-C50C-407E-A947-70E740481C1C}">
-                <a14:useLocalDpi xmlns:a14="http://schemas.microsoft.com/office/drawing/2010/main" val="0"/>
-              </a:ext>
-            </a:extLst>
-          </a:blip>
-          <a:stretch>
-            <a:fillRect/>
-          </a:stretch>
-        </p:blipFill>
-        <p:spPr>
-          <a:xfrm>
-            <a:off x="5558537" y="1368055"/>
-            <a:ext cx="5759817" cy="4319634"/>
-          </a:xfrm>
-          <a:prstGeom prst="rect">
-            <a:avLst/>
-          </a:prstGeom>
-        </p:spPr>
-      </p:pic>
-    </p:spTree>
-    <p:extLst>
-      <p:ext uri="{BB962C8B-B14F-4D97-AF65-F5344CB8AC3E}">
-        <p14:creationId xmlns:p14="http://schemas.microsoft.com/office/powerpoint/2010/main" val="2103079193"/>
-      </p:ext>
-    </p:extLst>
-  </p:cSld>
-  <p:clrMapOvr>
-    <a:masterClrMapping/>
-  </p:clrMapOvr>
-</p:sld>
-</file>
-
-<file path=ppt/slides/slide14.xml><?xml version="1.0" encoding="utf-8"?>
-<p:sld xmlns:a="http://schemas.openxmlformats.org/drawingml/2006/main" xmlns:r="http://schemas.openxmlformats.org/officeDocument/2006/relationships" xmlns:p="http://schemas.openxmlformats.org/presentationml/2006/main">
-  <p:cSld>
-    <p:spTree>
-      <p:nvGrpSpPr>
-        <p:cNvPr id="1" name=""/>
-        <p:cNvGrpSpPr/>
-        <p:nvPr/>
-      </p:nvGrpSpPr>
-      <p:grpSpPr>
-        <a:xfrm>
-          <a:off x="0" y="0"/>
-          <a:ext cx="0" cy="0"/>
-          <a:chOff x="0" y="0"/>
-          <a:chExt cx="0" cy="0"/>
-        </a:xfrm>
-      </p:grpSpPr>
-      <p:pic>
-        <p:nvPicPr>
-          <p:cNvPr id="5" name="Content Placeholder 4" descr="A white rectangular frame with blue lines&#10;&#10;Description automatically generated">
-            <a:extLst>
-              <a:ext uri="{FF2B5EF4-FFF2-40B4-BE49-F238E27FC236}">
-                <a16:creationId xmlns:a16="http://schemas.microsoft.com/office/drawing/2014/main" id="{0EBBF7B7-3E9E-6564-002B-A6E433DF2A7E}"/>
-              </a:ext>
-            </a:extLst>
-          </p:cNvPr>
-          <p:cNvPicPr>
-            <a:picLocks noGrp="1" noChangeAspect="1"/>
-          </p:cNvPicPr>
-          <p:nvPr>
-            <p:ph idx="1"/>
-          </p:nvPr>
-        </p:nvPicPr>
-        <p:blipFill>
-          <a:blip r:embed="rId2">
-            <a:extLst>
-              <a:ext uri="{28A0092B-C50C-407E-A947-70E740481C1C}">
-                <a14:useLocalDpi xmlns:a14="http://schemas.microsoft.com/office/drawing/2010/main" val="0"/>
-              </a:ext>
-            </a:extLst>
-          </a:blip>
-          <a:stretch>
-            <a:fillRect/>
-          </a:stretch>
-        </p:blipFill>
-        <p:spPr>
-          <a:xfrm>
-            <a:off x="-130629" y="-44827"/>
-            <a:ext cx="12322629" cy="6947654"/>
-          </a:xfrm>
-        </p:spPr>
-      </p:pic>
-      <p:sp>
-        <p:nvSpPr>
-          <p:cNvPr id="2" name="Title 1">
-            <a:extLst>
-              <a:ext uri="{FF2B5EF4-FFF2-40B4-BE49-F238E27FC236}">
-                <a16:creationId xmlns:a16="http://schemas.microsoft.com/office/drawing/2014/main" id="{23799F4C-4E3C-8AB9-7B07-AA21124CEABE}"/>
-              </a:ext>
-            </a:extLst>
-          </p:cNvPr>
-          <p:cNvSpPr>
-            <a:spLocks noGrp="1"/>
-          </p:cNvSpPr>
-          <p:nvPr>
-            <p:ph type="title"/>
-          </p:nvPr>
-        </p:nvSpPr>
-        <p:spPr>
-          <a:xfrm>
-            <a:off x="455644" y="141192"/>
-            <a:ext cx="10515600" cy="577266"/>
-          </a:xfrm>
-        </p:spPr>
-        <p:txBody>
-          <a:bodyPr>
-            <a:normAutofit fontScale="90000"/>
-          </a:bodyPr>
-          <a:lstStyle/>
-          <a:p>
-            <a:r>
-              <a:rPr lang="en-US" b="1" strike="noStrike" spc="-1" dirty="0">
-                <a:solidFill>
-                  <a:srgbClr val="009FDF"/>
-                </a:solidFill>
-                <a:latin typeface="Arial"/>
-              </a:rPr>
-              <a:t>5. Discussion &amp; conclusion</a:t>
-            </a:r>
-            <a:endParaRPr lang="en-GB" dirty="0"/>
-          </a:p>
-        </p:txBody>
-      </p:sp>
-      <p:sp>
-        <p:nvSpPr>
-          <p:cNvPr id="6" name="Slide Number Placeholder 5">
-            <a:extLst>
-              <a:ext uri="{FF2B5EF4-FFF2-40B4-BE49-F238E27FC236}">
-                <a16:creationId xmlns:a16="http://schemas.microsoft.com/office/drawing/2014/main" id="{BAFACB1C-C8EF-DE7D-CF6B-A6DC324A47A3}"/>
-              </a:ext>
-            </a:extLst>
-          </p:cNvPr>
-          <p:cNvSpPr>
-            <a:spLocks noGrp="1"/>
-          </p:cNvSpPr>
-          <p:nvPr>
-            <p:ph type="sldNum" sz="quarter" idx="12"/>
-          </p:nvPr>
-        </p:nvSpPr>
-        <p:spPr>
-          <a:xfrm>
-            <a:off x="11541966" y="6537702"/>
-            <a:ext cx="511629" cy="365125"/>
-          </a:xfrm>
-        </p:spPr>
-        <p:txBody>
-          <a:bodyPr/>
-          <a:lstStyle/>
-          <a:p>
-            <a:fld id="{54D89579-D9F6-47AA-A878-E5ECDBCBE9C9}" type="slidenum">
-              <a:rPr lang="en-GB" b="1" smtClean="0"/>
-              <a:t>14</a:t>
-            </a:fld>
-            <a:endParaRPr lang="en-GB" b="1" dirty="0"/>
-          </a:p>
-        </p:txBody>
-      </p:sp>
-      <p:sp>
-        <p:nvSpPr>
-          <p:cNvPr id="4" name="TextBox 3">
-            <a:extLst>
-              <a:ext uri="{FF2B5EF4-FFF2-40B4-BE49-F238E27FC236}">
-                <a16:creationId xmlns:a16="http://schemas.microsoft.com/office/drawing/2014/main" id="{5786D243-34CC-30E0-32CC-7E0064A3ED29}"/>
-              </a:ext>
-            </a:extLst>
-          </p:cNvPr>
-          <p:cNvSpPr txBox="1"/>
-          <p:nvPr/>
-        </p:nvSpPr>
-        <p:spPr>
-          <a:xfrm>
-            <a:off x="829938" y="1353449"/>
-            <a:ext cx="10141305" cy="4524315"/>
-          </a:xfrm>
-          <a:prstGeom prst="rect">
-            <a:avLst/>
-          </a:prstGeom>
-          <a:noFill/>
-        </p:spPr>
-        <p:txBody>
-          <a:bodyPr wrap="square">
-            <a:spAutoFit/>
-          </a:bodyPr>
-          <a:lstStyle/>
-          <a:p>
-            <a:pPr marL="285750" indent="-285750">
-              <a:buFont typeface="Arial" panose="020B0604020202020204" pitchFamily="34" charset="0"/>
-              <a:buChar char="•"/>
-            </a:pPr>
-            <a:r>
-              <a:rPr lang="en-GB" sz="2400" dirty="0"/>
-              <a:t>The THG simulations resulted in some promising outputs</a:t>
-            </a:r>
-          </a:p>
-          <a:p>
-            <a:pPr marL="742950" lvl="1" indent="-285750">
-              <a:buFont typeface="Arial" panose="020B0604020202020204" pitchFamily="34" charset="0"/>
-              <a:buChar char="•"/>
-            </a:pPr>
-            <a:r>
-              <a:rPr lang="en-GB" sz="2400" dirty="0"/>
-              <a:t>Agreement with experiment and literature </a:t>
-            </a:r>
-          </a:p>
-          <a:p>
-            <a:pPr marL="742950" lvl="1" indent="-285750">
-              <a:buFont typeface="Arial" panose="020B0604020202020204" pitchFamily="34" charset="0"/>
-              <a:buChar char="•"/>
-            </a:pPr>
-            <a:r>
-              <a:rPr lang="en-GB" sz="2400" dirty="0"/>
-              <a:t>Some of the figures shown here will be used in the manuscript for </a:t>
-            </a:r>
-            <a:r>
-              <a:rPr lang="en-GB" sz="2400" dirty="0" err="1"/>
-              <a:t>JPhys</a:t>
-            </a:r>
-            <a:r>
-              <a:rPr lang="en-GB" sz="2400" dirty="0"/>
-              <a:t> Photonics being prepared </a:t>
-            </a:r>
-          </a:p>
-          <a:p>
-            <a:pPr marL="285750" indent="-285750">
-              <a:buFont typeface="Arial" panose="020B0604020202020204" pitchFamily="34" charset="0"/>
-              <a:buChar char="•"/>
-            </a:pPr>
-            <a:r>
-              <a:rPr lang="en-GB" sz="2400" dirty="0"/>
-              <a:t>There is significant room for further improvements</a:t>
-            </a:r>
-          </a:p>
-          <a:p>
-            <a:pPr marL="742950" lvl="1" indent="-285750">
-              <a:buFont typeface="Arial" panose="020B0604020202020204" pitchFamily="34" charset="0"/>
-              <a:buChar char="•"/>
-            </a:pPr>
-            <a:r>
-              <a:rPr lang="en-GB" sz="2400" dirty="0"/>
-              <a:t>Base the spatial profile of the input beam on measured data (this requires dropping the assumption of radial symmetry)</a:t>
-            </a:r>
-          </a:p>
-          <a:p>
-            <a:pPr marL="742950" lvl="1" indent="-285750">
-              <a:buFont typeface="Arial" panose="020B0604020202020204" pitchFamily="34" charset="0"/>
-              <a:buChar char="•"/>
-            </a:pPr>
-            <a:r>
-              <a:rPr lang="en-GB" sz="2400" dirty="0"/>
-              <a:t>Take into account that the beam channel radius changes throughout the chip </a:t>
-            </a:r>
-          </a:p>
-          <a:p>
-            <a:pPr marL="742950" lvl="1" indent="-285750">
-              <a:buFont typeface="Arial" panose="020B0604020202020204" pitchFamily="34" charset="0"/>
-              <a:buChar char="•"/>
-            </a:pPr>
-            <a:r>
-              <a:rPr lang="en-GB" sz="2400" dirty="0"/>
-              <a:t>Further improve the COMSOL simulations </a:t>
-            </a:r>
-          </a:p>
-          <a:p>
-            <a:pPr marL="285750" indent="-285750">
-              <a:buFont typeface="Arial" panose="020B0604020202020204" pitchFamily="34" charset="0"/>
-              <a:buChar char="•"/>
-            </a:pPr>
-            <a:r>
-              <a:rPr lang="en-GB" sz="2400" dirty="0"/>
-              <a:t>With additional expansions, the simulation code could serve as a basis to back up future experiments with theory</a:t>
-            </a:r>
-          </a:p>
-        </p:txBody>
-      </p:sp>
-    </p:spTree>
-    <p:extLst>
-      <p:ext uri="{BB962C8B-B14F-4D97-AF65-F5344CB8AC3E}">
-        <p14:creationId xmlns:p14="http://schemas.microsoft.com/office/powerpoint/2010/main" val="1785149432"/>
-      </p:ext>
-    </p:extLst>
-  </p:cSld>
-  <p:clrMapOvr>
-    <a:masterClrMapping/>
-  </p:clrMapOvr>
-</p:sld>
-</file>
-
-<file path=ppt/slides/slide15.xml><?xml version="1.0" encoding="utf-8"?>
-<p:sld xmlns:a="http://schemas.openxmlformats.org/drawingml/2006/main" xmlns:r="http://schemas.openxmlformats.org/officeDocument/2006/relationships" xmlns:p="http://schemas.openxmlformats.org/presentationml/2006/main">
-  <p:cSld>
-    <p:spTree>
-      <p:nvGrpSpPr>
-        <p:cNvPr id="1" name=""/>
-        <p:cNvGrpSpPr/>
-        <p:nvPr/>
-      </p:nvGrpSpPr>
-      <p:grpSpPr>
-        <a:xfrm>
-          <a:off x="0" y="0"/>
-          <a:ext cx="0" cy="0"/>
-          <a:chOff x="0" y="0"/>
-          <a:chExt cx="0" cy="0"/>
-        </a:xfrm>
-      </p:grpSpPr>
-      <p:pic>
-        <p:nvPicPr>
-          <p:cNvPr id="5" name="Content Placeholder 4" descr="A white rectangular frame with blue lines&#10;&#10;Description automatically generated">
-            <a:extLst>
-              <a:ext uri="{FF2B5EF4-FFF2-40B4-BE49-F238E27FC236}">
-                <a16:creationId xmlns:a16="http://schemas.microsoft.com/office/drawing/2014/main" id="{0EBBF7B7-3E9E-6564-002B-A6E433DF2A7E}"/>
-              </a:ext>
-            </a:extLst>
-          </p:cNvPr>
-          <p:cNvPicPr>
-            <a:picLocks noGrp="1" noChangeAspect="1"/>
-          </p:cNvPicPr>
-          <p:nvPr>
-            <p:ph idx="1"/>
-          </p:nvPr>
-        </p:nvPicPr>
-        <p:blipFill>
-          <a:blip r:embed="rId2">
-            <a:extLst>
-              <a:ext uri="{28A0092B-C50C-407E-A947-70E740481C1C}">
-                <a14:useLocalDpi xmlns:a14="http://schemas.microsoft.com/office/drawing/2010/main" val="0"/>
-              </a:ext>
-            </a:extLst>
-          </a:blip>
-          <a:stretch>
-            <a:fillRect/>
-          </a:stretch>
-        </p:blipFill>
-        <p:spPr>
-          <a:xfrm>
-            <a:off x="-130629" y="-44827"/>
-            <a:ext cx="12322629" cy="6947654"/>
-          </a:xfrm>
-        </p:spPr>
-      </p:pic>
-      <p:sp>
-        <p:nvSpPr>
-          <p:cNvPr id="2" name="Title 1">
-            <a:extLst>
-              <a:ext uri="{FF2B5EF4-FFF2-40B4-BE49-F238E27FC236}">
-                <a16:creationId xmlns:a16="http://schemas.microsoft.com/office/drawing/2014/main" id="{23799F4C-4E3C-8AB9-7B07-AA21124CEABE}"/>
-              </a:ext>
-            </a:extLst>
-          </p:cNvPr>
-          <p:cNvSpPr>
-            <a:spLocks noGrp="1"/>
-          </p:cNvSpPr>
-          <p:nvPr>
-            <p:ph type="title"/>
-          </p:nvPr>
-        </p:nvSpPr>
-        <p:spPr>
-          <a:xfrm>
-            <a:off x="455644" y="141192"/>
-            <a:ext cx="10515600" cy="577266"/>
-          </a:xfrm>
-        </p:spPr>
-        <p:txBody>
-          <a:bodyPr>
-            <a:normAutofit fontScale="90000"/>
-          </a:bodyPr>
-          <a:lstStyle/>
-          <a:p>
-            <a:r>
-              <a:rPr lang="en-US" b="1" strike="noStrike" spc="-1" dirty="0">
-                <a:solidFill>
-                  <a:srgbClr val="009FDF"/>
-                </a:solidFill>
-                <a:latin typeface="Arial"/>
-              </a:rPr>
               <a:t>6. Acknowledgments &amp; references</a:t>
             </a:r>
             <a:endParaRPr lang="en-GB" dirty="0"/>
@@ -5640,7 +5345,7 @@
                   <a:schemeClr val="tx1"/>
                 </a:solidFill>
               </a:rPr>
-              <a:t>15</a:t>
+              <a:t>13</a:t>
             </a:fld>
             <a:endParaRPr lang="en-GB" b="1" dirty="0">
               <a:solidFill>
@@ -5665,7 +5370,7 @@
         <p:spPr>
           <a:xfrm>
             <a:off x="664805" y="1279096"/>
-            <a:ext cx="10515599" cy="4524315"/>
+            <a:ext cx="10515599" cy="4154984"/>
           </a:xfrm>
           <a:prstGeom prst="rect">
             <a:avLst/>
@@ -5700,7 +5405,7 @@
             </a:r>
             <a:r>
               <a:rPr lang="en-GB" sz="2400" dirty="0"/>
-              <a:t> Hahne, Vincent </a:t>
+              <a:t> Hahne and Vincent </a:t>
             </a:r>
             <a:r>
               <a:rPr lang="en-GB" sz="2400" dirty="0" err="1"/>
@@ -5708,21 +5413,8 @@
             </a:r>
             <a:r>
               <a:rPr lang="en-GB" sz="2400" dirty="0"/>
-              <a:t>, and Agata </a:t>
-            </a:r>
-            <a:r>
-              <a:rPr lang="en-GB" sz="2400" dirty="0" err="1"/>
-              <a:t>Azzolin</a:t>
-            </a:r>
-            <a:r>
-              <a:rPr lang="en-GB" sz="2400" dirty="0"/>
-              <a:t> for their help with the project as well as to the rest of the CFEL-ATTO team for being so welcoming </a:t>
-            </a:r>
-            <a:r>
-              <a:rPr lang="en-GB" sz="2400"/>
-              <a:t>and friendly.</a:t>
-            </a:r>
-            <a:endParaRPr lang="en-GB" sz="2400" dirty="0"/>
+              <a:t> for all their help with the project as well as to the rest of the CFEL-ATTO team for being so welcoming and friendly.</a:t>
+            </a:r>
           </a:p>
           <a:p>
             <a:pPr marL="0" indent="0">
@@ -5924,7 +5616,16 @@
                 </a:solidFill>
                 <a:latin typeface="Arial"/>
               </a:rPr>
-              <a:t>Overview</a:t>
+              <a:t>1</a:t>
+            </a:r>
+            <a:r>
+              <a:rPr lang="en-US" b="1" strike="noStrike" spc="-1" dirty="0">
+                <a:solidFill>
+                  <a:srgbClr val="009FDF"/>
+                </a:solidFill>
+                <a:latin typeface="Arial"/>
+              </a:rPr>
+              <a:t>. Motivation</a:t>
             </a:r>
             <a:endParaRPr lang="en-GB" dirty="0"/>
           </a:p>
@@ -5969,7 +5670,7 @@
           <p:cNvPr id="3" name="TextBox 2">
             <a:extLst>
               <a:ext uri="{FF2B5EF4-FFF2-40B4-BE49-F238E27FC236}">
-                <a16:creationId xmlns:a16="http://schemas.microsoft.com/office/drawing/2014/main" id="{916287C9-0149-38CD-73E9-FA55BE8026B2}"/>
+                <a16:creationId xmlns:a16="http://schemas.microsoft.com/office/drawing/2014/main" id="{1989B994-F1BC-0532-18D1-979503CF2677}"/>
               </a:ext>
             </a:extLst>
           </p:cNvPr>
@@ -5978,8 +5679,8 @@
         </p:nvSpPr>
         <p:spPr>
           <a:xfrm>
-            <a:off x="610893" y="1146052"/>
-            <a:ext cx="9167589" cy="4524315"/>
+            <a:off x="390329" y="1199535"/>
+            <a:ext cx="5640356" cy="4493538"/>
           </a:xfrm>
           <a:prstGeom prst="rect">
             <a:avLst/>
@@ -5992,131 +5693,139 @@
           </a:bodyPr>
           <a:lstStyle/>
           <a:p>
-            <a:pPr marL="514350" indent="-514350">
+            <a:pPr marL="285750" indent="-285750">
+              <a:buFont typeface="Arial" panose="020B0604020202020204" pitchFamily="34" charset="0"/>
+              <a:buChar char="•"/>
+            </a:pPr>
+            <a:r>
+              <a:rPr lang="en-GB" sz="2400" dirty="0"/>
+              <a:t>The CFEL-ATTO group uses THG of few-femtosecond IR laser pulses in a gas cell to produce ultrashort UV pulses </a:t>
+            </a:r>
+          </a:p>
+          <a:p>
+            <a:pPr marL="285750" indent="-285750">
+              <a:buFont typeface="Arial" panose="020B0604020202020204" pitchFamily="34" charset="0"/>
+              <a:buChar char="•"/>
+            </a:pPr>
+            <a:r>
+              <a:rPr lang="en-GB" sz="2400" dirty="0"/>
+              <a:t>The aim of this project was to produce simulations of the THG process to: </a:t>
+            </a:r>
+          </a:p>
+          <a:p>
+            <a:pPr marL="914400" lvl="1" indent="-457200">
               <a:buFont typeface="+mj-lt"/>
-              <a:buAutoNum type="arabicPeriod"/>
+              <a:buAutoNum type="alphaLcPeriod"/>
             </a:pPr>
             <a:r>
               <a:rPr lang="en-GB" sz="2400" dirty="0"/>
-              <a:t>Motivation</a:t>
-            </a:r>
-          </a:p>
-          <a:p>
-            <a:pPr marL="514350" indent="-514350">
+              <a:t>Reproduce the experimental conditions in the gas </a:t>
+            </a:r>
+          </a:p>
+          <a:p>
+            <a:pPr marL="914400" lvl="1" indent="-457200">
               <a:buFont typeface="+mj-lt"/>
-              <a:buAutoNum type="arabicPeriod"/>
+              <a:buAutoNum type="alphaLcPeriod"/>
             </a:pPr>
             <a:r>
               <a:rPr lang="en-GB" sz="2400" dirty="0"/>
-              <a:t>Background</a:t>
-            </a:r>
-          </a:p>
-          <a:p>
-            <a:pPr marL="514350" indent="-514350">
+              <a:t>Study the effects and parameters shaping the THG process </a:t>
+            </a:r>
+          </a:p>
+          <a:p>
+            <a:pPr marL="914400" lvl="1" indent="-457200">
               <a:buFont typeface="+mj-lt"/>
-              <a:buAutoNum type="arabicPeriod"/>
+              <a:buAutoNum type="alphaLcPeriod"/>
             </a:pPr>
             <a:r>
               <a:rPr lang="en-GB" sz="2400" dirty="0"/>
-              <a:t>Simulation inputs</a:t>
-            </a:r>
-          </a:p>
-          <a:p>
-            <a:pPr marL="514350" indent="-514350">
-              <a:buFont typeface="+mj-lt"/>
-              <a:buAutoNum type="arabicPeriod"/>
-            </a:pPr>
-            <a:r>
-              <a:rPr lang="en-GB" sz="2400" dirty="0"/>
-              <a:t>Simulation output</a:t>
-            </a:r>
-          </a:p>
-          <a:p>
-            <a:pPr marL="971550" lvl="1" indent="-514350">
-              <a:buFont typeface="+mj-lt"/>
-              <a:buAutoNum type="romanUcPeriod"/>
-            </a:pPr>
-            <a:r>
-              <a:rPr lang="en-GB" sz="2400" dirty="0"/>
-              <a:t>Comparison with experiment</a:t>
-            </a:r>
-          </a:p>
-          <a:p>
-            <a:pPr marL="971550" lvl="1" indent="-514350">
-              <a:buFont typeface="+mj-lt"/>
-              <a:buAutoNum type="romanUcPeriod"/>
-            </a:pPr>
-            <a:r>
-              <a:rPr lang="en-GB" sz="2400" dirty="0"/>
-              <a:t>Self-steepening</a:t>
-            </a:r>
-          </a:p>
-          <a:p>
-            <a:pPr marL="971550" lvl="1" indent="-514350">
-              <a:buFont typeface="+mj-lt"/>
-              <a:buAutoNum type="romanUcPeriod"/>
-            </a:pPr>
-            <a:r>
-              <a:rPr lang="en-GB" sz="2400" dirty="0"/>
-              <a:t>Effects of chirp </a:t>
-            </a:r>
-          </a:p>
-          <a:p>
-            <a:pPr marL="971550" lvl="1" indent="-514350">
-              <a:buFont typeface="+mj-lt"/>
-              <a:buAutoNum type="romanUcPeriod"/>
-            </a:pPr>
-            <a:r>
-              <a:rPr lang="en-GB" sz="2400" dirty="0"/>
-              <a:t>Effects of CEP</a:t>
-            </a:r>
-          </a:p>
-          <a:p>
-            <a:pPr marL="971550" lvl="1" indent="-514350">
-              <a:buFont typeface="+mj-lt"/>
-              <a:buAutoNum type="romanUcPeriod"/>
-            </a:pPr>
-            <a:r>
-              <a:rPr lang="en-GB" sz="2400" dirty="0"/>
-              <a:t>Gas comparisons</a:t>
-            </a:r>
-          </a:p>
-          <a:p>
-            <a:pPr marL="971550" lvl="1" indent="-514350">
-              <a:buFont typeface="+mj-lt"/>
-              <a:buAutoNum type="romanUcPeriod"/>
-            </a:pPr>
-            <a:r>
-              <a:rPr lang="en-GB" sz="2400" dirty="0"/>
-              <a:t>Gas cell comparisons</a:t>
-            </a:r>
-          </a:p>
-          <a:p>
-            <a:pPr marL="514350" indent="-514350">
-              <a:buFont typeface="+mj-lt"/>
-              <a:buAutoNum type="arabicPeriod"/>
-            </a:pPr>
-            <a:r>
-              <a:rPr lang="en-GB" sz="2400" dirty="0"/>
-              <a:t>Discussion &amp; conclusion</a:t>
-            </a:r>
-          </a:p>
-          <a:p>
-            <a:pPr marL="514350" indent="-514350">
-              <a:buFont typeface="+mj-lt"/>
-              <a:buAutoNum type="arabicPeriod"/>
-            </a:pPr>
-            <a:r>
-              <a:rPr lang="en-GB" sz="2400" dirty="0"/>
-              <a:t>Acknowledgments &amp; references</a:t>
-            </a:r>
-          </a:p>
-        </p:txBody>
-      </p:sp>
+              <a:t>Compare the new gas chip to the old (2019) cell </a:t>
+            </a:r>
+          </a:p>
+          <a:p>
+            <a:endParaRPr lang="en-GB" sz="2200" dirty="0"/>
+          </a:p>
+        </p:txBody>
+      </p:sp>
+      <p:sp>
+        <p:nvSpPr>
+          <p:cNvPr id="7" name="TextBox 6">
+            <a:extLst>
+              <a:ext uri="{FF2B5EF4-FFF2-40B4-BE49-F238E27FC236}">
+                <a16:creationId xmlns:a16="http://schemas.microsoft.com/office/drawing/2014/main" id="{82F0E74F-2707-4E8A-95D6-D392F43735AD}"/>
+              </a:ext>
+            </a:extLst>
+          </p:cNvPr>
+          <p:cNvSpPr txBox="1"/>
+          <p:nvPr/>
+        </p:nvSpPr>
+        <p:spPr>
+          <a:xfrm>
+            <a:off x="7361150" y="5751871"/>
+            <a:ext cx="3910229" cy="646331"/>
+          </a:xfrm>
+          <a:prstGeom prst="rect">
+            <a:avLst/>
+          </a:prstGeom>
+          <a:noFill/>
+        </p:spPr>
+        <p:txBody>
+          <a:bodyPr wrap="square" rtlCol="0">
+            <a:spAutoFit/>
+          </a:bodyPr>
+          <a:lstStyle/>
+          <a:p>
+            <a:r>
+              <a:rPr lang="en-GB" i="1" dirty="0"/>
+              <a:t>Fig. 1</a:t>
+            </a:r>
+            <a:r>
+              <a:rPr lang="en-GB" dirty="0"/>
+              <a:t>: the fused silica chip used for gas confinement [CREDIT JOSINA]</a:t>
+            </a:r>
+          </a:p>
+        </p:txBody>
+      </p:sp>
+      <p:pic>
+        <p:nvPicPr>
+          <p:cNvPr id="9" name="Picture 8" descr="A diagram of a gas pump&#10;&#10;Description automatically generated">
+            <a:extLst>
+              <a:ext uri="{FF2B5EF4-FFF2-40B4-BE49-F238E27FC236}">
+                <a16:creationId xmlns:a16="http://schemas.microsoft.com/office/drawing/2014/main" id="{571B4DBF-6363-3926-AD15-8DF58D6D2FD3}"/>
+              </a:ext>
+            </a:extLst>
+          </p:cNvPr>
+          <p:cNvPicPr>
+            <a:picLocks noChangeAspect="1"/>
+          </p:cNvPicPr>
+          <p:nvPr/>
+        </p:nvPicPr>
+        <p:blipFill>
+          <a:blip r:embed="rId3">
+            <a:extLst>
+              <a:ext uri="{28A0092B-C50C-407E-A947-70E740481C1C}">
+                <a14:useLocalDpi xmlns:a14="http://schemas.microsoft.com/office/drawing/2010/main" val="0"/>
+              </a:ext>
+            </a:extLst>
+          </a:blip>
+          <a:stretch>
+            <a:fillRect/>
+          </a:stretch>
+        </p:blipFill>
+        <p:spPr>
+          <a:xfrm>
+            <a:off x="6869772" y="904477"/>
+            <a:ext cx="4288856" cy="4763288"/>
+          </a:xfrm>
+          <a:prstGeom prst="rect">
+            <a:avLst/>
+          </a:prstGeom>
+        </p:spPr>
+      </p:pic>
     </p:spTree>
     <p:extLst>
       <p:ext uri="{BB962C8B-B14F-4D97-AF65-F5344CB8AC3E}">
-        <p14:creationId xmlns:p14="http://schemas.microsoft.com/office/powerpoint/2010/main" val="3177028996"/>
+        <p14:creationId xmlns:p14="http://schemas.microsoft.com/office/powerpoint/2010/main" val="2464867560"/>
       </p:ext>
     </p:extLst>
   </p:cSld>
@@ -6207,332 +5916,6 @@
           <a:lstStyle/>
           <a:p>
             <a:r>
-              <a:rPr lang="en-US" b="1" spc="-1" dirty="0">
-                <a:solidFill>
-                  <a:srgbClr val="009FDF"/>
-                </a:solidFill>
-                <a:latin typeface="Arial"/>
-              </a:rPr>
-              <a:t>1</a:t>
-            </a:r>
-            <a:r>
-              <a:rPr lang="en-US" b="1" strike="noStrike" spc="-1" dirty="0">
-                <a:solidFill>
-                  <a:srgbClr val="009FDF"/>
-                </a:solidFill>
-                <a:latin typeface="Arial"/>
-              </a:rPr>
-              <a:t>. Motivation</a:t>
-            </a:r>
-            <a:endParaRPr lang="en-GB" dirty="0"/>
-          </a:p>
-        </p:txBody>
-      </p:sp>
-      <p:sp>
-        <p:nvSpPr>
-          <p:cNvPr id="6" name="Slide Number Placeholder 5">
-            <a:extLst>
-              <a:ext uri="{FF2B5EF4-FFF2-40B4-BE49-F238E27FC236}">
-                <a16:creationId xmlns:a16="http://schemas.microsoft.com/office/drawing/2014/main" id="{BAFACB1C-C8EF-DE7D-CF6B-A6DC324A47A3}"/>
-              </a:ext>
-            </a:extLst>
-          </p:cNvPr>
-          <p:cNvSpPr>
-            <a:spLocks noGrp="1"/>
-          </p:cNvSpPr>
-          <p:nvPr>
-            <p:ph type="sldNum" sz="quarter" idx="12"/>
-          </p:nvPr>
-        </p:nvSpPr>
-        <p:spPr>
-          <a:xfrm>
-            <a:off x="11541966" y="6537702"/>
-            <a:ext cx="511629" cy="365125"/>
-          </a:xfrm>
-        </p:spPr>
-        <p:txBody>
-          <a:bodyPr/>
-          <a:lstStyle/>
-          <a:p>
-            <a:fld id="{54D89579-D9F6-47AA-A878-E5ECDBCBE9C9}" type="slidenum">
-              <a:rPr lang="en-GB" b="1" smtClean="0"/>
-              <a:t>3</a:t>
-            </a:fld>
-            <a:endParaRPr lang="en-GB" b="1" dirty="0"/>
-          </a:p>
-        </p:txBody>
-      </p:sp>
-      <p:sp>
-        <p:nvSpPr>
-          <p:cNvPr id="3" name="TextBox 2">
-            <a:extLst>
-              <a:ext uri="{FF2B5EF4-FFF2-40B4-BE49-F238E27FC236}">
-                <a16:creationId xmlns:a16="http://schemas.microsoft.com/office/drawing/2014/main" id="{1989B994-F1BC-0532-18D1-979503CF2677}"/>
-              </a:ext>
-            </a:extLst>
-          </p:cNvPr>
-          <p:cNvSpPr txBox="1"/>
-          <p:nvPr/>
-        </p:nvSpPr>
-        <p:spPr>
-          <a:xfrm>
-            <a:off x="390329" y="1199535"/>
-            <a:ext cx="5640356" cy="5601533"/>
-          </a:xfrm>
-          <a:prstGeom prst="rect">
-            <a:avLst/>
-          </a:prstGeom>
-          <a:noFill/>
-        </p:spPr>
-        <p:txBody>
-          <a:bodyPr wrap="square" rtlCol="0">
-            <a:spAutoFit/>
-          </a:bodyPr>
-          <a:lstStyle/>
-          <a:p>
-            <a:pPr marL="285750" indent="-285750">
-              <a:buFont typeface="Arial" panose="020B0604020202020204" pitchFamily="34" charset="0"/>
-              <a:buChar char="•"/>
-            </a:pPr>
-            <a:r>
-              <a:rPr lang="en-GB" sz="2400" dirty="0"/>
-              <a:t>The CFEL-ATTO group uses THG of few-femtosecond IR laser pulses in a gas cell to produce ultrashort UV pulses </a:t>
-            </a:r>
-          </a:p>
-          <a:p>
-            <a:pPr marL="285750" indent="-285750">
-              <a:buFont typeface="Arial" panose="020B0604020202020204" pitchFamily="34" charset="0"/>
-              <a:buChar char="•"/>
-            </a:pPr>
-            <a:r>
-              <a:rPr lang="en-GB" sz="2400" dirty="0"/>
-              <a:t>The aim of this project was to produce simulations of the THG process to: </a:t>
-            </a:r>
-          </a:p>
-          <a:p>
-            <a:pPr marL="914400" lvl="1" indent="-457200">
-              <a:buFont typeface="+mj-lt"/>
-              <a:buAutoNum type="alphaLcPeriod"/>
-            </a:pPr>
-            <a:r>
-              <a:rPr lang="en-GB" sz="2400" dirty="0"/>
-              <a:t>Reproduce the experimental conditions in the gas </a:t>
-            </a:r>
-          </a:p>
-          <a:p>
-            <a:pPr marL="914400" lvl="1" indent="-457200">
-              <a:buFont typeface="+mj-lt"/>
-              <a:buAutoNum type="alphaLcPeriod"/>
-            </a:pPr>
-            <a:r>
-              <a:rPr lang="en-GB" sz="2400" dirty="0"/>
-              <a:t>Study the effects dominating the THG process </a:t>
-            </a:r>
-          </a:p>
-          <a:p>
-            <a:pPr marL="914400" lvl="1" indent="-457200">
-              <a:buFont typeface="+mj-lt"/>
-              <a:buAutoNum type="alphaLcPeriod"/>
-            </a:pPr>
-            <a:r>
-              <a:rPr lang="en-GB" sz="2400" dirty="0"/>
-              <a:t>Investigate how changes to different input parameters affect the UV pulses</a:t>
-            </a:r>
-          </a:p>
-          <a:p>
-            <a:pPr marL="914400" lvl="1" indent="-457200">
-              <a:buFont typeface="+mj-lt"/>
-              <a:buAutoNum type="alphaLcPeriod"/>
-            </a:pPr>
-            <a:r>
-              <a:rPr lang="en-GB" sz="2400" dirty="0"/>
-              <a:t>Compare the new gas chip to the old (2019) cell </a:t>
-            </a:r>
-          </a:p>
-          <a:p>
-            <a:endParaRPr lang="en-GB" sz="2200" dirty="0"/>
-          </a:p>
-        </p:txBody>
-      </p:sp>
-      <p:sp>
-        <p:nvSpPr>
-          <p:cNvPr id="4" name="Rectangle 3">
-            <a:extLst>
-              <a:ext uri="{FF2B5EF4-FFF2-40B4-BE49-F238E27FC236}">
-                <a16:creationId xmlns:a16="http://schemas.microsoft.com/office/drawing/2014/main" id="{8E97F58A-F75B-88AF-E8AD-8EA38DD68D87}"/>
-              </a:ext>
-            </a:extLst>
-          </p:cNvPr>
-          <p:cNvSpPr/>
-          <p:nvPr/>
-        </p:nvSpPr>
-        <p:spPr>
-          <a:xfrm>
-            <a:off x="6234339" y="1199535"/>
-            <a:ext cx="5760000" cy="4320000"/>
-          </a:xfrm>
-          <a:prstGeom prst="rect">
-            <a:avLst/>
-          </a:prstGeom>
-        </p:spPr>
-        <p:style>
-          <a:lnRef idx="2">
-            <a:schemeClr val="accent1">
-              <a:shade val="15000"/>
-            </a:schemeClr>
-          </a:lnRef>
-          <a:fillRef idx="1">
-            <a:schemeClr val="accent1"/>
-          </a:fillRef>
-          <a:effectRef idx="0">
-            <a:schemeClr val="accent1"/>
-          </a:effectRef>
-          <a:fontRef idx="minor">
-            <a:schemeClr val="lt1"/>
-          </a:fontRef>
-        </p:style>
-        <p:txBody>
-          <a:bodyPr rtlCol="0" anchor="ctr"/>
-          <a:lstStyle/>
-          <a:p>
-            <a:pPr algn="ctr"/>
-            <a:endParaRPr lang="en-GB"/>
-          </a:p>
-        </p:txBody>
-      </p:sp>
-      <p:sp>
-        <p:nvSpPr>
-          <p:cNvPr id="7" name="TextBox 6">
-            <a:extLst>
-              <a:ext uri="{FF2B5EF4-FFF2-40B4-BE49-F238E27FC236}">
-                <a16:creationId xmlns:a16="http://schemas.microsoft.com/office/drawing/2014/main" id="{82F0E74F-2707-4E8A-95D6-D392F43735AD}"/>
-              </a:ext>
-            </a:extLst>
-          </p:cNvPr>
-          <p:cNvSpPr txBox="1"/>
-          <p:nvPr/>
-        </p:nvSpPr>
-        <p:spPr>
-          <a:xfrm>
-            <a:off x="8032955" y="5751871"/>
-            <a:ext cx="3390672" cy="369332"/>
-          </a:xfrm>
-          <a:prstGeom prst="rect">
-            <a:avLst/>
-          </a:prstGeom>
-          <a:noFill/>
-        </p:spPr>
-        <p:txBody>
-          <a:bodyPr wrap="none" rtlCol="0">
-            <a:spAutoFit/>
-          </a:bodyPr>
-          <a:lstStyle/>
-          <a:p>
-            <a:r>
-              <a:rPr lang="en-GB" i="1" dirty="0"/>
-              <a:t>Fig. X</a:t>
-            </a:r>
-            <a:r>
-              <a:rPr lang="en-GB" dirty="0"/>
-              <a:t>: the old and new gas cell</a:t>
-            </a:r>
-          </a:p>
-        </p:txBody>
-      </p:sp>
-    </p:spTree>
-    <p:extLst>
-      <p:ext uri="{BB962C8B-B14F-4D97-AF65-F5344CB8AC3E}">
-        <p14:creationId xmlns:p14="http://schemas.microsoft.com/office/powerpoint/2010/main" val="2464867560"/>
-      </p:ext>
-    </p:extLst>
-  </p:cSld>
-  <p:clrMapOvr>
-    <a:masterClrMapping/>
-  </p:clrMapOvr>
-</p:sld>
-</file>
-
-<file path=ppt/slides/slide4.xml><?xml version="1.0" encoding="utf-8"?>
-<p:sld xmlns:a="http://schemas.openxmlformats.org/drawingml/2006/main" xmlns:r="http://schemas.openxmlformats.org/officeDocument/2006/relationships" xmlns:p="http://schemas.openxmlformats.org/presentationml/2006/main">
-  <p:cSld>
-    <p:spTree>
-      <p:nvGrpSpPr>
-        <p:cNvPr id="1" name=""/>
-        <p:cNvGrpSpPr/>
-        <p:nvPr/>
-      </p:nvGrpSpPr>
-      <p:grpSpPr>
-        <a:xfrm>
-          <a:off x="0" y="0"/>
-          <a:ext cx="0" cy="0"/>
-          <a:chOff x="0" y="0"/>
-          <a:chExt cx="0" cy="0"/>
-        </a:xfrm>
-      </p:grpSpPr>
-      <p:pic>
-        <p:nvPicPr>
-          <p:cNvPr id="5" name="Content Placeholder 4" descr="A white rectangular frame with blue lines&#10;&#10;Description automatically generated">
-            <a:extLst>
-              <a:ext uri="{FF2B5EF4-FFF2-40B4-BE49-F238E27FC236}">
-                <a16:creationId xmlns:a16="http://schemas.microsoft.com/office/drawing/2014/main" id="{0EBBF7B7-3E9E-6564-002B-A6E433DF2A7E}"/>
-              </a:ext>
-            </a:extLst>
-          </p:cNvPr>
-          <p:cNvPicPr>
-            <a:picLocks noGrp="1" noChangeAspect="1"/>
-          </p:cNvPicPr>
-          <p:nvPr>
-            <p:ph idx="1"/>
-          </p:nvPr>
-        </p:nvPicPr>
-        <p:blipFill>
-          <a:blip r:embed="rId2">
-            <a:extLst>
-              <a:ext uri="{28A0092B-C50C-407E-A947-70E740481C1C}">
-                <a14:useLocalDpi xmlns:a14="http://schemas.microsoft.com/office/drawing/2010/main" val="0"/>
-              </a:ext>
-            </a:extLst>
-          </a:blip>
-          <a:stretch>
-            <a:fillRect/>
-          </a:stretch>
-        </p:blipFill>
-        <p:spPr>
-          <a:xfrm>
-            <a:off x="-130629" y="-44827"/>
-            <a:ext cx="12322629" cy="6947654"/>
-          </a:xfrm>
-        </p:spPr>
-      </p:pic>
-      <p:sp>
-        <p:nvSpPr>
-          <p:cNvPr id="2" name="Title 1">
-            <a:extLst>
-              <a:ext uri="{FF2B5EF4-FFF2-40B4-BE49-F238E27FC236}">
-                <a16:creationId xmlns:a16="http://schemas.microsoft.com/office/drawing/2014/main" id="{23799F4C-4E3C-8AB9-7B07-AA21124CEABE}"/>
-              </a:ext>
-            </a:extLst>
-          </p:cNvPr>
-          <p:cNvSpPr>
-            <a:spLocks noGrp="1"/>
-          </p:cNvSpPr>
-          <p:nvPr>
-            <p:ph type="title"/>
-          </p:nvPr>
-        </p:nvSpPr>
-        <p:spPr>
-          <a:xfrm>
-            <a:off x="455644" y="141192"/>
-            <a:ext cx="10515600" cy="577266"/>
-          </a:xfrm>
-        </p:spPr>
-        <p:txBody>
-          <a:bodyPr>
-            <a:normAutofit fontScale="90000"/>
-          </a:bodyPr>
-          <a:lstStyle/>
-          <a:p>
-            <a:r>
               <a:rPr lang="en-US" b="1" strike="noStrike" spc="-1" dirty="0">
                 <a:solidFill>
                   <a:srgbClr val="009FDF"/>
@@ -6573,7 +5956,7 @@
           <a:p>
             <a:fld id="{54D89579-D9F6-47AA-A878-E5ECDBCBE9C9}" type="slidenum">
               <a:rPr lang="en-GB" b="1" smtClean="0"/>
-              <a:t>4</a:t>
+              <a:t>3</a:t>
             </a:fld>
             <a:endParaRPr lang="en-GB" b="1" dirty="0"/>
           </a:p>
@@ -6596,7 +5979,7 @@
             <p:spPr>
               <a:xfrm>
                 <a:off x="455645" y="1423342"/>
-                <a:ext cx="10917206" cy="5400517"/>
+                <a:ext cx="10917206" cy="4013022"/>
               </a:xfrm>
               <a:prstGeom prst="rect">
                 <a:avLst/>
@@ -6644,531 +6027,20 @@
                   <a:buChar char="•"/>
                 </a:pPr>
                 <a:r>
-                  <a:rPr lang="en-GB" sz="2400" dirty="0">
-                    <a:latin typeface="+mn-lt"/>
-                  </a:rPr>
-                  <a:t>Luna numerically solves the unidirectional pulse propagation equation (UPPE) for a pulse travelling in the </a:t>
-                </a:r>
-                <a:r>
                   <a:rPr lang="en-GB" sz="2400" i="1" dirty="0">
                     <a:latin typeface="+mn-lt"/>
                   </a:rPr>
-                  <a:t>z</a:t>
+                  <a:t>Luna</a:t>
                 </a:r>
                 <a:r>
                   <a:rPr lang="en-GB" sz="2400" dirty="0">
                     <a:latin typeface="+mn-lt"/>
                   </a:rPr>
-                  <a:t>-direction:</a:t>
+                  <a:t> numerically solves the unidirectional pulse propagation equation (UPPE), which is derived from Maxwell’s Equations without employing a</a:t>
                 </a:r>
-              </a:p>
-              <a:p>
-                <a:endParaRPr lang="en-GB" sz="2600" dirty="0">
-                  <a:latin typeface="+mn-lt"/>
-                </a:endParaRPr>
-              </a:p>
-              <a:p>
-                <a:endParaRPr lang="en-GB" dirty="0">
-                  <a:latin typeface="+mn-lt"/>
-                </a:endParaRPr>
-              </a:p>
-              <a:p>
-                <a:endParaRPr lang="en-GB" dirty="0">
-                  <a:latin typeface="+mn-lt"/>
-                </a:endParaRPr>
-              </a:p>
-              <a:p>
-                <a:pPr marL="0" indent="0">
-                  <a:buNone/>
-                </a:pPr>
-                <a:endParaRPr lang="en-GB" dirty="0">
-                  <a:latin typeface="+mn-lt"/>
-                </a:endParaRPr>
-              </a:p>
-              <a:p>
-                <a:pPr marL="1200150" lvl="2" indent="-285750">
-                  <a:buFont typeface="Arial" panose="020B0604020202020204" pitchFamily="34" charset="0"/>
-                  <a:buChar char="•"/>
-                </a:pPr>
-                <a14:m>
-                  <m:oMath xmlns:m="http://schemas.openxmlformats.org/officeDocument/2006/math">
-                    <m:r>
-                      <a:rPr lang="en-GB" sz="1800" b="1" i="1" smtClean="0">
-                        <a:latin typeface="Cambria Math" panose="02040503050406030204" pitchFamily="18" charset="0"/>
-                      </a:rPr>
-                      <m:t>𝑬</m:t>
-                    </m:r>
-                    <m:d>
-                      <m:dPr>
-                        <m:ctrlPr>
-                          <a:rPr lang="en-GB" sz="1800" b="0" i="1" smtClean="0">
-                            <a:latin typeface="Cambria Math" panose="02040503050406030204" pitchFamily="18" charset="0"/>
-                          </a:rPr>
-                        </m:ctrlPr>
-                      </m:dPr>
-                      <m:e>
-                        <m:r>
-                          <m:rPr>
-                            <m:sty m:val="p"/>
-                          </m:rPr>
-                          <a:rPr lang="en-GB" sz="1800" b="0" i="1" smtClean="0">
-                            <a:latin typeface="Cambria Math" panose="02040503050406030204" pitchFamily="18" charset="0"/>
-                          </a:rPr>
-                          <m:t>ω</m:t>
-                        </m:r>
-                        <m:r>
-                          <a:rPr lang="en-GB" sz="1800" b="0" i="1" smtClean="0">
-                            <a:latin typeface="Cambria Math" panose="02040503050406030204" pitchFamily="18" charset="0"/>
-                          </a:rPr>
-                          <m:t>, </m:t>
-                        </m:r>
-                        <m:sSub>
-                          <m:sSubPr>
-                            <m:ctrlPr>
-                              <a:rPr lang="en-GB" sz="1800" b="1" i="1" smtClean="0">
-                                <a:latin typeface="Cambria Math" panose="02040503050406030204" pitchFamily="18" charset="0"/>
-                              </a:rPr>
-                            </m:ctrlPr>
-                          </m:sSubPr>
-                          <m:e>
-                            <m:r>
-                              <a:rPr lang="en-GB" sz="1800" b="1" i="1" smtClean="0">
-                                <a:latin typeface="Cambria Math" panose="02040503050406030204" pitchFamily="18" charset="0"/>
-                              </a:rPr>
-                              <m:t>𝒌</m:t>
-                            </m:r>
-                          </m:e>
-                          <m:sub>
-                            <m:r>
-                              <a:rPr lang="en-GB" sz="1800" b="1" i="1" smtClean="0">
-                                <a:latin typeface="Cambria Math" panose="02040503050406030204" pitchFamily="18" charset="0"/>
-                              </a:rPr>
-                              <m:t>⊥</m:t>
-                            </m:r>
-                          </m:sub>
-                        </m:sSub>
-                        <m:r>
-                          <a:rPr lang="en-GB" sz="1800" b="0" i="1" smtClean="0">
-                            <a:latin typeface="Cambria Math" panose="02040503050406030204" pitchFamily="18" charset="0"/>
-                          </a:rPr>
-                          <m:t>,</m:t>
-                        </m:r>
-                        <m:r>
-                          <a:rPr lang="en-GB" sz="1800" b="0" i="1" smtClean="0">
-                            <a:latin typeface="Cambria Math" panose="02040503050406030204" pitchFamily="18" charset="0"/>
-                          </a:rPr>
-                          <m:t>𝑧</m:t>
-                        </m:r>
-                      </m:e>
-                    </m:d>
-                  </m:oMath>
-                </a14:m>
                 <a:r>
-                  <a:rPr lang="en-GB" sz="1800" dirty="0">
-                    <a:latin typeface="+mn-lt"/>
-                  </a:rPr>
-                  <a:t> is the reciprocal-space electric field amplitude in the frequency domain</a:t>
-                </a:r>
-              </a:p>
-              <a:p>
-                <a:pPr marL="1200150" lvl="2" indent="-285750">
-                  <a:buFont typeface="Arial" panose="020B0604020202020204" pitchFamily="34" charset="0"/>
-                  <a:buChar char="•"/>
-                </a:pPr>
-                <a14:m>
-                  <m:oMath xmlns:m="http://schemas.openxmlformats.org/officeDocument/2006/math">
-                    <m:sSub>
-                      <m:sSubPr>
-                        <m:ctrlPr>
-                          <a:rPr lang="en-GB" sz="1800" b="1" i="1" smtClean="0">
-                            <a:latin typeface="Cambria Math" panose="02040503050406030204" pitchFamily="18" charset="0"/>
-                          </a:rPr>
-                        </m:ctrlPr>
-                      </m:sSubPr>
-                      <m:e>
-                        <m:r>
-                          <a:rPr lang="en-GB" sz="1800" b="1" i="1" smtClean="0">
-                            <a:latin typeface="Cambria Math" panose="02040503050406030204" pitchFamily="18" charset="0"/>
-                          </a:rPr>
-                          <m:t>𝒌</m:t>
-                        </m:r>
-                      </m:e>
-                      <m:sub>
-                        <m:r>
-                          <a:rPr lang="en-GB" sz="1800" b="1" i="1" smtClean="0">
-                            <a:latin typeface="Cambria Math" panose="02040503050406030204" pitchFamily="18" charset="0"/>
-                          </a:rPr>
-                          <m:t>⊥</m:t>
-                        </m:r>
-                      </m:sub>
-                    </m:sSub>
-                  </m:oMath>
-                </a14:m>
-                <a:r>
-                  <a:rPr lang="en-GB" sz="1800" dirty="0">
-                    <a:latin typeface="+mn-lt"/>
-                  </a:rPr>
-                  <a:t> is the transverse spatial frequency vector</a:t>
-                </a:r>
-              </a:p>
-              <a:p>
-                <a:pPr marL="1200150" lvl="2" indent="-285750">
-                  <a:buFont typeface="Arial" panose="020B0604020202020204" pitchFamily="34" charset="0"/>
-                  <a:buChar char="•"/>
-                </a:pPr>
-                <a14:m>
-                  <m:oMath xmlns:m="http://schemas.openxmlformats.org/officeDocument/2006/math">
-                    <m:acc>
-                      <m:accPr>
-                        <m:chr m:val="̂"/>
-                        <m:ctrlPr>
-                          <a:rPr lang="en-GB" sz="1800" b="0" i="1" smtClean="0">
-                            <a:latin typeface="Cambria Math" panose="02040503050406030204" pitchFamily="18" charset="0"/>
-                          </a:rPr>
-                        </m:ctrlPr>
-                      </m:accPr>
-                      <m:e>
-                        <m:r>
-                          <a:rPr lang="en-GB" sz="1800" b="0" i="1" smtClean="0">
-                            <a:latin typeface="Cambria Math" panose="02040503050406030204" pitchFamily="18" charset="0"/>
-                          </a:rPr>
-                          <m:t>𝐿</m:t>
-                        </m:r>
-                      </m:e>
-                    </m:acc>
-                    <m:d>
-                      <m:dPr>
-                        <m:ctrlPr>
-                          <a:rPr lang="en-GB" sz="1800" b="0" i="1" smtClean="0">
-                            <a:latin typeface="Cambria Math" panose="02040503050406030204" pitchFamily="18" charset="0"/>
-                          </a:rPr>
-                        </m:ctrlPr>
-                      </m:dPr>
-                      <m:e>
-                        <m:r>
-                          <a:rPr lang="en-GB" sz="1800" b="0" i="1" smtClean="0">
-                            <a:latin typeface="Cambria Math" panose="02040503050406030204" pitchFamily="18" charset="0"/>
-                          </a:rPr>
-                          <m:t>𝜔</m:t>
-                        </m:r>
-                        <m:r>
-                          <a:rPr lang="en-GB" sz="1800" b="0" i="1" smtClean="0">
-                            <a:latin typeface="Cambria Math" panose="02040503050406030204" pitchFamily="18" charset="0"/>
-                          </a:rPr>
-                          <m:t>,</m:t>
-                        </m:r>
-                        <m:r>
-                          <a:rPr lang="en-GB" sz="1800" b="0" i="1" smtClean="0">
-                            <a:latin typeface="Cambria Math" panose="02040503050406030204" pitchFamily="18" charset="0"/>
-                          </a:rPr>
-                          <m:t>𝑧</m:t>
-                        </m:r>
-                      </m:e>
-                    </m:d>
-                    <m:r>
-                      <a:rPr lang="en-GB" sz="1800" b="0" i="1" smtClean="0">
-                        <a:latin typeface="Cambria Math" panose="02040503050406030204" pitchFamily="18" charset="0"/>
-                      </a:rPr>
-                      <m:t>=</m:t>
-                    </m:r>
-                    <m:r>
-                      <a:rPr lang="en-GB" sz="1800" b="0" i="1" smtClean="0">
-                        <a:latin typeface="Cambria Math" panose="02040503050406030204" pitchFamily="18" charset="0"/>
-                      </a:rPr>
-                      <m:t>𝑖</m:t>
-                    </m:r>
-                    <m:r>
-                      <a:rPr lang="en-GB" sz="1800" b="0" i="1" smtClean="0">
-                        <a:latin typeface="Cambria Math" panose="02040503050406030204" pitchFamily="18" charset="0"/>
-                      </a:rPr>
-                      <m:t> </m:t>
-                    </m:r>
-                    <m:d>
-                      <m:dPr>
-                        <m:ctrlPr>
-                          <a:rPr lang="en-GB" sz="1800" b="0" i="1" smtClean="0">
-                            <a:latin typeface="Cambria Math" panose="02040503050406030204" pitchFamily="18" charset="0"/>
-                          </a:rPr>
-                        </m:ctrlPr>
-                      </m:dPr>
-                      <m:e>
-                        <m:r>
-                          <a:rPr lang="en-GB" sz="1800" b="0" i="1" smtClean="0">
-                            <a:latin typeface="Cambria Math" panose="02040503050406030204" pitchFamily="18" charset="0"/>
-                          </a:rPr>
-                          <m:t>𝛽</m:t>
-                        </m:r>
-                        <m:d>
-                          <m:dPr>
-                            <m:ctrlPr>
-                              <a:rPr lang="en-GB" sz="1800" b="0" i="1" smtClean="0">
-                                <a:latin typeface="Cambria Math" panose="02040503050406030204" pitchFamily="18" charset="0"/>
-                              </a:rPr>
-                            </m:ctrlPr>
-                          </m:dPr>
-                          <m:e>
-                            <m:r>
-                              <a:rPr lang="en-GB" sz="1800" b="0" i="1" smtClean="0">
-                                <a:latin typeface="Cambria Math" panose="02040503050406030204" pitchFamily="18" charset="0"/>
-                              </a:rPr>
-                              <m:t>𝜔</m:t>
-                            </m:r>
-                            <m:r>
-                              <a:rPr lang="en-GB" sz="1800" b="0" i="1" smtClean="0">
-                                <a:latin typeface="Cambria Math" panose="02040503050406030204" pitchFamily="18" charset="0"/>
-                              </a:rPr>
-                              <m:t>, </m:t>
-                            </m:r>
-                            <m:r>
-                              <a:rPr lang="en-GB" sz="1800" b="0" i="1" smtClean="0">
-                                <a:latin typeface="Cambria Math" panose="02040503050406030204" pitchFamily="18" charset="0"/>
-                              </a:rPr>
-                              <m:t>𝑧</m:t>
-                            </m:r>
-                          </m:e>
-                        </m:d>
-                        <m:r>
-                          <a:rPr lang="en-GB" sz="1800" b="0" i="1" smtClean="0">
-                            <a:latin typeface="Cambria Math" panose="02040503050406030204" pitchFamily="18" charset="0"/>
-                          </a:rPr>
-                          <m:t>−</m:t>
-                        </m:r>
-                        <m:f>
-                          <m:fPr>
-                            <m:ctrlPr>
-                              <a:rPr lang="en-GB" sz="1800" b="0" i="1" smtClean="0">
-                                <a:latin typeface="Cambria Math" panose="02040503050406030204" pitchFamily="18" charset="0"/>
-                              </a:rPr>
-                            </m:ctrlPr>
-                          </m:fPr>
-                          <m:num>
-                            <m:r>
-                              <a:rPr lang="en-GB" sz="1800" b="0" i="1" smtClean="0">
-                                <a:latin typeface="Cambria Math" panose="02040503050406030204" pitchFamily="18" charset="0"/>
-                              </a:rPr>
-                              <m:t>𝜔</m:t>
-                            </m:r>
-                          </m:num>
-                          <m:den>
-                            <m:r>
-                              <a:rPr lang="en-GB" sz="1800" b="0" i="1" smtClean="0">
-                                <a:latin typeface="Cambria Math" panose="02040503050406030204" pitchFamily="18" charset="0"/>
-                              </a:rPr>
-                              <m:t>𝑣</m:t>
-                            </m:r>
-                          </m:den>
-                        </m:f>
-                      </m:e>
-                    </m:d>
-                    <m:r>
-                      <a:rPr lang="en-GB" sz="1800" b="0" i="1" smtClean="0">
-                        <a:latin typeface="Cambria Math" panose="02040503050406030204" pitchFamily="18" charset="0"/>
-                      </a:rPr>
-                      <m:t>−</m:t>
-                    </m:r>
-                    <m:f>
-                      <m:fPr>
-                        <m:ctrlPr>
-                          <a:rPr lang="en-GB" sz="1800" b="0" i="1" smtClean="0">
-                            <a:latin typeface="Cambria Math" panose="02040503050406030204" pitchFamily="18" charset="0"/>
-                          </a:rPr>
-                        </m:ctrlPr>
-                      </m:fPr>
-                      <m:num>
-                        <m:r>
-                          <a:rPr lang="en-GB" sz="1800" b="0" i="1" smtClean="0">
-                            <a:latin typeface="Cambria Math" panose="02040503050406030204" pitchFamily="18" charset="0"/>
-                          </a:rPr>
-                          <m:t>1</m:t>
-                        </m:r>
-                      </m:num>
-                      <m:den>
-                        <m:r>
-                          <a:rPr lang="en-GB" sz="1800" b="0" i="1" smtClean="0">
-                            <a:latin typeface="Cambria Math" panose="02040503050406030204" pitchFamily="18" charset="0"/>
-                          </a:rPr>
-                          <m:t>2</m:t>
-                        </m:r>
-                      </m:den>
-                    </m:f>
-                    <m:r>
-                      <a:rPr lang="en-GB" sz="1800" b="0" i="1" smtClean="0">
-                        <a:latin typeface="Cambria Math" panose="02040503050406030204" pitchFamily="18" charset="0"/>
-                      </a:rPr>
-                      <m:t>𝛼</m:t>
-                    </m:r>
-                    <m:r>
-                      <a:rPr lang="en-GB" sz="1800" b="0" i="1" smtClean="0">
-                        <a:latin typeface="Cambria Math" panose="02040503050406030204" pitchFamily="18" charset="0"/>
-                      </a:rPr>
-                      <m:t>(</m:t>
-                    </m:r>
-                    <m:r>
-                      <a:rPr lang="en-GB" sz="1800" b="0" i="1" smtClean="0">
-                        <a:latin typeface="Cambria Math" panose="02040503050406030204" pitchFamily="18" charset="0"/>
-                      </a:rPr>
-                      <m:t>𝜔</m:t>
-                    </m:r>
-                    <m:r>
-                      <a:rPr lang="en-GB" sz="1800" b="0" i="1" smtClean="0">
-                        <a:latin typeface="Cambria Math" panose="02040503050406030204" pitchFamily="18" charset="0"/>
-                      </a:rPr>
-                      <m:t>,</m:t>
-                    </m:r>
-                    <m:r>
-                      <a:rPr lang="en-GB" sz="1800" b="0" i="1" smtClean="0">
-                        <a:latin typeface="Cambria Math" panose="02040503050406030204" pitchFamily="18" charset="0"/>
-                      </a:rPr>
-                      <m:t>𝑧</m:t>
-                    </m:r>
-                    <m:r>
-                      <a:rPr lang="en-GB" sz="1800" b="0" i="1" smtClean="0">
-                        <a:latin typeface="Cambria Math" panose="02040503050406030204" pitchFamily="18" charset="0"/>
-                      </a:rPr>
-                      <m:t>)</m:t>
-                    </m:r>
-                  </m:oMath>
-                </a14:m>
-                <a:r>
-                  <a:rPr lang="en-GB" sz="1800" dirty="0">
-                    <a:latin typeface="+mn-lt"/>
-                  </a:rPr>
-                  <a:t> is a linear operator describing dispersion and absorption </a:t>
-                </a:r>
-              </a:p>
-              <a:p>
-                <a:pPr marL="1200150" lvl="2" indent="-285750">
-                  <a:buFont typeface="Arial" panose="020B0604020202020204" pitchFamily="34" charset="0"/>
-                  <a:buChar char="•"/>
-                </a:pPr>
-                <a14:m>
-                  <m:oMath xmlns:m="http://schemas.openxmlformats.org/officeDocument/2006/math">
-                    <m:r>
-                      <a:rPr lang="en-GB" sz="1800" b="0" i="1" smtClean="0">
-                        <a:latin typeface="Cambria Math" panose="02040503050406030204" pitchFamily="18" charset="0"/>
-                      </a:rPr>
-                      <m:t>𝑁</m:t>
-                    </m:r>
-                  </m:oMath>
-                </a14:m>
-                <a:r>
-                  <a:rPr lang="en-GB" sz="1800" dirty="0">
-                    <a:latin typeface="+mn-lt"/>
-                  </a:rPr>
-                  <a:t> is a normalisation factor</a:t>
-                </a:r>
-              </a:p>
-              <a:p>
-                <a:pPr marL="1200150" lvl="2" indent="-285750">
-                  <a:buFont typeface="Arial" panose="020B0604020202020204" pitchFamily="34" charset="0"/>
-                  <a:buChar char="•"/>
-                </a:pPr>
-                <a14:m>
-                  <m:oMath xmlns:m="http://schemas.openxmlformats.org/officeDocument/2006/math">
-                    <m:sSup>
-                      <m:sSupPr>
-                        <m:ctrlPr>
-                          <a:rPr lang="en-GB" sz="1800" b="1" i="1" smtClean="0">
-                            <a:latin typeface="Cambria Math" panose="02040503050406030204" pitchFamily="18" charset="0"/>
-                          </a:rPr>
-                        </m:ctrlPr>
-                      </m:sSupPr>
-                      <m:e>
-                        <m:r>
-                          <a:rPr lang="en-GB" sz="1800" b="1" i="1" smtClean="0">
-                            <a:latin typeface="Cambria Math" panose="02040503050406030204" pitchFamily="18" charset="0"/>
-                          </a:rPr>
-                          <m:t>𝑷</m:t>
-                        </m:r>
-                      </m:e>
-                      <m:sup>
-                        <m:r>
-                          <a:rPr lang="en-GB" sz="1800" b="0" i="1" smtClean="0">
-                            <a:latin typeface="Cambria Math" panose="02040503050406030204" pitchFamily="18" charset="0"/>
-                          </a:rPr>
-                          <m:t>𝑁𝐿</m:t>
-                        </m:r>
-                      </m:sup>
-                    </m:sSup>
-                    <m:d>
-                      <m:dPr>
-                        <m:ctrlPr>
-                          <a:rPr lang="en-GB" sz="1800" i="1">
-                            <a:latin typeface="Cambria Math" panose="02040503050406030204" pitchFamily="18" charset="0"/>
-                          </a:rPr>
-                        </m:ctrlPr>
-                      </m:dPr>
-                      <m:e>
-                        <m:r>
-                          <m:rPr>
-                            <m:sty m:val="p"/>
-                          </m:rPr>
-                          <a:rPr lang="en-GB" sz="1800" i="1">
-                            <a:latin typeface="Cambria Math" panose="02040503050406030204" pitchFamily="18" charset="0"/>
-                          </a:rPr>
-                          <m:t>ω</m:t>
-                        </m:r>
-                        <m:r>
-                          <a:rPr lang="en-GB" sz="1800" i="1">
-                            <a:latin typeface="Cambria Math" panose="02040503050406030204" pitchFamily="18" charset="0"/>
-                          </a:rPr>
-                          <m:t>, </m:t>
-                        </m:r>
-                        <m:sSub>
-                          <m:sSubPr>
-                            <m:ctrlPr>
-                              <a:rPr lang="en-GB" sz="1800" b="1" i="1">
-                                <a:latin typeface="Cambria Math" panose="02040503050406030204" pitchFamily="18" charset="0"/>
-                              </a:rPr>
-                            </m:ctrlPr>
-                          </m:sSubPr>
-                          <m:e>
-                            <m:r>
-                              <a:rPr lang="en-GB" sz="1800" b="1" i="1" smtClean="0">
-                                <a:latin typeface="Cambria Math" panose="02040503050406030204" pitchFamily="18" charset="0"/>
-                              </a:rPr>
-                              <m:t>𝒌</m:t>
-                            </m:r>
-                          </m:e>
-                          <m:sub>
-                            <m:r>
-                              <a:rPr lang="en-GB" sz="1800" b="1" i="1">
-                                <a:latin typeface="Cambria Math" panose="02040503050406030204" pitchFamily="18" charset="0"/>
-                              </a:rPr>
-                              <m:t>⊥</m:t>
-                            </m:r>
-                          </m:sub>
-                        </m:sSub>
-                        <m:r>
-                          <a:rPr lang="en-GB" sz="1800" i="1">
-                            <a:latin typeface="Cambria Math" panose="02040503050406030204" pitchFamily="18" charset="0"/>
-                          </a:rPr>
-                          <m:t>,</m:t>
-                        </m:r>
-                        <m:r>
-                          <a:rPr lang="en-GB" sz="1800" i="1">
-                            <a:latin typeface="Cambria Math" panose="02040503050406030204" pitchFamily="18" charset="0"/>
-                          </a:rPr>
-                          <m:t>𝑧</m:t>
-                        </m:r>
-                      </m:e>
-                    </m:d>
-                  </m:oMath>
-                </a14:m>
-                <a:r>
-                  <a:rPr lang="en-GB" sz="1800" dirty="0">
-                    <a:latin typeface="+mn-lt"/>
-                  </a:rPr>
-                  <a:t> is the reciprocal-space nonlinear polarisation response in the frequency domain</a:t>
-                </a:r>
-              </a:p>
-              <a:p>
-                <a:pPr lvl="2"/>
-                <a:r>
-                  <a:rPr lang="en-GB" sz="1800" dirty="0">
-                    <a:latin typeface="+mn-lt"/>
-                  </a:rPr>
-                  <a:t>  </a:t>
+                  <a:rPr lang="en-GB" sz="2400" dirty="0"/>
+                  <a:t> slowly-varying envelope approximation [2]</a:t>
                 </a:r>
               </a:p>
               <a:p>
@@ -7177,738 +6049,16 @@
                   <a:buChar char="•"/>
                 </a:pPr>
                 <a:r>
-                  <a:rPr lang="en-GB" sz="2400" dirty="0">
-                    <a:latin typeface="+mn-lt"/>
-                  </a:rPr>
-                  <a:t>A Hankel transform is used to transform into reciprocal space, assuming radial symmetry 	</a:t>
+                  <a:rPr lang="en-GB" sz="2400" dirty="0"/>
+                  <a:t>The nonlinear polarisation response in </a:t>
                 </a:r>
-              </a:p>
-              <a:p>
-                <a:endParaRPr lang="en-GB" dirty="0"/>
-              </a:p>
-            </p:txBody>
-          </p:sp>
-        </mc:Choice>
-        <mc:Fallback>
-          <p:sp>
-            <p:nvSpPr>
-              <p:cNvPr id="9" name="TextBox 8">
-                <a:extLst>
-                  <a:ext uri="{FF2B5EF4-FFF2-40B4-BE49-F238E27FC236}">
-                    <a16:creationId xmlns:a16="http://schemas.microsoft.com/office/drawing/2014/main" id="{8FE04B4F-A9C6-AE2D-1B1A-20A9CB73E7D8}"/>
-                  </a:ext>
-                </a:extLst>
-              </p:cNvPr>
-              <p:cNvSpPr txBox="1">
-                <a:spLocks noRot="1" noChangeAspect="1" noMove="1" noResize="1" noEditPoints="1" noAdjustHandles="1" noChangeArrowheads="1" noChangeShapeType="1" noTextEdit="1"/>
-              </p:cNvSpPr>
-              <p:nvPr/>
-            </p:nvSpPr>
-            <p:spPr>
-              <a:xfrm>
-                <a:off x="455645" y="1423342"/>
-                <a:ext cx="10917206" cy="5400517"/>
-              </a:xfrm>
-              <a:prstGeom prst="rect">
-                <a:avLst/>
-              </a:prstGeom>
-              <a:blipFill>
-                <a:blip r:embed="rId3"/>
-                <a:stretch>
-                  <a:fillRect l="-782" t="-903" r="-893"/>
-                </a:stretch>
-              </a:blipFill>
-            </p:spPr>
-            <p:txBody>
-              <a:bodyPr/>
-              <a:lstStyle/>
-              <a:p>
                 <a:r>
-                  <a:rPr lang="en-GB">
-                    <a:noFill/>
-                  </a:rPr>
-                  <a:t> </a:t>
+                  <a:rPr lang="en-GB" sz="2400" i="1" dirty="0"/>
+                  <a:t>Luna</a:t>
                 </a:r>
-              </a:p>
-            </p:txBody>
-          </p:sp>
-        </mc:Fallback>
-      </mc:AlternateContent>
-      <mc:AlternateContent xmlns:mc="http://schemas.openxmlformats.org/markup-compatibility/2006" xmlns:a14="http://schemas.microsoft.com/office/drawing/2010/main">
-        <mc:Choice Requires="a14">
-          <p:sp>
-            <p:nvSpPr>
-              <p:cNvPr id="10" name="TextBox 9">
-                <a:extLst>
-                  <a:ext uri="{FF2B5EF4-FFF2-40B4-BE49-F238E27FC236}">
-                    <a16:creationId xmlns:a16="http://schemas.microsoft.com/office/drawing/2014/main" id="{C3DCD916-F28F-E43E-C2CA-80F9DC907E75}"/>
-                  </a:ext>
-                </a:extLst>
-              </p:cNvPr>
-              <p:cNvSpPr txBox="1"/>
-              <p:nvPr/>
-            </p:nvSpPr>
-            <p:spPr>
-              <a:xfrm>
-                <a:off x="2298095" y="2884728"/>
-                <a:ext cx="7232306" cy="702244"/>
-              </a:xfrm>
-              <a:prstGeom prst="rect">
-                <a:avLst/>
-              </a:prstGeom>
-              <a:noFill/>
-            </p:spPr>
-            <p:txBody>
-              <a:bodyPr wrap="square" lIns="0" tIns="0" rIns="0" bIns="0" rtlCol="0">
-                <a:spAutoFit/>
-              </a:bodyPr>
-              <a:lstStyle/>
-              <a:p>
-                <a:pPr/>
-                <a14:m>
-                  <m:oMathPara xmlns:m="http://schemas.openxmlformats.org/officeDocument/2006/math">
-                    <m:oMathParaPr>
-                      <m:jc m:val="centerGroup"/>
-                    </m:oMathParaPr>
-                    <m:oMath xmlns:m="http://schemas.openxmlformats.org/officeDocument/2006/math">
-                      <m:r>
-                        <a:rPr lang="en-GB" sz="2400" b="0" i="1" smtClean="0">
-                          <a:latin typeface="Cambria Math" panose="02040503050406030204" pitchFamily="18" charset="0"/>
-                        </a:rPr>
-                        <m:t> </m:t>
-                      </m:r>
-                      <m:f>
-                        <m:fPr>
-                          <m:ctrlPr>
-                            <a:rPr lang="en-GB" sz="2400" b="0" i="1" smtClean="0">
-                              <a:latin typeface="Cambria Math" panose="02040503050406030204" pitchFamily="18" charset="0"/>
-                            </a:rPr>
-                          </m:ctrlPr>
-                        </m:fPr>
-                        <m:num>
-                          <m:r>
-                            <a:rPr lang="en-GB" sz="2400" b="0" i="1" smtClean="0">
-                              <a:latin typeface="Cambria Math" panose="02040503050406030204" pitchFamily="18" charset="0"/>
-                            </a:rPr>
-                            <m:t>𝜕</m:t>
-                          </m:r>
-                        </m:num>
-                        <m:den>
-                          <m:r>
-                            <a:rPr lang="en-GB" sz="2400" b="0" i="1" smtClean="0">
-                              <a:latin typeface="Cambria Math" panose="02040503050406030204" pitchFamily="18" charset="0"/>
-                            </a:rPr>
-                            <m:t>𝜕</m:t>
-                          </m:r>
-                          <m:r>
-                            <a:rPr lang="en-GB" sz="2400" b="0" i="1" smtClean="0">
-                              <a:latin typeface="Cambria Math" panose="02040503050406030204" pitchFamily="18" charset="0"/>
-                            </a:rPr>
-                            <m:t>𝑧</m:t>
-                          </m:r>
-                        </m:den>
-                      </m:f>
-                      <m:r>
-                        <a:rPr lang="en-GB" sz="2400" b="1" i="1" smtClean="0">
-                          <a:latin typeface="Cambria Math" panose="02040503050406030204" pitchFamily="18" charset="0"/>
-                        </a:rPr>
-                        <m:t>𝑬</m:t>
-                      </m:r>
-                      <m:d>
-                        <m:dPr>
-                          <m:ctrlPr>
-                            <a:rPr lang="en-GB" sz="2400" b="0" i="1" smtClean="0">
-                              <a:latin typeface="Cambria Math" panose="02040503050406030204" pitchFamily="18" charset="0"/>
-                            </a:rPr>
-                          </m:ctrlPr>
-                        </m:dPr>
-                        <m:e>
-                          <m:r>
-                            <m:rPr>
-                              <m:sty m:val="p"/>
-                            </m:rPr>
-                            <a:rPr lang="en-GB" sz="2400" b="0" i="1" smtClean="0">
-                              <a:latin typeface="Cambria Math" panose="02040503050406030204" pitchFamily="18" charset="0"/>
-                            </a:rPr>
-                            <m:t>ω</m:t>
-                          </m:r>
-                          <m:r>
-                            <a:rPr lang="en-GB" sz="2400" b="0" i="1" smtClean="0">
-                              <a:latin typeface="Cambria Math" panose="02040503050406030204" pitchFamily="18" charset="0"/>
-                            </a:rPr>
-                            <m:t>, </m:t>
-                          </m:r>
-                          <m:sSub>
-                            <m:sSubPr>
-                              <m:ctrlPr>
-                                <a:rPr lang="en-GB" sz="2400" b="1" i="1" smtClean="0">
-                                  <a:latin typeface="Cambria Math" panose="02040503050406030204" pitchFamily="18" charset="0"/>
-                                </a:rPr>
-                              </m:ctrlPr>
-                            </m:sSubPr>
-                            <m:e>
-                              <m:r>
-                                <a:rPr lang="en-GB" sz="2400" b="1" i="1" smtClean="0">
-                                  <a:latin typeface="Cambria Math" panose="02040503050406030204" pitchFamily="18" charset="0"/>
-                                </a:rPr>
-                                <m:t>𝒌</m:t>
-                              </m:r>
-                            </m:e>
-                            <m:sub>
-                              <m:r>
-                                <a:rPr lang="en-GB" sz="2400" b="1" i="1" smtClean="0">
-                                  <a:latin typeface="Cambria Math" panose="02040503050406030204" pitchFamily="18" charset="0"/>
-                                </a:rPr>
-                                <m:t>⊥</m:t>
-                              </m:r>
-                            </m:sub>
-                          </m:sSub>
-                          <m:r>
-                            <a:rPr lang="en-GB" sz="2400" b="0" i="1" smtClean="0">
-                              <a:latin typeface="Cambria Math" panose="02040503050406030204" pitchFamily="18" charset="0"/>
-                            </a:rPr>
-                            <m:t>,</m:t>
-                          </m:r>
-                          <m:r>
-                            <a:rPr lang="en-GB" sz="2400" b="0" i="1" smtClean="0">
-                              <a:latin typeface="Cambria Math" panose="02040503050406030204" pitchFamily="18" charset="0"/>
-                            </a:rPr>
-                            <m:t>𝑧</m:t>
-                          </m:r>
-                        </m:e>
-                      </m:d>
-                      <m:r>
-                        <a:rPr lang="en-GB" sz="2400" b="0" i="1" smtClean="0">
-                          <a:latin typeface="Cambria Math" panose="02040503050406030204" pitchFamily="18" charset="0"/>
-                        </a:rPr>
-                        <m:t>=</m:t>
-                      </m:r>
-                      <m:acc>
-                        <m:accPr>
-                          <m:chr m:val="̂"/>
-                          <m:ctrlPr>
-                            <a:rPr lang="en-GB" sz="2400" b="0" i="1" smtClean="0">
-                              <a:latin typeface="Cambria Math" panose="02040503050406030204" pitchFamily="18" charset="0"/>
-                            </a:rPr>
-                          </m:ctrlPr>
-                        </m:accPr>
-                        <m:e>
-                          <m:r>
-                            <a:rPr lang="en-GB" sz="2400" b="0" i="1" smtClean="0">
-                              <a:latin typeface="Cambria Math" panose="02040503050406030204" pitchFamily="18" charset="0"/>
-                            </a:rPr>
-                            <m:t>𝐿</m:t>
-                          </m:r>
-                        </m:e>
-                      </m:acc>
-                      <m:d>
-                        <m:dPr>
-                          <m:ctrlPr>
-                            <a:rPr lang="en-GB" sz="2400" b="0" i="1" smtClean="0">
-                              <a:latin typeface="Cambria Math" panose="02040503050406030204" pitchFamily="18" charset="0"/>
-                            </a:rPr>
-                          </m:ctrlPr>
-                        </m:dPr>
-                        <m:e>
-                          <m:r>
-                            <a:rPr lang="en-GB" sz="2400" b="0" i="1" smtClean="0">
-                              <a:latin typeface="Cambria Math" panose="02040503050406030204" pitchFamily="18" charset="0"/>
-                            </a:rPr>
-                            <m:t>𝜔</m:t>
-                          </m:r>
-                          <m:r>
-                            <a:rPr lang="en-GB" sz="2400" b="0" i="1" smtClean="0">
-                              <a:latin typeface="Cambria Math" panose="02040503050406030204" pitchFamily="18" charset="0"/>
-                            </a:rPr>
-                            <m:t>,</m:t>
-                          </m:r>
-                          <m:r>
-                            <a:rPr lang="en-GB" sz="2400" b="0" i="1" smtClean="0">
-                              <a:latin typeface="Cambria Math" panose="02040503050406030204" pitchFamily="18" charset="0"/>
-                            </a:rPr>
-                            <m:t>𝑧</m:t>
-                          </m:r>
-                        </m:e>
-                      </m:d>
-                      <m:r>
-                        <a:rPr lang="en-GB" sz="2400" b="1" i="1">
-                          <a:latin typeface="Cambria Math" panose="02040503050406030204" pitchFamily="18" charset="0"/>
-                        </a:rPr>
-                        <m:t>𝑬</m:t>
-                      </m:r>
-                      <m:d>
-                        <m:dPr>
-                          <m:ctrlPr>
-                            <a:rPr lang="en-GB" sz="2400" i="1">
-                              <a:latin typeface="Cambria Math" panose="02040503050406030204" pitchFamily="18" charset="0"/>
-                            </a:rPr>
-                          </m:ctrlPr>
-                        </m:dPr>
-                        <m:e>
-                          <m:r>
-                            <m:rPr>
-                              <m:sty m:val="p"/>
-                            </m:rPr>
-                            <a:rPr lang="en-GB" sz="2400" i="1">
-                              <a:latin typeface="Cambria Math" panose="02040503050406030204" pitchFamily="18" charset="0"/>
-                            </a:rPr>
-                            <m:t>ω</m:t>
-                          </m:r>
-                          <m:r>
-                            <a:rPr lang="en-GB" sz="2400" i="1">
-                              <a:latin typeface="Cambria Math" panose="02040503050406030204" pitchFamily="18" charset="0"/>
-                            </a:rPr>
-                            <m:t>, </m:t>
-                          </m:r>
-                          <m:sSub>
-                            <m:sSubPr>
-                              <m:ctrlPr>
-                                <a:rPr lang="en-GB" sz="2400" b="1" i="1">
-                                  <a:latin typeface="Cambria Math" panose="02040503050406030204" pitchFamily="18" charset="0"/>
-                                </a:rPr>
-                              </m:ctrlPr>
-                            </m:sSubPr>
-                            <m:e>
-                              <m:r>
-                                <a:rPr lang="en-GB" sz="2400" b="1" i="1" smtClean="0">
-                                  <a:latin typeface="Cambria Math" panose="02040503050406030204" pitchFamily="18" charset="0"/>
-                                </a:rPr>
-                                <m:t>𝒌</m:t>
-                              </m:r>
-                            </m:e>
-                            <m:sub>
-                              <m:r>
-                                <a:rPr lang="en-GB" sz="2400" b="1" i="1">
-                                  <a:latin typeface="Cambria Math" panose="02040503050406030204" pitchFamily="18" charset="0"/>
-                                </a:rPr>
-                                <m:t>⊥</m:t>
-                              </m:r>
-                            </m:sub>
-                          </m:sSub>
-                          <m:r>
-                            <a:rPr lang="en-GB" sz="2400" i="1">
-                              <a:latin typeface="Cambria Math" panose="02040503050406030204" pitchFamily="18" charset="0"/>
-                            </a:rPr>
-                            <m:t>,</m:t>
-                          </m:r>
-                          <m:r>
-                            <a:rPr lang="en-GB" sz="2400" i="1">
-                              <a:latin typeface="Cambria Math" panose="02040503050406030204" pitchFamily="18" charset="0"/>
-                            </a:rPr>
-                            <m:t>𝑧</m:t>
-                          </m:r>
-                        </m:e>
-                      </m:d>
-                      <m:r>
-                        <a:rPr lang="en-GB" sz="2400" b="0" i="1" smtClean="0">
-                          <a:latin typeface="Cambria Math" panose="02040503050406030204" pitchFamily="18" charset="0"/>
-                        </a:rPr>
-                        <m:t>+</m:t>
-                      </m:r>
-                      <m:f>
-                        <m:fPr>
-                          <m:ctrlPr>
-                            <a:rPr lang="en-GB" sz="2400" b="0" i="1" smtClean="0">
-                              <a:latin typeface="Cambria Math" panose="02040503050406030204" pitchFamily="18" charset="0"/>
-                            </a:rPr>
-                          </m:ctrlPr>
-                        </m:fPr>
-                        <m:num>
-                          <m:r>
-                            <a:rPr lang="en-GB" sz="2400" b="0" i="1" smtClean="0">
-                              <a:latin typeface="Cambria Math" panose="02040503050406030204" pitchFamily="18" charset="0"/>
-                            </a:rPr>
-                            <m:t>𝑖</m:t>
-                          </m:r>
-                          <m:r>
-                            <a:rPr lang="en-GB" sz="2400" b="0" i="1" smtClean="0">
-                              <a:latin typeface="Cambria Math" panose="02040503050406030204" pitchFamily="18" charset="0"/>
-                            </a:rPr>
-                            <m:t> </m:t>
-                          </m:r>
-                          <m:r>
-                            <a:rPr lang="en-GB" sz="2400" b="0" i="1" smtClean="0">
-                              <a:latin typeface="Cambria Math" panose="02040503050406030204" pitchFamily="18" charset="0"/>
-                            </a:rPr>
-                            <m:t>𝜔</m:t>
-                          </m:r>
-                        </m:num>
-                        <m:den>
-                          <m:r>
-                            <a:rPr lang="en-GB" sz="2400" b="0" i="1" smtClean="0">
-                              <a:latin typeface="Cambria Math" panose="02040503050406030204" pitchFamily="18" charset="0"/>
-                            </a:rPr>
-                            <m:t>𝑁</m:t>
-                          </m:r>
-                        </m:den>
-                      </m:f>
-                      <m:sSup>
-                        <m:sSupPr>
-                          <m:ctrlPr>
-                            <a:rPr lang="en-GB" sz="2400" b="1" i="1" smtClean="0">
-                              <a:latin typeface="Cambria Math" panose="02040503050406030204" pitchFamily="18" charset="0"/>
-                            </a:rPr>
-                          </m:ctrlPr>
-                        </m:sSupPr>
-                        <m:e>
-                          <m:r>
-                            <a:rPr lang="en-GB" sz="2400" b="1" i="1" smtClean="0">
-                              <a:latin typeface="Cambria Math" panose="02040503050406030204" pitchFamily="18" charset="0"/>
-                            </a:rPr>
-                            <m:t>𝑷</m:t>
-                          </m:r>
-                        </m:e>
-                        <m:sup>
-                          <m:r>
-                            <a:rPr lang="en-GB" sz="2400" b="0" i="1" smtClean="0">
-                              <a:latin typeface="Cambria Math" panose="02040503050406030204" pitchFamily="18" charset="0"/>
-                            </a:rPr>
-                            <m:t>𝑁𝐿</m:t>
-                          </m:r>
-                        </m:sup>
-                      </m:sSup>
-                      <m:d>
-                        <m:dPr>
-                          <m:ctrlPr>
-                            <a:rPr lang="en-GB" sz="2400" i="1">
-                              <a:latin typeface="Cambria Math" panose="02040503050406030204" pitchFamily="18" charset="0"/>
-                            </a:rPr>
-                          </m:ctrlPr>
-                        </m:dPr>
-                        <m:e>
-                          <m:r>
-                            <m:rPr>
-                              <m:sty m:val="p"/>
-                            </m:rPr>
-                            <a:rPr lang="en-GB" sz="2400" i="1">
-                              <a:latin typeface="Cambria Math" panose="02040503050406030204" pitchFamily="18" charset="0"/>
-                            </a:rPr>
-                            <m:t>ω</m:t>
-                          </m:r>
-                          <m:r>
-                            <a:rPr lang="en-GB" sz="2400" i="1">
-                              <a:latin typeface="Cambria Math" panose="02040503050406030204" pitchFamily="18" charset="0"/>
-                            </a:rPr>
-                            <m:t>, </m:t>
-                          </m:r>
-                          <m:sSub>
-                            <m:sSubPr>
-                              <m:ctrlPr>
-                                <a:rPr lang="en-GB" sz="2400" b="1" i="1">
-                                  <a:latin typeface="Cambria Math" panose="02040503050406030204" pitchFamily="18" charset="0"/>
-                                </a:rPr>
-                              </m:ctrlPr>
-                            </m:sSubPr>
-                            <m:e>
-                              <m:r>
-                                <a:rPr lang="en-GB" sz="2400" b="1" i="1" smtClean="0">
-                                  <a:latin typeface="Cambria Math" panose="02040503050406030204" pitchFamily="18" charset="0"/>
-                                </a:rPr>
-                                <m:t>𝒌</m:t>
-                              </m:r>
-                            </m:e>
-                            <m:sub>
-                              <m:r>
-                                <a:rPr lang="en-GB" sz="2400" b="1" i="1">
-                                  <a:latin typeface="Cambria Math" panose="02040503050406030204" pitchFamily="18" charset="0"/>
-                                </a:rPr>
-                                <m:t>⊥</m:t>
-                              </m:r>
-                            </m:sub>
-                          </m:sSub>
-                          <m:r>
-                            <a:rPr lang="en-GB" sz="2400" i="1">
-                              <a:latin typeface="Cambria Math" panose="02040503050406030204" pitchFamily="18" charset="0"/>
-                            </a:rPr>
-                            <m:t>,</m:t>
-                          </m:r>
-                          <m:r>
-                            <a:rPr lang="en-GB" sz="2400" i="1">
-                              <a:latin typeface="Cambria Math" panose="02040503050406030204" pitchFamily="18" charset="0"/>
-                            </a:rPr>
-                            <m:t>𝑧</m:t>
-                          </m:r>
-                        </m:e>
-                      </m:d>
-                    </m:oMath>
-                  </m:oMathPara>
-                </a14:m>
-                <a:endParaRPr lang="en-GB" dirty="0"/>
-              </a:p>
-            </p:txBody>
-          </p:sp>
-        </mc:Choice>
-        <mc:Fallback xmlns="">
-          <p:sp>
-            <p:nvSpPr>
-              <p:cNvPr id="10" name="TextBox 9">
-                <a:extLst>
-                  <a:ext uri="{FF2B5EF4-FFF2-40B4-BE49-F238E27FC236}">
-                    <a16:creationId xmlns:a16="http://schemas.microsoft.com/office/drawing/2014/main" id="{C3DCD916-F28F-E43E-C2CA-80F9DC907E75}"/>
-                  </a:ext>
-                </a:extLst>
-              </p:cNvPr>
-              <p:cNvSpPr txBox="1">
-                <a:spLocks noRot="1" noChangeAspect="1" noMove="1" noResize="1" noEditPoints="1" noAdjustHandles="1" noChangeArrowheads="1" noChangeShapeType="1" noTextEdit="1"/>
-              </p:cNvSpPr>
-              <p:nvPr/>
-            </p:nvSpPr>
-            <p:spPr>
-              <a:xfrm>
-                <a:off x="2298095" y="2884728"/>
-                <a:ext cx="7232306" cy="702244"/>
-              </a:xfrm>
-              <a:prstGeom prst="rect">
-                <a:avLst/>
-              </a:prstGeom>
-              <a:blipFill>
-                <a:blip r:embed="rId4"/>
-                <a:stretch>
-                  <a:fillRect/>
-                </a:stretch>
-              </a:blipFill>
-            </p:spPr>
-            <p:txBody>
-              <a:bodyPr/>
-              <a:lstStyle/>
-              <a:p>
-                <a:r>
-                  <a:rPr lang="en-GB">
-                    <a:noFill/>
-                  </a:rPr>
-                  <a:t> </a:t>
-                </a:r>
-              </a:p>
-            </p:txBody>
-          </p:sp>
-        </mc:Fallback>
-      </mc:AlternateContent>
-      <p:sp>
-        <p:nvSpPr>
-          <p:cNvPr id="11" name="TextBox 10">
-            <a:extLst>
-              <a:ext uri="{FF2B5EF4-FFF2-40B4-BE49-F238E27FC236}">
-                <a16:creationId xmlns:a16="http://schemas.microsoft.com/office/drawing/2014/main" id="{1DBF16C8-3B14-AE0B-75EF-F34E067FD910}"/>
-              </a:ext>
-            </a:extLst>
-          </p:cNvPr>
-          <p:cNvSpPr txBox="1"/>
-          <p:nvPr/>
-        </p:nvSpPr>
-        <p:spPr>
-          <a:xfrm>
-            <a:off x="9986929" y="3005017"/>
-            <a:ext cx="526106" cy="461665"/>
-          </a:xfrm>
-          <a:prstGeom prst="rect">
-            <a:avLst/>
-          </a:prstGeom>
-          <a:noFill/>
-        </p:spPr>
-        <p:txBody>
-          <a:bodyPr wrap="none" rtlCol="0">
-            <a:spAutoFit/>
-          </a:bodyPr>
-          <a:lstStyle/>
-          <a:p>
-            <a:r>
-              <a:rPr lang="en-GB" sz="2400" dirty="0">
-                <a:solidFill>
-                  <a:schemeClr val="tx2"/>
-                </a:solidFill>
-              </a:rPr>
-              <a:t>(1)</a:t>
-            </a:r>
-          </a:p>
-        </p:txBody>
-      </p:sp>
-    </p:spTree>
-    <p:extLst>
-      <p:ext uri="{BB962C8B-B14F-4D97-AF65-F5344CB8AC3E}">
-        <p14:creationId xmlns:p14="http://schemas.microsoft.com/office/powerpoint/2010/main" val="2656107107"/>
-      </p:ext>
-    </p:extLst>
-  </p:cSld>
-  <p:clrMapOvr>
-    <a:masterClrMapping/>
-  </p:clrMapOvr>
-</p:sld>
-</file>
-
-<file path=ppt/slides/slide5.xml><?xml version="1.0" encoding="utf-8"?>
-<p:sld xmlns:a="http://schemas.openxmlformats.org/drawingml/2006/main" xmlns:r="http://schemas.openxmlformats.org/officeDocument/2006/relationships" xmlns:p="http://schemas.openxmlformats.org/presentationml/2006/main">
-  <p:cSld>
-    <p:spTree>
-      <p:nvGrpSpPr>
-        <p:cNvPr id="1" name=""/>
-        <p:cNvGrpSpPr/>
-        <p:nvPr/>
-      </p:nvGrpSpPr>
-      <p:grpSpPr>
-        <a:xfrm>
-          <a:off x="0" y="0"/>
-          <a:ext cx="0" cy="0"/>
-          <a:chOff x="0" y="0"/>
-          <a:chExt cx="0" cy="0"/>
-        </a:xfrm>
-      </p:grpSpPr>
-      <p:pic>
-        <p:nvPicPr>
-          <p:cNvPr id="5" name="Content Placeholder 4" descr="A white rectangular frame with blue lines&#10;&#10;Description automatically generated">
-            <a:extLst>
-              <a:ext uri="{FF2B5EF4-FFF2-40B4-BE49-F238E27FC236}">
-                <a16:creationId xmlns:a16="http://schemas.microsoft.com/office/drawing/2014/main" id="{0EBBF7B7-3E9E-6564-002B-A6E433DF2A7E}"/>
-              </a:ext>
-            </a:extLst>
-          </p:cNvPr>
-          <p:cNvPicPr>
-            <a:picLocks noGrp="1" noChangeAspect="1"/>
-          </p:cNvPicPr>
-          <p:nvPr>
-            <p:ph idx="1"/>
-          </p:nvPr>
-        </p:nvPicPr>
-        <p:blipFill>
-          <a:blip r:embed="rId2">
-            <a:extLst>
-              <a:ext uri="{28A0092B-C50C-407E-A947-70E740481C1C}">
-                <a14:useLocalDpi xmlns:a14="http://schemas.microsoft.com/office/drawing/2010/main" val="0"/>
-              </a:ext>
-            </a:extLst>
-          </a:blip>
-          <a:stretch>
-            <a:fillRect/>
-          </a:stretch>
-        </p:blipFill>
-        <p:spPr>
-          <a:xfrm>
-            <a:off x="-130629" y="-44827"/>
-            <a:ext cx="12322629" cy="6947654"/>
-          </a:xfrm>
-        </p:spPr>
-      </p:pic>
-      <p:sp>
-        <p:nvSpPr>
-          <p:cNvPr id="2" name="Title 1">
-            <a:extLst>
-              <a:ext uri="{FF2B5EF4-FFF2-40B4-BE49-F238E27FC236}">
-                <a16:creationId xmlns:a16="http://schemas.microsoft.com/office/drawing/2014/main" id="{23799F4C-4E3C-8AB9-7B07-AA21124CEABE}"/>
-              </a:ext>
-            </a:extLst>
-          </p:cNvPr>
-          <p:cNvSpPr>
-            <a:spLocks noGrp="1"/>
-          </p:cNvSpPr>
-          <p:nvPr>
-            <p:ph type="title"/>
-          </p:nvPr>
-        </p:nvSpPr>
-        <p:spPr>
-          <a:xfrm>
-            <a:off x="455644" y="141192"/>
-            <a:ext cx="10515600" cy="577266"/>
-          </a:xfrm>
-        </p:spPr>
-        <p:txBody>
-          <a:bodyPr>
-            <a:normAutofit fontScale="90000"/>
-          </a:bodyPr>
-          <a:lstStyle/>
-          <a:p>
-            <a:r>
-              <a:rPr lang="en-US" b="1" strike="noStrike" spc="-1" dirty="0">
-                <a:solidFill>
-                  <a:srgbClr val="009FDF"/>
-                </a:solidFill>
-                <a:latin typeface="Arial"/>
-              </a:rPr>
-              <a:t>2. Background</a:t>
-            </a:r>
-            <a:endParaRPr lang="en-GB" dirty="0"/>
-          </a:p>
-        </p:txBody>
-      </p:sp>
-      <p:sp>
-        <p:nvSpPr>
-          <p:cNvPr id="6" name="Slide Number Placeholder 5">
-            <a:extLst>
-              <a:ext uri="{FF2B5EF4-FFF2-40B4-BE49-F238E27FC236}">
-                <a16:creationId xmlns:a16="http://schemas.microsoft.com/office/drawing/2014/main" id="{BAFACB1C-C8EF-DE7D-CF6B-A6DC324A47A3}"/>
-              </a:ext>
-            </a:extLst>
-          </p:cNvPr>
-          <p:cNvSpPr>
-            <a:spLocks noGrp="1"/>
-          </p:cNvSpPr>
-          <p:nvPr>
-            <p:ph type="sldNum" sz="quarter" idx="12"/>
-          </p:nvPr>
-        </p:nvSpPr>
-        <p:spPr>
-          <a:xfrm>
-            <a:off x="11541966" y="6537702"/>
-            <a:ext cx="511629" cy="365125"/>
-          </a:xfrm>
-        </p:spPr>
-        <p:txBody>
-          <a:bodyPr/>
-          <a:lstStyle/>
-          <a:p>
-            <a:fld id="{54D89579-D9F6-47AA-A878-E5ECDBCBE9C9}" type="slidenum">
-              <a:rPr lang="en-GB" b="1" smtClean="0"/>
-              <a:t>5</a:t>
-            </a:fld>
-            <a:endParaRPr lang="en-GB" b="1" dirty="0"/>
-          </a:p>
-        </p:txBody>
-      </p:sp>
-      <mc:AlternateContent xmlns:mc="http://schemas.openxmlformats.org/markup-compatibility/2006">
-        <mc:Choice xmlns:a14="http://schemas.microsoft.com/office/drawing/2010/main" Requires="a14">
-          <p:sp>
-            <p:nvSpPr>
-              <p:cNvPr id="3" name="TextBox 2">
-                <a:extLst>
-                  <a:ext uri="{FF2B5EF4-FFF2-40B4-BE49-F238E27FC236}">
-                    <a16:creationId xmlns:a16="http://schemas.microsoft.com/office/drawing/2014/main" id="{27F1D68C-C6CE-FF0E-4219-4B92D103DD79}"/>
-                  </a:ext>
-                </a:extLst>
-              </p:cNvPr>
-              <p:cNvSpPr txBox="1"/>
-              <p:nvPr/>
-            </p:nvSpPr>
-            <p:spPr>
-              <a:xfrm>
-                <a:off x="455644" y="1210603"/>
-                <a:ext cx="10098056" cy="5327099"/>
-              </a:xfrm>
-              <a:prstGeom prst="rect">
-                <a:avLst/>
-              </a:prstGeom>
-              <a:noFill/>
-            </p:spPr>
-            <p:txBody>
-              <a:bodyPr wrap="square" rtlCol="0">
-                <a:spAutoFit/>
-              </a:bodyPr>
-              <a:lstStyle/>
-              <a:p>
-                <a:pPr marL="285750" indent="-285750">
-                  <a:buFont typeface="Arial" panose="020B0604020202020204" pitchFamily="34" charset="0"/>
-                  <a:buChar char="•"/>
-                </a:pPr>
                 <a:r>
                   <a:rPr lang="en-GB" sz="2400" dirty="0"/>
-                  <a:t>The UPPE is derived directly from Maxwell’s Equations without using a  slowly-varying envelope approximation [2]</a:t>
-                </a:r>
-              </a:p>
-              <a:p>
-                <a:pPr marL="285750" indent="-285750">
-                  <a:buFont typeface="Arial" panose="020B0604020202020204" pitchFamily="34" charset="0"/>
-                  <a:buChar char="•"/>
-                </a:pPr>
-                <a:r>
-                  <a:rPr lang="en-GB" sz="2400" dirty="0"/>
-                  <a:t>The nonlinear polarisation response considers the Kerr effect as well as photo-ionisation: </a:t>
+                  <a:t> considers the Kerr effect as well as photo-ionisation: </a:t>
                 </a:r>
                 <a14:m>
                   <m:oMath xmlns:m="http://schemas.openxmlformats.org/officeDocument/2006/math">
@@ -8007,208 +6157,30 @@
                 </a:r>
               </a:p>
               <a:p>
-                <a:pPr marL="0" indent="0">
-                  <a:buNone/>
+                <a:pPr marL="457200" indent="-457200">
+                  <a:buFont typeface="Arial" panose="020B0604020202020204" pitchFamily="34" charset="0"/>
+                  <a:buChar char="•"/>
                 </a:pPr>
-                <a:endParaRPr lang="en-GB" dirty="0"/>
+                <a:endParaRPr lang="en-GB" sz="2400" dirty="0"/>
               </a:p>
               <a:p>
-                <a:pPr marL="0" indent="0">
-                  <a:buNone/>
+                <a:pPr marL="457200" indent="-457200">
+                  <a:buFont typeface="Arial" panose="020B0604020202020204" pitchFamily="34" charset="0"/>
+                  <a:buChar char="•"/>
                 </a:pPr>
-                <a:endParaRPr lang="en-GB" dirty="0"/>
+                <a:endParaRPr lang="en-GB" sz="2400" dirty="0">
+                  <a:latin typeface="+mn-lt"/>
+                </a:endParaRPr>
               </a:p>
               <a:p>
-                <a:pPr marL="0" indent="0">
-                  <a:buNone/>
-                </a:pPr>
-                <a:endParaRPr lang="en-GB" dirty="0"/>
+                <a:endParaRPr lang="en-GB" sz="2600" dirty="0">
+                  <a:latin typeface="+mn-lt"/>
+                </a:endParaRPr>
               </a:p>
               <a:p>
-                <a:pPr marL="0" indent="0">
-                  <a:buNone/>
-                </a:pPr>
-                <a:endParaRPr lang="en-GB" dirty="0"/>
-              </a:p>
-              <a:p>
-                <a:pPr marL="0" indent="0">
-                  <a:buNone/>
-                </a:pPr>
-                <a:endParaRPr lang="en-GB" dirty="0"/>
-              </a:p>
-              <a:p>
-                <a:pPr marL="0" indent="0">
-                  <a:buNone/>
-                </a:pPr>
-                <a:endParaRPr lang="en-GB" dirty="0"/>
-              </a:p>
-              <a:p>
-                <a:pPr marL="0" indent="0">
-                  <a:buNone/>
-                </a:pPr>
-                <a:endParaRPr lang="en-GB" sz="1600" dirty="0"/>
-              </a:p>
-              <a:p>
-                <a:pPr marL="0" indent="0">
-                  <a:buNone/>
-                </a:pPr>
-                <a:endParaRPr lang="en-GB" sz="1600" dirty="0"/>
-              </a:p>
-              <a:p>
-                <a:pPr marL="0" indent="0">
-                  <a:buNone/>
-                </a:pPr>
-                <a:endParaRPr lang="en-GB" sz="1600" dirty="0"/>
-              </a:p>
-              <a:p>
-                <a:pPr marL="0" indent="0">
-                  <a:buNone/>
-                </a:pPr>
-                <a:endParaRPr lang="en-GB" sz="1600" dirty="0"/>
-              </a:p>
-              <a:p>
-                <a:pPr marL="0" indent="0">
-                  <a:buNone/>
-                </a:pPr>
-                <a:endParaRPr lang="en-GB" sz="1600" dirty="0"/>
-              </a:p>
-              <a:p>
-                <a:pPr lvl="1"/>
-                <a:r>
-                  <a:rPr lang="en-GB" dirty="0"/>
-                  <a:t>where </a:t>
-                </a:r>
-                <a14:m>
-                  <m:oMath xmlns:m="http://schemas.openxmlformats.org/officeDocument/2006/math">
-                    <m:sSub>
-                      <m:sSubPr>
-                        <m:ctrlPr>
-                          <a:rPr lang="en-GB" b="0" i="1" smtClean="0">
-                            <a:latin typeface="Cambria Math" panose="02040503050406030204" pitchFamily="18" charset="0"/>
-                          </a:rPr>
-                        </m:ctrlPr>
-                      </m:sSubPr>
-                      <m:e>
-                        <m:r>
-                          <a:rPr lang="en-GB" b="0" i="1" smtClean="0">
-                            <a:latin typeface="Cambria Math" panose="02040503050406030204" pitchFamily="18" charset="0"/>
-                          </a:rPr>
-                          <m:t>𝐼</m:t>
-                        </m:r>
-                      </m:e>
-                      <m:sub>
-                        <m:r>
-                          <a:rPr lang="en-GB" b="0" i="1" smtClean="0">
-                            <a:latin typeface="Cambria Math" panose="02040503050406030204" pitchFamily="18" charset="0"/>
-                          </a:rPr>
-                          <m:t>𝑝</m:t>
-                        </m:r>
-                      </m:sub>
-                    </m:sSub>
-                  </m:oMath>
-                </a14:m>
-                <a:r>
-                  <a:rPr lang="en-GB" dirty="0"/>
-                  <a:t> is the ionisation potential, </a:t>
-                </a:r>
-                <a14:m>
-                  <m:oMath xmlns:m="http://schemas.openxmlformats.org/officeDocument/2006/math">
-                    <m:sSub>
-                      <m:sSubPr>
-                        <m:ctrlPr>
-                          <a:rPr lang="en-GB" i="1">
-                            <a:latin typeface="Cambria Math" panose="02040503050406030204" pitchFamily="18" charset="0"/>
-                          </a:rPr>
-                        </m:ctrlPr>
-                      </m:sSubPr>
-                      <m:e>
-                        <m:r>
-                          <a:rPr lang="en-GB" i="1">
-                            <a:latin typeface="Cambria Math" panose="02040503050406030204" pitchFamily="18" charset="0"/>
-                          </a:rPr>
-                          <m:t>𝑛</m:t>
-                        </m:r>
-                      </m:e>
-                      <m:sub>
-                        <m:r>
-                          <a:rPr lang="en-GB" i="1">
-                            <a:latin typeface="Cambria Math" panose="02040503050406030204" pitchFamily="18" charset="0"/>
-                          </a:rPr>
-                          <m:t>𝑒</m:t>
-                        </m:r>
-                      </m:sub>
-                    </m:sSub>
-                  </m:oMath>
-                </a14:m>
-                <a:r>
-                  <a:rPr lang="en-GB" dirty="0"/>
-                  <a:t> is the number of free electrons, </a:t>
-                </a:r>
-                <a14:m>
-                  <m:oMath xmlns:m="http://schemas.openxmlformats.org/officeDocument/2006/math">
-                    <m:sSub>
-                      <m:sSubPr>
-                        <m:ctrlPr>
-                          <a:rPr lang="en-GB" i="1">
-                            <a:latin typeface="Cambria Math" panose="02040503050406030204" pitchFamily="18" charset="0"/>
-                          </a:rPr>
-                        </m:ctrlPr>
-                      </m:sSubPr>
-                      <m:e>
-                        <m:r>
-                          <a:rPr lang="en-GB" i="1">
-                            <a:latin typeface="Cambria Math" panose="02040503050406030204" pitchFamily="18" charset="0"/>
-                          </a:rPr>
-                          <m:t>𝑛</m:t>
-                        </m:r>
-                      </m:e>
-                      <m:sub>
-                        <m:r>
-                          <a:rPr lang="en-GB" i="1">
-                            <a:latin typeface="Cambria Math" panose="02040503050406030204" pitchFamily="18" charset="0"/>
-                          </a:rPr>
-                          <m:t>0</m:t>
-                        </m:r>
-                      </m:sub>
-                    </m:sSub>
-                  </m:oMath>
-                </a14:m>
-                <a:r>
-                  <a:rPr lang="en-GB" dirty="0"/>
-                  <a:t> is the initial number of neutral atoms, </a:t>
-                </a:r>
-                <a14:m>
-                  <m:oMath xmlns:m="http://schemas.openxmlformats.org/officeDocument/2006/math">
-                    <m:r>
-                      <a:rPr lang="en-GB" i="1">
-                        <a:latin typeface="Cambria Math" panose="02040503050406030204" pitchFamily="18" charset="0"/>
-                      </a:rPr>
-                      <m:t>𝑊</m:t>
-                    </m:r>
-                    <m:r>
-                      <a:rPr lang="en-GB" i="1">
-                        <a:latin typeface="Cambria Math" panose="02040503050406030204" pitchFamily="18" charset="0"/>
-                      </a:rPr>
-                      <m:t>(</m:t>
-                    </m:r>
-                    <m:r>
-                      <a:rPr lang="en-GB" b="1" i="1">
-                        <a:latin typeface="Cambria Math" panose="02040503050406030204" pitchFamily="18" charset="0"/>
-                      </a:rPr>
-                      <m:t>𝑬</m:t>
-                    </m:r>
-                    <m:r>
-                      <a:rPr lang="en-GB" i="1">
-                        <a:latin typeface="Cambria Math" panose="02040503050406030204" pitchFamily="18" charset="0"/>
-                      </a:rPr>
-                      <m:t>)</m:t>
-                    </m:r>
-                  </m:oMath>
-                </a14:m>
-                <a:r>
-                  <a:rPr lang="en-GB" dirty="0"/>
-                  <a:t> is the ionisation rate and all other symbols have their usual meaning </a:t>
-                </a:r>
+                <a:endParaRPr lang="en-GB" dirty="0">
+                  <a:latin typeface="+mn-lt"/>
+                </a:endParaRPr>
               </a:p>
               <a:p>
                 <a:endParaRPr lang="en-GB" dirty="0"/>
@@ -8219,10 +6191,10 @@
         <mc:Fallback>
           <p:sp>
             <p:nvSpPr>
-              <p:cNvPr id="3" name="TextBox 2">
+              <p:cNvPr id="9" name="TextBox 8">
                 <a:extLst>
                   <a:ext uri="{FF2B5EF4-FFF2-40B4-BE49-F238E27FC236}">
-                    <a16:creationId xmlns:a16="http://schemas.microsoft.com/office/drawing/2014/main" id="{27F1D68C-C6CE-FF0E-4219-4B92D103DD79}"/>
+                    <a16:creationId xmlns:a16="http://schemas.microsoft.com/office/drawing/2014/main" id="{8FE04B4F-A9C6-AE2D-1B1A-20A9CB73E7D8}"/>
                   </a:ext>
                 </a:extLst>
               </p:cNvPr>
@@ -8233,8 +6205,8 @@
             </p:nvSpPr>
             <p:spPr>
               <a:xfrm>
-                <a:off x="455644" y="1210603"/>
-                <a:ext cx="10098056" cy="5327099"/>
+                <a:off x="455645" y="1423342"/>
+                <a:ext cx="10917206" cy="4013022"/>
               </a:xfrm>
               <a:prstGeom prst="rect">
                 <a:avLst/>
@@ -8242,7 +6214,7 @@
               <a:blipFill>
                 <a:blip r:embed="rId3"/>
                 <a:stretch>
-                  <a:fillRect l="-845" t="-916"/>
+                  <a:fillRect l="-782" t="-1214"/>
                 </a:stretch>
               </a:blipFill>
             </p:spPr>
@@ -8265,10 +6237,10 @@
         <mc:Choice xmlns:a14="http://schemas.microsoft.com/office/drawing/2010/main" Requires="a14">
           <p:sp>
             <p:nvSpPr>
-              <p:cNvPr id="4" name="TextBox 3">
+              <p:cNvPr id="3" name="TextBox 2">
                 <a:extLst>
                   <a:ext uri="{FF2B5EF4-FFF2-40B4-BE49-F238E27FC236}">
-                    <a16:creationId xmlns:a16="http://schemas.microsoft.com/office/drawing/2014/main" id="{0898717E-B926-08F7-82FB-63D3CD45AB6C}"/>
+                    <a16:creationId xmlns:a16="http://schemas.microsoft.com/office/drawing/2014/main" id="{5FCC3096-2E2B-2044-62C1-CBAC30445107}"/>
                   </a:ext>
                 </a:extLst>
               </p:cNvPr>
@@ -8277,8 +6249,8 @@
             </p:nvSpPr>
             <p:spPr>
               <a:xfrm>
-                <a:off x="2169083" y="3034661"/>
-                <a:ext cx="4526624" cy="394339"/>
+                <a:off x="2868879" y="4219649"/>
+                <a:ext cx="3631379" cy="394339"/>
               </a:xfrm>
               <a:prstGeom prst="rect">
                 <a:avLst/>
@@ -8344,42 +6316,11 @@
                             </a:rPr>
                             <m:t>, </m:t>
                           </m:r>
-                          <m:sSub>
-                            <m:sSubPr>
-                              <m:ctrlPr>
-                                <a:rPr lang="en-GB" sz="2400" b="0" i="1" smtClean="0">
-                                  <a:latin typeface="Cambria Math" panose="02040503050406030204" pitchFamily="18" charset="0"/>
-                                </a:rPr>
-                              </m:ctrlPr>
-                            </m:sSubPr>
-                            <m:e>
-                              <m:r>
-                                <a:rPr lang="en-GB" sz="2400" b="1" i="1" smtClean="0">
-                                  <a:latin typeface="Cambria Math" panose="02040503050406030204" pitchFamily="18" charset="0"/>
-                                </a:rPr>
-                                <m:t>𝒓</m:t>
-                              </m:r>
-                            </m:e>
-                            <m:sub>
-                              <m:r>
-                                <a:rPr lang="en-GB" sz="2400" b="0" i="1" smtClean="0">
-                                  <a:latin typeface="Cambria Math" panose="02040503050406030204" pitchFamily="18" charset="0"/>
-                                </a:rPr>
-                                <m:t>⊥</m:t>
-                              </m:r>
-                            </m:sub>
-                          </m:sSub>
                           <m:r>
-                            <a:rPr lang="en-GB" sz="2400" b="0" i="1" smtClean="0">
+                            <a:rPr lang="en-GB" sz="2400" b="1" i="1" smtClean="0">
                               <a:latin typeface="Cambria Math" panose="02040503050406030204" pitchFamily="18" charset="0"/>
                             </a:rPr>
-                            <m:t>,</m:t>
-                          </m:r>
-                          <m:r>
-                            <a:rPr lang="en-GB" sz="2400" b="0" i="1" smtClean="0">
-                              <a:latin typeface="Cambria Math" panose="02040503050406030204" pitchFamily="18" charset="0"/>
-                            </a:rPr>
-                            <m:t>𝑧</m:t>
+                            <m:t>𝒓</m:t>
                           </m:r>
                         </m:e>
                       </m:d>
@@ -8467,44 +6408,13 @@
                                 <a:rPr lang="en-GB" sz="2400" b="0" i="1" smtClean="0">
                                   <a:latin typeface="Cambria Math" panose="02040503050406030204" pitchFamily="18" charset="0"/>
                                 </a:rPr>
-                                <m:t>, </m:t>
-                              </m:r>
-                              <m:sSub>
-                                <m:sSubPr>
-                                  <m:ctrlPr>
-                                    <a:rPr lang="en-GB" sz="2400" b="0" i="1" smtClean="0">
-                                      <a:latin typeface="Cambria Math" panose="02040503050406030204" pitchFamily="18" charset="0"/>
-                                    </a:rPr>
-                                  </m:ctrlPr>
-                                </m:sSubPr>
-                                <m:e>
-                                  <m:r>
-                                    <a:rPr lang="en-GB" sz="2400" b="1" i="1" smtClean="0">
-                                      <a:latin typeface="Cambria Math" panose="02040503050406030204" pitchFamily="18" charset="0"/>
-                                    </a:rPr>
-                                    <m:t>𝒓</m:t>
-                                  </m:r>
-                                </m:e>
-                                <m:sub>
-                                  <m:r>
-                                    <a:rPr lang="en-GB" sz="2400" b="0" i="1" smtClean="0">
-                                      <a:latin typeface="Cambria Math" panose="02040503050406030204" pitchFamily="18" charset="0"/>
-                                    </a:rPr>
-                                    <m:t>⊥</m:t>
-                                  </m:r>
-                                </m:sub>
-                              </m:sSub>
-                              <m:r>
-                                <a:rPr lang="en-GB" sz="2400" b="0" i="1" smtClean="0">
-                                  <a:latin typeface="Cambria Math" panose="02040503050406030204" pitchFamily="18" charset="0"/>
-                                </a:rPr>
                                 <m:t>,</m:t>
                               </m:r>
                               <m:r>
-                                <a:rPr lang="en-GB" sz="2400" b="0" i="1" smtClean="0">
+                                <a:rPr lang="en-GB" sz="2400" b="1" i="1">
                                   <a:latin typeface="Cambria Math" panose="02040503050406030204" pitchFamily="18" charset="0"/>
                                 </a:rPr>
-                                <m:t>𝑧</m:t>
+                                <m:t>𝒓</m:t>
                               </m:r>
                               <m:r>
                                 <a:rPr lang="en-GB" sz="2400" b="0" i="1" smtClean="0">
@@ -8535,10 +6445,10 @@
         <mc:Fallback>
           <p:sp>
             <p:nvSpPr>
-              <p:cNvPr id="4" name="TextBox 3">
+              <p:cNvPr id="3" name="TextBox 2">
                 <a:extLst>
                   <a:ext uri="{FF2B5EF4-FFF2-40B4-BE49-F238E27FC236}">
-                    <a16:creationId xmlns:a16="http://schemas.microsoft.com/office/drawing/2014/main" id="{0898717E-B926-08F7-82FB-63D3CD45AB6C}"/>
+                    <a16:creationId xmlns:a16="http://schemas.microsoft.com/office/drawing/2014/main" id="{5FCC3096-2E2B-2044-62C1-CBAC30445107}"/>
                   </a:ext>
                 </a:extLst>
               </p:cNvPr>
@@ -8549,8 +6459,8 @@
             </p:nvSpPr>
             <p:spPr>
               <a:xfrm>
-                <a:off x="2169083" y="3034661"/>
-                <a:ext cx="4526624" cy="394339"/>
+                <a:off x="2868879" y="4219649"/>
+                <a:ext cx="3631379" cy="394339"/>
               </a:xfrm>
               <a:prstGeom prst="rect">
                 <a:avLst/>
@@ -8581,10 +6491,10 @@
         <mc:Choice xmlns:a14="http://schemas.microsoft.com/office/drawing/2010/main" Requires="a14">
           <p:sp>
             <p:nvSpPr>
-              <p:cNvPr id="7" name="TextBox 6">
+              <p:cNvPr id="4" name="TextBox 3">
                 <a:extLst>
                   <a:ext uri="{FF2B5EF4-FFF2-40B4-BE49-F238E27FC236}">
-                    <a16:creationId xmlns:a16="http://schemas.microsoft.com/office/drawing/2014/main" id="{086162DF-5552-859D-4A16-54462099E095}"/>
+                    <a16:creationId xmlns:a16="http://schemas.microsoft.com/office/drawing/2014/main" id="{1DDA11CD-15C5-81C3-388C-CA7E2340A373}"/>
                   </a:ext>
                 </a:extLst>
               </p:cNvPr>
@@ -8593,8 +6503,8 @@
             </p:nvSpPr>
             <p:spPr>
               <a:xfrm>
-                <a:off x="1820494" y="3582690"/>
-                <a:ext cx="8420382" cy="824136"/>
+                <a:off x="2632257" y="4767678"/>
+                <a:ext cx="7085529" cy="824136"/>
               </a:xfrm>
               <a:prstGeom prst="rect">
                 <a:avLst/>
@@ -8695,44 +6605,13 @@
                             <a:rPr lang="en-GB" sz="2400" b="0" i="1" smtClean="0">
                               <a:latin typeface="Cambria Math" panose="02040503050406030204" pitchFamily="18" charset="0"/>
                             </a:rPr>
-                            <m:t>, </m:t>
+                            <m:t>,</m:t>
                           </m:r>
-                          <m:sSub>
-                            <m:sSubPr>
-                              <m:ctrlPr>
-                                <a:rPr lang="en-GB" sz="2400" b="0" i="1" smtClean="0">
-                                  <a:latin typeface="Cambria Math" panose="02040503050406030204" pitchFamily="18" charset="0"/>
-                                </a:rPr>
-                              </m:ctrlPr>
-                            </m:sSubPr>
-                            <m:e>
-                              <m:r>
-                                <a:rPr lang="en-GB" sz="2400" b="1" i="1" smtClean="0">
-                                  <a:latin typeface="Cambria Math" panose="02040503050406030204" pitchFamily="18" charset="0"/>
-                                </a:rPr>
-                                <m:t>𝒓</m:t>
-                              </m:r>
-                            </m:e>
-                            <m:sub>
-                              <m:r>
-                                <a:rPr lang="en-GB" sz="2400" b="0" i="1" smtClean="0">
-                                  <a:latin typeface="Cambria Math" panose="02040503050406030204" pitchFamily="18" charset="0"/>
-                                </a:rPr>
-                                <m:t>⊥</m:t>
-                              </m:r>
-                            </m:sub>
-                          </m:sSub>
                           <m:r>
-                            <a:rPr lang="en-GB" sz="2400" b="0" i="1" smtClean="0">
+                            <a:rPr lang="en-GB" sz="2400" b="1" i="1">
                               <a:latin typeface="Cambria Math" panose="02040503050406030204" pitchFamily="18" charset="0"/>
                             </a:rPr>
-                            <m:t>, </m:t>
-                          </m:r>
-                          <m:r>
-                            <a:rPr lang="en-GB" sz="2400" b="0" i="1" smtClean="0">
-                              <a:latin typeface="Cambria Math" panose="02040503050406030204" pitchFamily="18" charset="0"/>
-                            </a:rPr>
-                            <m:t>𝑧</m:t>
+                            <m:t>𝒓</m:t>
                           </m:r>
                         </m:e>
                       </m:d>
@@ -8800,44 +6679,13 @@
                             <a:rPr lang="en-GB" sz="2400" b="0" i="1" smtClean="0">
                               <a:latin typeface="Cambria Math" panose="02040503050406030204" pitchFamily="18" charset="0"/>
                             </a:rPr>
-                            <m:t>, </m:t>
-                          </m:r>
-                          <m:sSub>
-                            <m:sSubPr>
-                              <m:ctrlPr>
-                                <a:rPr lang="en-GB" sz="2400" b="0" i="1" smtClean="0">
-                                  <a:latin typeface="Cambria Math" panose="02040503050406030204" pitchFamily="18" charset="0"/>
-                                </a:rPr>
-                              </m:ctrlPr>
-                            </m:sSubPr>
-                            <m:e>
-                              <m:r>
-                                <a:rPr lang="en-GB" sz="2400" b="1" i="1" smtClean="0">
-                                  <a:latin typeface="Cambria Math" panose="02040503050406030204" pitchFamily="18" charset="0"/>
-                                </a:rPr>
-                                <m:t>𝒓</m:t>
-                              </m:r>
-                            </m:e>
-                            <m:sub>
-                              <m:r>
-                                <a:rPr lang="en-GB" sz="2400" b="0" i="1" smtClean="0">
-                                  <a:latin typeface="Cambria Math" panose="02040503050406030204" pitchFamily="18" charset="0"/>
-                                </a:rPr>
-                                <m:t>⊥</m:t>
-                              </m:r>
-                            </m:sub>
-                          </m:sSub>
-                          <m:r>
-                            <a:rPr lang="en-GB" sz="2400" b="0" i="1" smtClean="0">
-                              <a:latin typeface="Cambria Math" panose="02040503050406030204" pitchFamily="18" charset="0"/>
-                            </a:rPr>
                             <m:t>,</m:t>
                           </m:r>
                           <m:r>
-                            <a:rPr lang="en-GB" sz="2400" b="0" i="1" smtClean="0">
+                            <a:rPr lang="en-GB" sz="2400" b="1" i="1">
                               <a:latin typeface="Cambria Math" panose="02040503050406030204" pitchFamily="18" charset="0"/>
                             </a:rPr>
-                            <m:t>𝑧</m:t>
+                            <m:t>𝒓</m:t>
                           </m:r>
                           <m:r>
                             <a:rPr lang="en-GB" sz="2400" b="0" i="1" smtClean="0">
@@ -9116,44 +6964,13 @@
                             <a:rPr lang="en-GB" sz="2400" b="0" i="1" smtClean="0">
                               <a:latin typeface="Cambria Math" panose="02040503050406030204" pitchFamily="18" charset="0"/>
                             </a:rPr>
-                            <m:t>, </m:t>
-                          </m:r>
-                          <m:sSub>
-                            <m:sSubPr>
-                              <m:ctrlPr>
-                                <a:rPr lang="en-GB" sz="2400" b="0" i="1" smtClean="0">
-                                  <a:latin typeface="Cambria Math" panose="02040503050406030204" pitchFamily="18" charset="0"/>
-                                </a:rPr>
-                              </m:ctrlPr>
-                            </m:sSubPr>
-                            <m:e>
-                              <m:r>
-                                <a:rPr lang="en-GB" sz="2400" b="1" i="1" smtClean="0">
-                                  <a:latin typeface="Cambria Math" panose="02040503050406030204" pitchFamily="18" charset="0"/>
-                                </a:rPr>
-                                <m:t>𝒓</m:t>
-                              </m:r>
-                            </m:e>
-                            <m:sub>
-                              <m:r>
-                                <a:rPr lang="en-GB" sz="2400" b="0" i="1" smtClean="0">
-                                  <a:latin typeface="Cambria Math" panose="02040503050406030204" pitchFamily="18" charset="0"/>
-                                </a:rPr>
-                                <m:t>⊥</m:t>
-                              </m:r>
-                            </m:sub>
-                          </m:sSub>
-                          <m:r>
-                            <a:rPr lang="en-GB" sz="2400" b="0" i="1" smtClean="0">
-                              <a:latin typeface="Cambria Math" panose="02040503050406030204" pitchFamily="18" charset="0"/>
-                            </a:rPr>
                             <m:t>,</m:t>
                           </m:r>
                           <m:r>
-                            <a:rPr lang="en-GB" sz="2400" b="0" i="1" smtClean="0">
+                            <a:rPr lang="en-GB" sz="2400" b="1" i="1">
                               <a:latin typeface="Cambria Math" panose="02040503050406030204" pitchFamily="18" charset="0"/>
                             </a:rPr>
-                            <m:t>𝑧</m:t>
+                            <m:t>𝒓</m:t>
                           </m:r>
                           <m:r>
                             <a:rPr lang="en-GB" sz="2400" b="0" i="1" smtClean="0">
@@ -9186,10 +7003,10 @@
         <mc:Fallback>
           <p:sp>
             <p:nvSpPr>
-              <p:cNvPr id="7" name="TextBox 6">
+              <p:cNvPr id="4" name="TextBox 3">
                 <a:extLst>
                   <a:ext uri="{FF2B5EF4-FFF2-40B4-BE49-F238E27FC236}">
-                    <a16:creationId xmlns:a16="http://schemas.microsoft.com/office/drawing/2014/main" id="{086162DF-5552-859D-4A16-54462099E095}"/>
+                    <a16:creationId xmlns:a16="http://schemas.microsoft.com/office/drawing/2014/main" id="{1DDA11CD-15C5-81C3-388C-CA7E2340A373}"/>
                   </a:ext>
                 </a:extLst>
               </p:cNvPr>
@@ -9200,8 +7017,8 @@
             </p:nvSpPr>
             <p:spPr>
               <a:xfrm>
-                <a:off x="1820494" y="3582690"/>
-                <a:ext cx="8420382" cy="824136"/>
+                <a:off x="2632257" y="4767678"/>
+                <a:ext cx="7085529" cy="824136"/>
               </a:xfrm>
               <a:prstGeom prst="rect">
                 <a:avLst/>
@@ -9228,14 +7045,92 @@
           </p:sp>
         </mc:Fallback>
       </mc:AlternateContent>
+      <p:sp>
+        <p:nvSpPr>
+          <p:cNvPr id="7" name="TextBox 6">
+            <a:extLst>
+              <a:ext uri="{FF2B5EF4-FFF2-40B4-BE49-F238E27FC236}">
+                <a16:creationId xmlns:a16="http://schemas.microsoft.com/office/drawing/2014/main" id="{9D0719D8-0E0A-DC86-4101-28B3B7B8981D}"/>
+              </a:ext>
+            </a:extLst>
+          </p:cNvPr>
+          <p:cNvSpPr txBox="1"/>
+          <p:nvPr/>
+        </p:nvSpPr>
+        <p:spPr>
+          <a:xfrm>
+            <a:off x="10189792" y="4972993"/>
+            <a:ext cx="526106" cy="461665"/>
+          </a:xfrm>
+          <a:prstGeom prst="rect">
+            <a:avLst/>
+          </a:prstGeom>
+          <a:noFill/>
+        </p:spPr>
+        <p:txBody>
+          <a:bodyPr wrap="none" rtlCol="0">
+            <a:spAutoFit/>
+          </a:bodyPr>
+          <a:lstStyle/>
+          <a:p>
+            <a:r>
+              <a:rPr lang="en-GB" sz="2400" dirty="0">
+                <a:solidFill>
+                  <a:schemeClr val="tx2"/>
+                </a:solidFill>
+              </a:rPr>
+              <a:t>(2)</a:t>
+            </a:r>
+          </a:p>
+        </p:txBody>
+      </p:sp>
+      <p:sp>
+        <p:nvSpPr>
+          <p:cNvPr id="8" name="TextBox 7">
+            <a:extLst>
+              <a:ext uri="{FF2B5EF4-FFF2-40B4-BE49-F238E27FC236}">
+                <a16:creationId xmlns:a16="http://schemas.microsoft.com/office/drawing/2014/main" id="{8F4937A8-C865-A68B-CF65-EC3F12E3B9DE}"/>
+              </a:ext>
+            </a:extLst>
+          </p:cNvPr>
+          <p:cNvSpPr txBox="1"/>
+          <p:nvPr/>
+        </p:nvSpPr>
+        <p:spPr>
+          <a:xfrm>
+            <a:off x="8147329" y="4150563"/>
+            <a:ext cx="526106" cy="461665"/>
+          </a:xfrm>
+          <a:prstGeom prst="rect">
+            <a:avLst/>
+          </a:prstGeom>
+          <a:noFill/>
+        </p:spPr>
+        <p:txBody>
+          <a:bodyPr wrap="none" rtlCol="0">
+            <a:spAutoFit/>
+          </a:bodyPr>
+          <a:lstStyle/>
+          <a:p>
+            <a:r>
+              <a:rPr lang="en-GB" sz="2400" dirty="0">
+                <a:solidFill>
+                  <a:schemeClr val="tx2"/>
+                </a:solidFill>
+              </a:rPr>
+              <a:t>(1)</a:t>
+            </a:r>
+          </a:p>
+        </p:txBody>
+      </p:sp>
       <mc:AlternateContent xmlns:mc="http://schemas.openxmlformats.org/markup-compatibility/2006">
         <mc:Choice xmlns:a14="http://schemas.microsoft.com/office/drawing/2010/main" Requires="a14">
           <p:sp>
             <p:nvSpPr>
-              <p:cNvPr id="8" name="TextBox 7">
+              <p:cNvPr id="13" name="TextBox 12">
                 <a:extLst>
                   <a:ext uri="{FF2B5EF4-FFF2-40B4-BE49-F238E27FC236}">
-                    <a16:creationId xmlns:a16="http://schemas.microsoft.com/office/drawing/2014/main" id="{AB295FF8-16A9-04F7-0403-79AF45A936B8}"/>
+                    <a16:creationId xmlns:a16="http://schemas.microsoft.com/office/drawing/2014/main" id="{8A7DDBB3-5CF0-4269-B914-4FC175F14892}"/>
                   </a:ext>
                 </a:extLst>
               </p:cNvPr>
@@ -9244,8 +7139,494 @@
             </p:nvSpPr>
             <p:spPr>
               <a:xfrm>
-                <a:off x="3266189" y="4630615"/>
-                <a:ext cx="3175421" cy="702244"/>
+                <a:off x="961685" y="5745504"/>
+                <a:ext cx="7323898" cy="667747"/>
+              </a:xfrm>
+              <a:prstGeom prst="rect">
+                <a:avLst/>
+              </a:prstGeom>
+              <a:noFill/>
+            </p:spPr>
+            <p:txBody>
+              <a:bodyPr wrap="square">
+                <a:spAutoFit/>
+              </a:bodyPr>
+              <a:lstStyle/>
+              <a:p>
+                <a:r>
+                  <a:rPr lang="en-GB" dirty="0"/>
+                  <a:t>where </a:t>
+                </a:r>
+                <a14:m>
+                  <m:oMath xmlns:m="http://schemas.openxmlformats.org/officeDocument/2006/math">
+                    <m:sSub>
+                      <m:sSubPr>
+                        <m:ctrlPr>
+                          <a:rPr lang="en-GB" b="0" i="1" smtClean="0">
+                            <a:latin typeface="Cambria Math" panose="02040503050406030204" pitchFamily="18" charset="0"/>
+                          </a:rPr>
+                        </m:ctrlPr>
+                      </m:sSubPr>
+                      <m:e>
+                        <m:r>
+                          <a:rPr lang="en-GB" b="0" i="1" smtClean="0">
+                            <a:latin typeface="Cambria Math" panose="02040503050406030204" pitchFamily="18" charset="0"/>
+                          </a:rPr>
+                          <m:t>𝐼</m:t>
+                        </m:r>
+                      </m:e>
+                      <m:sub>
+                        <m:r>
+                          <a:rPr lang="en-GB" b="0" i="1" smtClean="0">
+                            <a:latin typeface="Cambria Math" panose="02040503050406030204" pitchFamily="18" charset="0"/>
+                          </a:rPr>
+                          <m:t>𝑝</m:t>
+                        </m:r>
+                      </m:sub>
+                    </m:sSub>
+                  </m:oMath>
+                </a14:m>
+                <a:r>
+                  <a:rPr lang="en-GB" dirty="0"/>
+                  <a:t> is the ionisation potential, </a:t>
+                </a:r>
+                <a14:m>
+                  <m:oMath xmlns:m="http://schemas.openxmlformats.org/officeDocument/2006/math">
+                    <m:sSub>
+                      <m:sSubPr>
+                        <m:ctrlPr>
+                          <a:rPr lang="en-GB" i="1">
+                            <a:latin typeface="Cambria Math" panose="02040503050406030204" pitchFamily="18" charset="0"/>
+                          </a:rPr>
+                        </m:ctrlPr>
+                      </m:sSubPr>
+                      <m:e>
+                        <m:r>
+                          <a:rPr lang="en-GB" i="1">
+                            <a:latin typeface="Cambria Math" panose="02040503050406030204" pitchFamily="18" charset="0"/>
+                          </a:rPr>
+                          <m:t>𝑛</m:t>
+                        </m:r>
+                      </m:e>
+                      <m:sub>
+                        <m:r>
+                          <a:rPr lang="en-GB" i="1">
+                            <a:latin typeface="Cambria Math" panose="02040503050406030204" pitchFamily="18" charset="0"/>
+                          </a:rPr>
+                          <m:t>𝑒</m:t>
+                        </m:r>
+                      </m:sub>
+                    </m:sSub>
+                  </m:oMath>
+                </a14:m>
+                <a:r>
+                  <a:rPr lang="en-GB" dirty="0"/>
+                  <a:t> is the number of free electrons, and all other symbols have their usual meaning </a:t>
+                </a:r>
+              </a:p>
+            </p:txBody>
+          </p:sp>
+        </mc:Choice>
+        <mc:Fallback>
+          <p:sp>
+            <p:nvSpPr>
+              <p:cNvPr id="13" name="TextBox 12">
+                <a:extLst>
+                  <a:ext uri="{FF2B5EF4-FFF2-40B4-BE49-F238E27FC236}">
+                    <a16:creationId xmlns:a16="http://schemas.microsoft.com/office/drawing/2014/main" id="{8A7DDBB3-5CF0-4269-B914-4FC175F14892}"/>
+                  </a:ext>
+                </a:extLst>
+              </p:cNvPr>
+              <p:cNvSpPr txBox="1">
+                <a:spLocks noRot="1" noChangeAspect="1" noMove="1" noResize="1" noEditPoints="1" noAdjustHandles="1" noChangeArrowheads="1" noChangeShapeType="1" noTextEdit="1"/>
+              </p:cNvSpPr>
+              <p:nvPr/>
+            </p:nvSpPr>
+            <p:spPr>
+              <a:xfrm>
+                <a:off x="961685" y="5745504"/>
+                <a:ext cx="7323898" cy="667747"/>
+              </a:xfrm>
+              <a:prstGeom prst="rect">
+                <a:avLst/>
+              </a:prstGeom>
+              <a:blipFill>
+                <a:blip r:embed="rId6"/>
+                <a:stretch>
+                  <a:fillRect l="-749" t="-4587" b="-14679"/>
+                </a:stretch>
+              </a:blipFill>
+            </p:spPr>
+            <p:txBody>
+              <a:bodyPr/>
+              <a:lstStyle/>
+              <a:p>
+                <a:r>
+                  <a:rPr lang="en-GB">
+                    <a:noFill/>
+                  </a:rPr>
+                  <a:t> </a:t>
+                </a:r>
+              </a:p>
+            </p:txBody>
+          </p:sp>
+        </mc:Fallback>
+      </mc:AlternateContent>
+    </p:spTree>
+    <p:extLst>
+      <p:ext uri="{BB962C8B-B14F-4D97-AF65-F5344CB8AC3E}">
+        <p14:creationId xmlns:p14="http://schemas.microsoft.com/office/powerpoint/2010/main" val="2656107107"/>
+      </p:ext>
+    </p:extLst>
+  </p:cSld>
+  <p:clrMapOvr>
+    <a:masterClrMapping/>
+  </p:clrMapOvr>
+</p:sld>
+</file>
+
+<file path=ppt/slides/slide4.xml><?xml version="1.0" encoding="utf-8"?>
+<p:sld xmlns:a="http://schemas.openxmlformats.org/drawingml/2006/main" xmlns:r="http://schemas.openxmlformats.org/officeDocument/2006/relationships" xmlns:p="http://schemas.openxmlformats.org/presentationml/2006/main">
+  <p:cSld>
+    <p:spTree>
+      <p:nvGrpSpPr>
+        <p:cNvPr id="1" name=""/>
+        <p:cNvGrpSpPr/>
+        <p:nvPr/>
+      </p:nvGrpSpPr>
+      <p:grpSpPr>
+        <a:xfrm>
+          <a:off x="0" y="0"/>
+          <a:ext cx="0" cy="0"/>
+          <a:chOff x="0" y="0"/>
+          <a:chExt cx="0" cy="0"/>
+        </a:xfrm>
+      </p:grpSpPr>
+      <p:pic>
+        <p:nvPicPr>
+          <p:cNvPr id="5" name="Content Placeholder 4" descr="A white rectangular frame with blue lines&#10;&#10;Description automatically generated">
+            <a:extLst>
+              <a:ext uri="{FF2B5EF4-FFF2-40B4-BE49-F238E27FC236}">
+                <a16:creationId xmlns:a16="http://schemas.microsoft.com/office/drawing/2014/main" id="{0EBBF7B7-3E9E-6564-002B-A6E433DF2A7E}"/>
+              </a:ext>
+            </a:extLst>
+          </p:cNvPr>
+          <p:cNvPicPr>
+            <a:picLocks noGrp="1" noChangeAspect="1"/>
+          </p:cNvPicPr>
+          <p:nvPr>
+            <p:ph idx="1"/>
+          </p:nvPr>
+        </p:nvPicPr>
+        <p:blipFill>
+          <a:blip r:embed="rId2">
+            <a:extLst>
+              <a:ext uri="{28A0092B-C50C-407E-A947-70E740481C1C}">
+                <a14:useLocalDpi xmlns:a14="http://schemas.microsoft.com/office/drawing/2010/main" val="0"/>
+              </a:ext>
+            </a:extLst>
+          </a:blip>
+          <a:stretch>
+            <a:fillRect/>
+          </a:stretch>
+        </p:blipFill>
+        <p:spPr>
+          <a:xfrm>
+            <a:off x="-130629" y="-54158"/>
+            <a:ext cx="12322629" cy="6947654"/>
+          </a:xfrm>
+        </p:spPr>
+      </p:pic>
+      <p:sp>
+        <p:nvSpPr>
+          <p:cNvPr id="2" name="Title 1">
+            <a:extLst>
+              <a:ext uri="{FF2B5EF4-FFF2-40B4-BE49-F238E27FC236}">
+                <a16:creationId xmlns:a16="http://schemas.microsoft.com/office/drawing/2014/main" id="{23799F4C-4E3C-8AB9-7B07-AA21124CEABE}"/>
+              </a:ext>
+            </a:extLst>
+          </p:cNvPr>
+          <p:cNvSpPr>
+            <a:spLocks noGrp="1"/>
+          </p:cNvSpPr>
+          <p:nvPr>
+            <p:ph type="title"/>
+          </p:nvPr>
+        </p:nvSpPr>
+        <p:spPr>
+          <a:xfrm>
+            <a:off x="455644" y="141192"/>
+            <a:ext cx="10515600" cy="577266"/>
+          </a:xfrm>
+        </p:spPr>
+        <p:txBody>
+          <a:bodyPr>
+            <a:normAutofit fontScale="90000"/>
+          </a:bodyPr>
+          <a:lstStyle/>
+          <a:p>
+            <a:r>
+              <a:rPr lang="en-US" b="1" spc="-1" dirty="0">
+                <a:solidFill>
+                  <a:srgbClr val="009FDF"/>
+                </a:solidFill>
+                <a:latin typeface="Arial"/>
+              </a:rPr>
+              <a:t>3</a:t>
+            </a:r>
+            <a:r>
+              <a:rPr lang="en-US" b="1" strike="noStrike" spc="-1" dirty="0">
+                <a:solidFill>
+                  <a:srgbClr val="009FDF"/>
+                </a:solidFill>
+                <a:latin typeface="Arial"/>
+              </a:rPr>
+              <a:t>. </a:t>
+            </a:r>
+            <a:r>
+              <a:rPr lang="en-US" b="1" spc="-1" dirty="0">
+                <a:solidFill>
+                  <a:srgbClr val="009FDF"/>
+                </a:solidFill>
+                <a:latin typeface="Arial"/>
+              </a:rPr>
+              <a:t>Simulation inputs</a:t>
+            </a:r>
+            <a:endParaRPr lang="en-GB" dirty="0"/>
+          </a:p>
+        </p:txBody>
+      </p:sp>
+      <p:sp>
+        <p:nvSpPr>
+          <p:cNvPr id="6" name="Slide Number Placeholder 5">
+            <a:extLst>
+              <a:ext uri="{FF2B5EF4-FFF2-40B4-BE49-F238E27FC236}">
+                <a16:creationId xmlns:a16="http://schemas.microsoft.com/office/drawing/2014/main" id="{BAFACB1C-C8EF-DE7D-CF6B-A6DC324A47A3}"/>
+              </a:ext>
+            </a:extLst>
+          </p:cNvPr>
+          <p:cNvSpPr>
+            <a:spLocks noGrp="1"/>
+          </p:cNvSpPr>
+          <p:nvPr>
+            <p:ph type="sldNum" sz="quarter" idx="12"/>
+          </p:nvPr>
+        </p:nvSpPr>
+        <p:spPr>
+          <a:xfrm>
+            <a:off x="11569959" y="6509709"/>
+            <a:ext cx="511629" cy="365125"/>
+          </a:xfrm>
+        </p:spPr>
+        <p:txBody>
+          <a:bodyPr/>
+          <a:lstStyle/>
+          <a:p>
+            <a:fld id="{54D89579-D9F6-47AA-A878-E5ECDBCBE9C9}" type="slidenum">
+              <a:rPr lang="en-GB" sz="1400" b="1" smtClean="0">
+                <a:solidFill>
+                  <a:schemeClr val="tx1"/>
+                </a:solidFill>
+              </a:rPr>
+              <a:t>4</a:t>
+            </a:fld>
+            <a:endParaRPr lang="en-GB" sz="1400" b="1" dirty="0">
+              <a:solidFill>
+                <a:schemeClr val="tx1"/>
+              </a:solidFill>
+            </a:endParaRPr>
+          </a:p>
+        </p:txBody>
+      </p:sp>
+      <p:sp>
+        <p:nvSpPr>
+          <p:cNvPr id="3" name="TextBox 2">
+            <a:extLst>
+              <a:ext uri="{FF2B5EF4-FFF2-40B4-BE49-F238E27FC236}">
+                <a16:creationId xmlns:a16="http://schemas.microsoft.com/office/drawing/2014/main" id="{EF5B5C5F-C46B-1802-3591-D41672ECEFD7}"/>
+              </a:ext>
+            </a:extLst>
+          </p:cNvPr>
+          <p:cNvSpPr txBox="1"/>
+          <p:nvPr/>
+        </p:nvSpPr>
+        <p:spPr>
+          <a:xfrm>
+            <a:off x="222379" y="1176830"/>
+            <a:ext cx="6069105" cy="5539978"/>
+          </a:xfrm>
+          <a:prstGeom prst="rect">
+            <a:avLst/>
+          </a:prstGeom>
+          <a:noFill/>
+        </p:spPr>
+        <p:txBody>
+          <a:bodyPr wrap="square" rtlCol="0">
+            <a:spAutoFit/>
+          </a:bodyPr>
+          <a:lstStyle/>
+          <a:p>
+            <a:pPr marL="285750" indent="-285750">
+              <a:buFont typeface="Arial" panose="020B0604020202020204" pitchFamily="34" charset="0"/>
+              <a:buChar char="•"/>
+            </a:pPr>
+            <a:r>
+              <a:rPr lang="en-GB" sz="2400" dirty="0"/>
+              <a:t>The simulation input is based on measured data, as far as possible</a:t>
+            </a:r>
+          </a:p>
+          <a:p>
+            <a:pPr marL="285750" indent="-285750">
+              <a:buFont typeface="Arial" panose="020B0604020202020204" pitchFamily="34" charset="0"/>
+              <a:buChar char="•"/>
+            </a:pPr>
+            <a:r>
+              <a:rPr lang="en-GB" sz="2400" dirty="0"/>
+              <a:t>Time-intensity data of the IR input beam is read in</a:t>
+            </a:r>
+          </a:p>
+          <a:p>
+            <a:pPr marL="285750" indent="-285750">
+              <a:buFont typeface="Arial" panose="020B0604020202020204" pitchFamily="34" charset="0"/>
+              <a:buChar char="•"/>
+            </a:pPr>
+            <a:r>
+              <a:rPr lang="en-GB" sz="2400" dirty="0"/>
+              <a:t>The spatial profile of the input beam is assumed to be a Gaussian </a:t>
+            </a:r>
+          </a:p>
+          <a:p>
+            <a:pPr marL="285750" indent="-285750">
+              <a:buFont typeface="Arial" panose="020B0604020202020204" pitchFamily="34" charset="0"/>
+              <a:buChar char="•"/>
+            </a:pPr>
+            <a:r>
+              <a:rPr lang="en-GB" sz="2400" i="1" dirty="0"/>
+              <a:t>The gas density profile in the central interaction region is approximated using a gradient model:</a:t>
+            </a:r>
+          </a:p>
+          <a:p>
+            <a:pPr marL="285750" indent="-285750">
+              <a:buFont typeface="Arial" panose="020B0604020202020204" pitchFamily="34" charset="0"/>
+              <a:buChar char="•"/>
+            </a:pPr>
+            <a:endParaRPr lang="en-GB" sz="2400" dirty="0"/>
+          </a:p>
+          <a:p>
+            <a:pPr marL="285750" indent="-285750">
+              <a:buFont typeface="Arial" panose="020B0604020202020204" pitchFamily="34" charset="0"/>
+              <a:buChar char="•"/>
+            </a:pPr>
+            <a:endParaRPr lang="en-GB" sz="2400" dirty="0"/>
+          </a:p>
+          <a:p>
+            <a:pPr marL="285750" indent="-285750">
+              <a:buFont typeface="Arial" panose="020B0604020202020204" pitchFamily="34" charset="0"/>
+              <a:buChar char="•"/>
+            </a:pPr>
+            <a:r>
+              <a:rPr lang="en-GB" sz="2400" dirty="0"/>
+              <a:t>While a variety of gases, pressures, and input powers can be simulated this presentation focusses on Argon and Neon</a:t>
+            </a:r>
+          </a:p>
+          <a:p>
+            <a:endParaRPr lang="en-GB" dirty="0"/>
+          </a:p>
+        </p:txBody>
+      </p:sp>
+      <p:pic>
+        <p:nvPicPr>
+          <p:cNvPr id="4" name="Picture 3" descr="A red line graph with numbers and a white background&#10;&#10;Description automatically generated">
+            <a:extLst>
+              <a:ext uri="{FF2B5EF4-FFF2-40B4-BE49-F238E27FC236}">
+                <a16:creationId xmlns:a16="http://schemas.microsoft.com/office/drawing/2014/main" id="{EF0D2CAA-F022-232D-652C-C21726EE6FAF}"/>
+              </a:ext>
+            </a:extLst>
+          </p:cNvPr>
+          <p:cNvPicPr>
+            <a:picLocks noChangeAspect="1"/>
+          </p:cNvPicPr>
+          <p:nvPr/>
+        </p:nvPicPr>
+        <p:blipFill>
+          <a:blip r:embed="rId3" cstate="print">
+            <a:extLst>
+              <a:ext uri="{28A0092B-C50C-407E-A947-70E740481C1C}">
+                <a14:useLocalDpi xmlns:a14="http://schemas.microsoft.com/office/drawing/2010/main" val="0"/>
+              </a:ext>
+            </a:extLst>
+          </a:blip>
+          <a:stretch>
+            <a:fillRect/>
+          </a:stretch>
+        </p:blipFill>
+        <p:spPr>
+          <a:xfrm>
+            <a:off x="6906266" y="-255050"/>
+            <a:ext cx="3840203" cy="2880000"/>
+          </a:xfrm>
+          <a:prstGeom prst="rect">
+            <a:avLst/>
+          </a:prstGeom>
+        </p:spPr>
+      </p:pic>
+      <p:sp>
+        <p:nvSpPr>
+          <p:cNvPr id="7" name="TextBox 6">
+            <a:extLst>
+              <a:ext uri="{FF2B5EF4-FFF2-40B4-BE49-F238E27FC236}">
+                <a16:creationId xmlns:a16="http://schemas.microsoft.com/office/drawing/2014/main" id="{A0D577D9-3CA5-5E66-A262-993613DB7583}"/>
+              </a:ext>
+            </a:extLst>
+          </p:cNvPr>
+          <p:cNvSpPr txBox="1"/>
+          <p:nvPr/>
+        </p:nvSpPr>
+        <p:spPr>
+          <a:xfrm>
+            <a:off x="7125408" y="2839810"/>
+            <a:ext cx="4083169" cy="369332"/>
+          </a:xfrm>
+          <a:prstGeom prst="rect">
+            <a:avLst/>
+          </a:prstGeom>
+          <a:noFill/>
+        </p:spPr>
+        <p:txBody>
+          <a:bodyPr wrap="none" rtlCol="0">
+            <a:spAutoFit/>
+          </a:bodyPr>
+          <a:lstStyle/>
+          <a:p>
+            <a:r>
+              <a:rPr lang="en-GB" i="1" dirty="0"/>
+              <a:t>Fig. 2</a:t>
+            </a:r>
+            <a:r>
+              <a:rPr lang="en-GB" dirty="0"/>
+              <a:t>: NIR input pulse in the time domain</a:t>
+            </a:r>
+          </a:p>
+        </p:txBody>
+      </p:sp>
+      <mc:AlternateContent xmlns:mc="http://schemas.openxmlformats.org/markup-compatibility/2006">
+        <mc:Choice xmlns:a14="http://schemas.microsoft.com/office/drawing/2010/main" Requires="a14">
+          <p:sp>
+            <p:nvSpPr>
+              <p:cNvPr id="8" name="TextBox 7">
+                <a:extLst>
+                  <a:ext uri="{FF2B5EF4-FFF2-40B4-BE49-F238E27FC236}">
+                    <a16:creationId xmlns:a16="http://schemas.microsoft.com/office/drawing/2014/main" id="{3262F18B-715C-93C2-180A-8216503208B0}"/>
+                  </a:ext>
+                </a:extLst>
+              </p:cNvPr>
+              <p:cNvSpPr txBox="1"/>
+              <p:nvPr/>
+            </p:nvSpPr>
+            <p:spPr>
+              <a:xfrm>
+                <a:off x="0" y="4502020"/>
+                <a:ext cx="5813450" cy="669799"/>
               </a:xfrm>
               <a:prstGeom prst="rect">
                 <a:avLst/>
@@ -9258,111 +7639,398 @@
               </a:bodyPr>
               <a:lstStyle/>
               <a:p>
-                <a:pPr/>
                 <a14:m>
                   <m:oMathPara xmlns:m="http://schemas.openxmlformats.org/officeDocument/2006/math">
                     <m:oMathParaPr>
                       <m:jc m:val="centerGroup"/>
                     </m:oMathParaPr>
                     <m:oMath xmlns:m="http://schemas.openxmlformats.org/officeDocument/2006/math">
+                      <m:r>
+                        <a:rPr lang="en-GB" sz="2000" b="0" i="1" smtClean="0">
+                          <a:latin typeface="Cambria Math" panose="02040503050406030204" pitchFamily="18" charset="0"/>
+                        </a:rPr>
+                        <m:t>𝑝</m:t>
+                      </m:r>
+                      <m:sSup>
+                        <m:sSupPr>
+                          <m:ctrlPr>
+                            <a:rPr lang="en-GB" sz="2000" b="0" i="1" smtClean="0">
+                              <a:latin typeface="Cambria Math" panose="02040503050406030204" pitchFamily="18" charset="0"/>
+                            </a:rPr>
+                          </m:ctrlPr>
+                        </m:sSupPr>
+                        <m:e>
+                          <m:d>
+                            <m:dPr>
+                              <m:ctrlPr>
+                                <a:rPr lang="en-GB" sz="2000" b="0" i="1" smtClean="0">
+                                  <a:latin typeface="Cambria Math" panose="02040503050406030204" pitchFamily="18" charset="0"/>
+                                </a:rPr>
+                              </m:ctrlPr>
+                            </m:dPr>
+                            <m:e>
+                              <m:sSub>
+                                <m:sSubPr>
+                                  <m:ctrlPr>
+                                    <a:rPr lang="en-GB" sz="2000" b="0" i="1" smtClean="0">
+                                      <a:latin typeface="Cambria Math" panose="02040503050406030204" pitchFamily="18" charset="0"/>
+                                    </a:rPr>
+                                  </m:ctrlPr>
+                                </m:sSubPr>
+                                <m:e>
+                                  <m:r>
+                                    <a:rPr lang="en-GB" sz="2000" b="0" i="1" smtClean="0">
+                                      <a:latin typeface="Cambria Math" panose="02040503050406030204" pitchFamily="18" charset="0"/>
+                                    </a:rPr>
+                                    <m:t>𝑧</m:t>
+                                  </m:r>
+                                </m:e>
+                                <m:sub>
+                                  <m:r>
+                                    <a:rPr lang="en-GB" sz="2000" b="0" i="1" smtClean="0">
+                                      <a:latin typeface="Cambria Math" panose="02040503050406030204" pitchFamily="18" charset="0"/>
+                                    </a:rPr>
+                                    <m:t>0</m:t>
+                                  </m:r>
+                                </m:sub>
+                              </m:sSub>
+                              <m:r>
+                                <a:rPr lang="en-GB" sz="2000" b="0" i="1" smtClean="0">
+                                  <a:latin typeface="Cambria Math" panose="02040503050406030204" pitchFamily="18" charset="0"/>
+                                </a:rPr>
+                                <m:t>&lt;</m:t>
+                              </m:r>
+                              <m:r>
+                                <a:rPr lang="en-GB" sz="2000" b="0" i="1" smtClean="0">
+                                  <a:latin typeface="Cambria Math" panose="02040503050406030204" pitchFamily="18" charset="0"/>
+                                </a:rPr>
+                                <m:t>𝑧</m:t>
+                              </m:r>
+                              <m:r>
+                                <a:rPr lang="en-GB" sz="2000" b="0" i="1" smtClean="0">
+                                  <a:latin typeface="Cambria Math" panose="02040503050406030204" pitchFamily="18" charset="0"/>
+                                </a:rPr>
+                                <m:t>&lt;</m:t>
+                              </m:r>
+                              <m:sSub>
+                                <m:sSubPr>
+                                  <m:ctrlPr>
+                                    <a:rPr lang="en-GB" sz="2000" b="0" i="1" smtClean="0">
+                                      <a:latin typeface="Cambria Math" panose="02040503050406030204" pitchFamily="18" charset="0"/>
+                                    </a:rPr>
+                                  </m:ctrlPr>
+                                </m:sSubPr>
+                                <m:e>
+                                  <m:r>
+                                    <a:rPr lang="en-GB" sz="2000" b="0" i="1" smtClean="0">
+                                      <a:latin typeface="Cambria Math" panose="02040503050406030204" pitchFamily="18" charset="0"/>
+                                    </a:rPr>
+                                    <m:t>𝑧</m:t>
+                                  </m:r>
+                                </m:e>
+                                <m:sub>
+                                  <m:r>
+                                    <a:rPr lang="en-GB" sz="2000" b="0" i="1" smtClean="0">
+                                      <a:latin typeface="Cambria Math" panose="02040503050406030204" pitchFamily="18" charset="0"/>
+                                    </a:rPr>
+                                    <m:t>1</m:t>
+                                  </m:r>
+                                </m:sub>
+                              </m:sSub>
+                            </m:e>
+                          </m:d>
+                        </m:e>
+                        <m:sup>
+                          <m:r>
+                            <a:rPr lang="en-GB" sz="2000" b="0" i="1" smtClean="0">
+                              <a:latin typeface="Cambria Math" panose="02040503050406030204" pitchFamily="18" charset="0"/>
+                            </a:rPr>
+                            <m:t>2</m:t>
+                          </m:r>
+                        </m:sup>
+                      </m:sSup>
+                      <m:r>
+                        <a:rPr lang="en-GB" sz="2000" b="0" i="1" smtClean="0">
+                          <a:latin typeface="Cambria Math" panose="02040503050406030204" pitchFamily="18" charset="0"/>
+                        </a:rPr>
+                        <m:t>=</m:t>
+                      </m:r>
+                      <m:r>
+                        <a:rPr lang="en-GB" sz="2000" b="0" i="1" smtClean="0">
+                          <a:latin typeface="Cambria Math" panose="02040503050406030204" pitchFamily="18" charset="0"/>
+                        </a:rPr>
+                        <m:t>𝑝</m:t>
+                      </m:r>
+                      <m:sSup>
+                        <m:sSupPr>
+                          <m:ctrlPr>
+                            <a:rPr lang="en-GB" sz="2000" b="0" i="1" smtClean="0">
+                              <a:latin typeface="Cambria Math" panose="02040503050406030204" pitchFamily="18" charset="0"/>
+                            </a:rPr>
+                          </m:ctrlPr>
+                        </m:sSupPr>
+                        <m:e>
+                          <m:d>
+                            <m:dPr>
+                              <m:ctrlPr>
+                                <a:rPr lang="en-GB" sz="2000" b="0" i="1" smtClean="0">
+                                  <a:latin typeface="Cambria Math" panose="02040503050406030204" pitchFamily="18" charset="0"/>
+                                </a:rPr>
+                              </m:ctrlPr>
+                            </m:dPr>
+                            <m:e>
+                              <m:sSub>
+                                <m:sSubPr>
+                                  <m:ctrlPr>
+                                    <a:rPr lang="en-GB" sz="2000" b="0" i="1" smtClean="0">
+                                      <a:latin typeface="Cambria Math" panose="02040503050406030204" pitchFamily="18" charset="0"/>
+                                    </a:rPr>
+                                  </m:ctrlPr>
+                                </m:sSubPr>
+                                <m:e>
+                                  <m:r>
+                                    <a:rPr lang="en-GB" sz="2000" b="0" i="1" smtClean="0">
+                                      <a:latin typeface="Cambria Math" panose="02040503050406030204" pitchFamily="18" charset="0"/>
+                                    </a:rPr>
+                                    <m:t>𝑧</m:t>
+                                  </m:r>
+                                </m:e>
+                                <m:sub>
+                                  <m:r>
+                                    <a:rPr lang="en-GB" sz="2000" b="0" i="1" smtClean="0">
+                                      <a:latin typeface="Cambria Math" panose="02040503050406030204" pitchFamily="18" charset="0"/>
+                                    </a:rPr>
+                                    <m:t>0</m:t>
+                                  </m:r>
+                                </m:sub>
+                              </m:sSub>
+                            </m:e>
+                          </m:d>
+                        </m:e>
+                        <m:sup>
+                          <m:r>
+                            <a:rPr lang="en-GB" sz="2000" b="0" i="1" smtClean="0">
+                              <a:latin typeface="Cambria Math" panose="02040503050406030204" pitchFamily="18" charset="0"/>
+                            </a:rPr>
+                            <m:t>2</m:t>
+                          </m:r>
+                        </m:sup>
+                      </m:sSup>
+                      <m:r>
+                        <a:rPr lang="en-GB" sz="2000" b="0" i="1" smtClean="0">
+                          <a:latin typeface="Cambria Math" panose="02040503050406030204" pitchFamily="18" charset="0"/>
+                        </a:rPr>
+                        <m:t>+(</m:t>
+                      </m:r>
+                      <m:r>
+                        <a:rPr lang="en-GB" sz="2000" b="0" i="1" smtClean="0">
+                          <a:latin typeface="Cambria Math" panose="02040503050406030204" pitchFamily="18" charset="0"/>
+                        </a:rPr>
+                        <m:t>𝑧</m:t>
+                      </m:r>
+                      <m:r>
+                        <a:rPr lang="en-GB" sz="2000" b="0" i="1" smtClean="0">
+                          <a:latin typeface="Cambria Math" panose="02040503050406030204" pitchFamily="18" charset="0"/>
+                        </a:rPr>
+                        <m:t>−</m:t>
+                      </m:r>
+                      <m:sSub>
+                        <m:sSubPr>
+                          <m:ctrlPr>
+                            <a:rPr lang="en-GB" sz="2000" b="0" i="1" smtClean="0">
+                              <a:latin typeface="Cambria Math" panose="02040503050406030204" pitchFamily="18" charset="0"/>
+                            </a:rPr>
+                          </m:ctrlPr>
+                        </m:sSubPr>
+                        <m:e>
+                          <m:r>
+                            <a:rPr lang="en-GB" sz="2000" b="0" i="1" smtClean="0">
+                              <a:latin typeface="Cambria Math" panose="02040503050406030204" pitchFamily="18" charset="0"/>
+                            </a:rPr>
+                            <m:t>𝑧</m:t>
+                          </m:r>
+                        </m:e>
+                        <m:sub>
+                          <m:r>
+                            <a:rPr lang="en-GB" sz="2000" b="0" i="1" smtClean="0">
+                              <a:latin typeface="Cambria Math" panose="02040503050406030204" pitchFamily="18" charset="0"/>
+                            </a:rPr>
+                            <m:t>0</m:t>
+                          </m:r>
+                        </m:sub>
+                      </m:sSub>
+                      <m:r>
+                        <a:rPr lang="en-GB" sz="2000" b="0" i="1" smtClean="0">
+                          <a:latin typeface="Cambria Math" panose="02040503050406030204" pitchFamily="18" charset="0"/>
+                        </a:rPr>
+                        <m:t>)</m:t>
+                      </m:r>
                       <m:f>
                         <m:fPr>
                           <m:ctrlPr>
-                            <a:rPr lang="en-GB" sz="2400" i="1" smtClean="0">
+                            <a:rPr lang="en-GB" sz="2000" b="0" i="1" smtClean="0">
                               <a:latin typeface="Cambria Math" panose="02040503050406030204" pitchFamily="18" charset="0"/>
                             </a:rPr>
                           </m:ctrlPr>
                         </m:fPr>
                         <m:num>
                           <m:r>
-                            <a:rPr lang="en-GB" sz="2400" b="0" i="1" smtClean="0">
+                            <a:rPr lang="en-GB" sz="2000" b="0" i="1" smtClean="0">
                               <a:latin typeface="Cambria Math" panose="02040503050406030204" pitchFamily="18" charset="0"/>
                             </a:rPr>
-                            <m:t>𝜕</m:t>
+                            <m:t>𝑝</m:t>
                           </m:r>
+                          <m:sSup>
+                            <m:sSupPr>
+                              <m:ctrlPr>
+                                <a:rPr lang="en-GB" sz="2000" b="0" i="1" smtClean="0">
+                                  <a:latin typeface="Cambria Math" panose="02040503050406030204" pitchFamily="18" charset="0"/>
+                                </a:rPr>
+                              </m:ctrlPr>
+                            </m:sSupPr>
+                            <m:e>
+                              <m:d>
+                                <m:dPr>
+                                  <m:ctrlPr>
+                                    <a:rPr lang="en-GB" sz="2000" b="0" i="1" smtClean="0">
+                                      <a:latin typeface="Cambria Math" panose="02040503050406030204" pitchFamily="18" charset="0"/>
+                                    </a:rPr>
+                                  </m:ctrlPr>
+                                </m:dPr>
+                                <m:e>
+                                  <m:sSub>
+                                    <m:sSubPr>
+                                      <m:ctrlPr>
+                                        <a:rPr lang="en-GB" sz="2000" b="0" i="1" smtClean="0">
+                                          <a:latin typeface="Cambria Math" panose="02040503050406030204" pitchFamily="18" charset="0"/>
+                                        </a:rPr>
+                                      </m:ctrlPr>
+                                    </m:sSubPr>
+                                    <m:e>
+                                      <m:r>
+                                        <a:rPr lang="en-GB" sz="2000" b="0" i="1" smtClean="0">
+                                          <a:latin typeface="Cambria Math" panose="02040503050406030204" pitchFamily="18" charset="0"/>
+                                        </a:rPr>
+                                        <m:t>𝑧</m:t>
+                                      </m:r>
+                                    </m:e>
+                                    <m:sub>
+                                      <m:r>
+                                        <a:rPr lang="en-GB" sz="2000" b="0" i="1" smtClean="0">
+                                          <a:latin typeface="Cambria Math" panose="02040503050406030204" pitchFamily="18" charset="0"/>
+                                        </a:rPr>
+                                        <m:t>1</m:t>
+                                      </m:r>
+                                    </m:sub>
+                                  </m:sSub>
+                                </m:e>
+                              </m:d>
+                            </m:e>
+                            <m:sup>
+                              <m:r>
+                                <a:rPr lang="en-GB" sz="2000" b="0" i="1" smtClean="0">
+                                  <a:latin typeface="Cambria Math" panose="02040503050406030204" pitchFamily="18" charset="0"/>
+                                </a:rPr>
+                                <m:t>2</m:t>
+                              </m:r>
+                            </m:sup>
+                          </m:sSup>
+                          <m:r>
+                            <a:rPr lang="en-GB" sz="2000" b="0" i="1" smtClean="0">
+                              <a:latin typeface="Cambria Math" panose="02040503050406030204" pitchFamily="18" charset="0"/>
+                            </a:rPr>
+                            <m:t>−</m:t>
+                          </m:r>
+                          <m:r>
+                            <a:rPr lang="en-GB" sz="2000" b="0" i="1" smtClean="0">
+                              <a:latin typeface="Cambria Math" panose="02040503050406030204" pitchFamily="18" charset="0"/>
+                            </a:rPr>
+                            <m:t>𝑝</m:t>
+                          </m:r>
+                          <m:sSup>
+                            <m:sSupPr>
+                              <m:ctrlPr>
+                                <a:rPr lang="en-GB" sz="2000" b="0" i="1" smtClean="0">
+                                  <a:latin typeface="Cambria Math" panose="02040503050406030204" pitchFamily="18" charset="0"/>
+                                </a:rPr>
+                              </m:ctrlPr>
+                            </m:sSupPr>
+                            <m:e>
+                              <m:d>
+                                <m:dPr>
+                                  <m:ctrlPr>
+                                    <a:rPr lang="en-GB" sz="2000" b="0" i="1" smtClean="0">
+                                      <a:latin typeface="Cambria Math" panose="02040503050406030204" pitchFamily="18" charset="0"/>
+                                    </a:rPr>
+                                  </m:ctrlPr>
+                                </m:dPr>
+                                <m:e>
+                                  <m:sSub>
+                                    <m:sSubPr>
+                                      <m:ctrlPr>
+                                        <a:rPr lang="en-GB" sz="2000" b="0" i="1" smtClean="0">
+                                          <a:latin typeface="Cambria Math" panose="02040503050406030204" pitchFamily="18" charset="0"/>
+                                        </a:rPr>
+                                      </m:ctrlPr>
+                                    </m:sSubPr>
+                                    <m:e>
+                                      <m:r>
+                                        <a:rPr lang="en-GB" sz="2000" b="0" i="1" smtClean="0">
+                                          <a:latin typeface="Cambria Math" panose="02040503050406030204" pitchFamily="18" charset="0"/>
+                                        </a:rPr>
+                                        <m:t>𝑧</m:t>
+                                      </m:r>
+                                    </m:e>
+                                    <m:sub>
+                                      <m:r>
+                                        <a:rPr lang="en-GB" sz="2000" b="0" i="1" smtClean="0">
+                                          <a:latin typeface="Cambria Math" panose="02040503050406030204" pitchFamily="18" charset="0"/>
+                                        </a:rPr>
+                                        <m:t>0</m:t>
+                                      </m:r>
+                                    </m:sub>
+                                  </m:sSub>
+                                </m:e>
+                              </m:d>
+                            </m:e>
+                            <m:sup>
+                              <m:r>
+                                <a:rPr lang="en-GB" sz="2000" b="0" i="1" smtClean="0">
+                                  <a:latin typeface="Cambria Math" panose="02040503050406030204" pitchFamily="18" charset="0"/>
+                                </a:rPr>
+                                <m:t>2</m:t>
+                              </m:r>
+                            </m:sup>
+                          </m:sSup>
                         </m:num>
                         <m:den>
-                          <m:r>
-                            <a:rPr lang="en-GB" sz="2400" b="0" i="1" smtClean="0">
-                              <a:latin typeface="Cambria Math" panose="02040503050406030204" pitchFamily="18" charset="0"/>
-                            </a:rPr>
-                            <m:t>𝜕</m:t>
-                          </m:r>
-                          <m:r>
-                            <a:rPr lang="en-GB" sz="2400" b="0" i="1" smtClean="0">
-                              <a:latin typeface="Cambria Math" panose="02040503050406030204" pitchFamily="18" charset="0"/>
-                            </a:rPr>
-                            <m:t>𝑡</m:t>
-                          </m:r>
-                        </m:den>
-                      </m:f>
-                      <m:sSub>
-                        <m:sSubPr>
-                          <m:ctrlPr>
-                            <a:rPr lang="en-GB" sz="2400" b="0" i="1" smtClean="0">
-                              <a:latin typeface="Cambria Math" panose="02040503050406030204" pitchFamily="18" charset="0"/>
-                            </a:rPr>
-                          </m:ctrlPr>
-                        </m:sSubPr>
-                        <m:e>
-                          <m:r>
-                            <a:rPr lang="en-GB" sz="2400" b="0" i="1" smtClean="0">
-                              <a:latin typeface="Cambria Math" panose="02040503050406030204" pitchFamily="18" charset="0"/>
-                            </a:rPr>
-                            <m:t>𝑛</m:t>
-                          </m:r>
-                        </m:e>
-                        <m:sub>
-                          <m:r>
-                            <a:rPr lang="en-GB" sz="2400" b="0" i="1" smtClean="0">
-                              <a:latin typeface="Cambria Math" panose="02040503050406030204" pitchFamily="18" charset="0"/>
-                            </a:rPr>
-                            <m:t>𝑒</m:t>
-                          </m:r>
-                        </m:sub>
-                      </m:sSub>
-                      <m:r>
-                        <a:rPr lang="en-GB" sz="2400" b="0" i="1" smtClean="0">
-                          <a:latin typeface="Cambria Math" panose="02040503050406030204" pitchFamily="18" charset="0"/>
-                        </a:rPr>
-                        <m:t>=</m:t>
-                      </m:r>
-                      <m:d>
-                        <m:dPr>
-                          <m:ctrlPr>
-                            <a:rPr lang="en-GB" sz="2400" b="0" i="1" smtClean="0">
-                              <a:latin typeface="Cambria Math" panose="02040503050406030204" pitchFamily="18" charset="0"/>
-                            </a:rPr>
-                          </m:ctrlPr>
-                        </m:dPr>
-                        <m:e>
                           <m:sSub>
                             <m:sSubPr>
                               <m:ctrlPr>
-                                <a:rPr lang="en-GB" sz="2400" b="0" i="1" smtClean="0">
+                                <a:rPr lang="en-GB" sz="2000" b="0" i="1" smtClean="0">
                                   <a:latin typeface="Cambria Math" panose="02040503050406030204" pitchFamily="18" charset="0"/>
                                 </a:rPr>
                               </m:ctrlPr>
                             </m:sSubPr>
                             <m:e>
                               <m:r>
-                                <a:rPr lang="en-GB" sz="2400" b="0" i="1" smtClean="0">
+                                <a:rPr lang="en-GB" sz="2000" b="0" i="1" smtClean="0">
                                   <a:latin typeface="Cambria Math" panose="02040503050406030204" pitchFamily="18" charset="0"/>
                                 </a:rPr>
-                                <m:t>𝑛</m:t>
+                                <m:t>𝑧</m:t>
                               </m:r>
                             </m:e>
                             <m:sub>
                               <m:r>
-                                <a:rPr lang="en-GB" sz="2400" b="0" i="1" smtClean="0">
+                                <a:rPr lang="en-GB" sz="2000" b="0" i="1" smtClean="0">
                                   <a:latin typeface="Cambria Math" panose="02040503050406030204" pitchFamily="18" charset="0"/>
                                 </a:rPr>
-                                <m:t>𝑒</m:t>
+                                <m:t>1</m:t>
                               </m:r>
                             </m:sub>
                           </m:sSub>
                           <m:r>
-                            <a:rPr lang="en-GB" sz="2400" b="0" i="1" smtClean="0">
+                            <a:rPr lang="en-GB" sz="2000" b="0" i="1" smtClean="0">
                               <a:latin typeface="Cambria Math" panose="02040503050406030204" pitchFamily="18" charset="0"/>
                             </a:rPr>
                             <m:t>−</m:t>
@@ -9370,58 +8038,34 @@
                           <m:sSub>
                             <m:sSubPr>
                               <m:ctrlPr>
-                                <a:rPr lang="en-GB" sz="2400" b="0" i="1" smtClean="0">
+                                <a:rPr lang="en-GB" sz="2000" b="0" i="1" smtClean="0">
                                   <a:latin typeface="Cambria Math" panose="02040503050406030204" pitchFamily="18" charset="0"/>
                                 </a:rPr>
                               </m:ctrlPr>
                             </m:sSubPr>
                             <m:e>
                               <m:r>
-                                <a:rPr lang="en-GB" sz="2400" b="0" i="1" smtClean="0">
+                                <a:rPr lang="en-GB" sz="2000" b="0" i="1" smtClean="0">
                                   <a:latin typeface="Cambria Math" panose="02040503050406030204" pitchFamily="18" charset="0"/>
                                 </a:rPr>
-                                <m:t>𝑛</m:t>
+                                <m:t>𝑧</m:t>
                               </m:r>
                             </m:e>
                             <m:sub>
                               <m:r>
-                                <a:rPr lang="en-GB" sz="2400" b="0" i="1" smtClean="0">
+                                <a:rPr lang="en-GB" sz="2000" b="0" i="1" smtClean="0">
                                   <a:latin typeface="Cambria Math" panose="02040503050406030204" pitchFamily="18" charset="0"/>
                                 </a:rPr>
                                 <m:t>0</m:t>
                               </m:r>
                             </m:sub>
                           </m:sSub>
-                        </m:e>
-                      </m:d>
-                      <m:r>
-                        <a:rPr lang="en-GB" sz="2400" b="0" i="1" smtClean="0">
-                          <a:latin typeface="Cambria Math" panose="02040503050406030204" pitchFamily="18" charset="0"/>
-                        </a:rPr>
-                        <m:t>𝑊</m:t>
-                      </m:r>
-                      <m:r>
-                        <a:rPr lang="en-GB" sz="2400" b="0" i="1" smtClean="0">
-                          <a:latin typeface="Cambria Math" panose="02040503050406030204" pitchFamily="18" charset="0"/>
-                        </a:rPr>
-                        <m:t>(</m:t>
-                      </m:r>
-                      <m:r>
-                        <a:rPr lang="en-GB" sz="2400" b="1" i="1" smtClean="0">
-                          <a:latin typeface="Cambria Math" panose="02040503050406030204" pitchFamily="18" charset="0"/>
-                        </a:rPr>
-                        <m:t>𝑬</m:t>
-                      </m:r>
-                      <m:r>
-                        <a:rPr lang="en-GB" sz="2400" b="0" i="1" smtClean="0">
-                          <a:latin typeface="Cambria Math" panose="02040503050406030204" pitchFamily="18" charset="0"/>
-                        </a:rPr>
-                        <m:t>)</m:t>
-                      </m:r>
+                        </m:den>
+                      </m:f>
                     </m:oMath>
                   </m:oMathPara>
                 </a14:m>
-                <a:endParaRPr lang="en-GB" dirty="0"/>
+                <a:endParaRPr lang="en-GB" sz="2000" dirty="0"/>
               </a:p>
             </p:txBody>
           </p:sp>
@@ -9432,7 +8076,7 @@
               <p:cNvPr id="8" name="TextBox 7">
                 <a:extLst>
                   <a:ext uri="{FF2B5EF4-FFF2-40B4-BE49-F238E27FC236}">
-                    <a16:creationId xmlns:a16="http://schemas.microsoft.com/office/drawing/2014/main" id="{AB295FF8-16A9-04F7-0403-79AF45A936B8}"/>
+                    <a16:creationId xmlns:a16="http://schemas.microsoft.com/office/drawing/2014/main" id="{3262F18B-715C-93C2-180A-8216503208B0}"/>
                   </a:ext>
                 </a:extLst>
               </p:cNvPr>
@@ -9443,14 +8087,14 @@
             </p:nvSpPr>
             <p:spPr>
               <a:xfrm>
-                <a:off x="3266189" y="4630615"/>
-                <a:ext cx="3175421" cy="702244"/>
+                <a:off x="0" y="4502020"/>
+                <a:ext cx="5813450" cy="669799"/>
               </a:xfrm>
               <a:prstGeom prst="rect">
                 <a:avLst/>
               </a:prstGeom>
               <a:blipFill>
-                <a:blip r:embed="rId6"/>
+                <a:blip r:embed="rId4"/>
                 <a:stretch>
                   <a:fillRect/>
                 </a:stretch>
@@ -9476,7 +8120,7 @@
           <p:cNvPr id="9" name="TextBox 8">
             <a:extLst>
               <a:ext uri="{FF2B5EF4-FFF2-40B4-BE49-F238E27FC236}">
-                <a16:creationId xmlns:a16="http://schemas.microsoft.com/office/drawing/2014/main" id="{8AAFED53-0F37-93CB-053A-0AD19CCA975A}"/>
+                <a16:creationId xmlns:a16="http://schemas.microsoft.com/office/drawing/2014/main" id="{ADF5698D-197D-D1A3-3B95-E2D390412FD0}"/>
               </a:ext>
             </a:extLst>
           </p:cNvPr>
@@ -9485,46 +8129,7 @@
         </p:nvSpPr>
         <p:spPr>
           <a:xfrm>
-            <a:off x="8016700" y="2986732"/>
-            <a:ext cx="526106" cy="461665"/>
-          </a:xfrm>
-          <a:prstGeom prst="rect">
-            <a:avLst/>
-          </a:prstGeom>
-          <a:noFill/>
-        </p:spPr>
-        <p:txBody>
-          <a:bodyPr wrap="none" rtlCol="0">
-            <a:spAutoFit/>
-          </a:bodyPr>
-          <a:lstStyle/>
-          <a:p>
-            <a:r>
-              <a:rPr lang="en-GB" sz="2400" dirty="0">
-                <a:solidFill>
-                  <a:schemeClr val="tx2"/>
-                </a:solidFill>
-              </a:rPr>
-              <a:t>(2)</a:t>
-            </a:r>
-          </a:p>
-        </p:txBody>
-      </p:sp>
-      <p:sp>
-        <p:nvSpPr>
-          <p:cNvPr id="10" name="TextBox 9">
-            <a:extLst>
-              <a:ext uri="{FF2B5EF4-FFF2-40B4-BE49-F238E27FC236}">
-                <a16:creationId xmlns:a16="http://schemas.microsoft.com/office/drawing/2014/main" id="{74674279-F4FD-F1A1-97F8-D85DDF7D08BC}"/>
-              </a:ext>
-            </a:extLst>
-          </p:cNvPr>
-          <p:cNvSpPr txBox="1"/>
-          <p:nvPr/>
-        </p:nvSpPr>
-        <p:spPr>
-          <a:xfrm>
-            <a:off x="10971244" y="3763925"/>
+            <a:off x="5931524" y="4581080"/>
             <a:ext cx="526106" cy="461665"/>
           </a:xfrm>
           <a:prstGeom prst="rect">
@@ -9549,12 +8154,48 @@
           </a:p>
         </p:txBody>
       </p:sp>
+      <p:pic>
+        <p:nvPicPr>
+          <p:cNvPr id="10" name="Picture 9" descr="A red line graph with numbers and a white background&#10;&#10;Description automatically generated">
+            <a:extLst>
+              <a:ext uri="{FF2B5EF4-FFF2-40B4-BE49-F238E27FC236}">
+                <a16:creationId xmlns:a16="http://schemas.microsoft.com/office/drawing/2014/main" id="{DF14568E-5EA9-D585-FD43-8CE94AB7CD47}"/>
+              </a:ext>
+            </a:extLst>
+          </p:cNvPr>
+          <p:cNvPicPr>
+            <a:picLocks noChangeAspect="1"/>
+          </p:cNvPicPr>
+          <p:nvPr/>
+        </p:nvPicPr>
+        <p:blipFill>
+          <a:blip r:embed="rId3" cstate="print">
+            <a:extLst>
+              <a:ext uri="{28A0092B-C50C-407E-A947-70E740481C1C}">
+                <a14:useLocalDpi xmlns:a14="http://schemas.microsoft.com/office/drawing/2010/main" val="0"/>
+              </a:ext>
+            </a:extLst>
+          </a:blip>
+          <a:stretch>
+            <a:fillRect/>
+          </a:stretch>
+        </p:blipFill>
+        <p:spPr>
+          <a:xfrm>
+            <a:off x="7111078" y="3171818"/>
+            <a:ext cx="3840203" cy="2880000"/>
+          </a:xfrm>
+          <a:prstGeom prst="rect">
+            <a:avLst/>
+          </a:prstGeom>
+        </p:spPr>
+      </p:pic>
       <p:sp>
         <p:nvSpPr>
           <p:cNvPr id="11" name="TextBox 10">
             <a:extLst>
               <a:ext uri="{FF2B5EF4-FFF2-40B4-BE49-F238E27FC236}">
-                <a16:creationId xmlns:a16="http://schemas.microsoft.com/office/drawing/2014/main" id="{E59C5847-BF61-A9BD-0898-BF4162666CDF}"/>
+                <a16:creationId xmlns:a16="http://schemas.microsoft.com/office/drawing/2014/main" id="{FC9AAC93-3B5B-522C-9BF0-66C994AD259F}"/>
               </a:ext>
             </a:extLst>
           </p:cNvPr>
@@ -9563,8 +8204,8 @@
         </p:nvSpPr>
         <p:spPr>
           <a:xfrm>
-            <a:off x="8076497" y="4814701"/>
-            <a:ext cx="526106" cy="461665"/>
+            <a:off x="6992807" y="6085338"/>
+            <a:ext cx="4348370" cy="369332"/>
           </a:xfrm>
           <a:prstGeom prst="rect">
             <a:avLst/>
@@ -9578,12 +8219,12 @@
           <a:lstStyle/>
           <a:p>
             <a:r>
-              <a:rPr lang="en-GB" sz="2400" dirty="0">
-                <a:solidFill>
-                  <a:schemeClr val="tx2"/>
-                </a:solidFill>
-              </a:rPr>
-              <a:t>(4)</a:t>
+              <a:rPr lang="en-GB" i="1" dirty="0"/>
+              <a:t>Fig. 3</a:t>
+            </a:r>
+            <a:r>
+              <a:rPr lang="en-GB" dirty="0"/>
+              <a:t>: gradient model of the gas distribution</a:t>
             </a:r>
           </a:p>
         </p:txBody>
@@ -9591,7 +8232,350 @@
     </p:spTree>
     <p:extLst>
       <p:ext uri="{BB962C8B-B14F-4D97-AF65-F5344CB8AC3E}">
-        <p14:creationId xmlns:p14="http://schemas.microsoft.com/office/powerpoint/2010/main" val="624767605"/>
+        <p14:creationId xmlns:p14="http://schemas.microsoft.com/office/powerpoint/2010/main" val="305113823"/>
+      </p:ext>
+    </p:extLst>
+  </p:cSld>
+  <p:clrMapOvr>
+    <a:masterClrMapping/>
+  </p:clrMapOvr>
+</p:sld>
+</file>
+
+<file path=ppt/slides/slide5.xml><?xml version="1.0" encoding="utf-8"?>
+<p:sld xmlns:a="http://schemas.openxmlformats.org/drawingml/2006/main" xmlns:r="http://schemas.openxmlformats.org/officeDocument/2006/relationships" xmlns:p="http://schemas.openxmlformats.org/presentationml/2006/main">
+  <p:cSld>
+    <p:spTree>
+      <p:nvGrpSpPr>
+        <p:cNvPr id="1" name=""/>
+        <p:cNvGrpSpPr/>
+        <p:nvPr/>
+      </p:nvGrpSpPr>
+      <p:grpSpPr>
+        <a:xfrm>
+          <a:off x="0" y="0"/>
+          <a:ext cx="0" cy="0"/>
+          <a:chOff x="0" y="0"/>
+          <a:chExt cx="0" cy="0"/>
+        </a:xfrm>
+      </p:grpSpPr>
+      <p:pic>
+        <p:nvPicPr>
+          <p:cNvPr id="5" name="Content Placeholder 4" descr="A white rectangular frame with blue lines&#10;&#10;Description automatically generated">
+            <a:extLst>
+              <a:ext uri="{FF2B5EF4-FFF2-40B4-BE49-F238E27FC236}">
+                <a16:creationId xmlns:a16="http://schemas.microsoft.com/office/drawing/2014/main" id="{0EBBF7B7-3E9E-6564-002B-A6E433DF2A7E}"/>
+              </a:ext>
+            </a:extLst>
+          </p:cNvPr>
+          <p:cNvPicPr>
+            <a:picLocks noGrp="1" noChangeAspect="1"/>
+          </p:cNvPicPr>
+          <p:nvPr>
+            <p:ph idx="1"/>
+          </p:nvPr>
+        </p:nvPicPr>
+        <p:blipFill>
+          <a:blip r:embed="rId2">
+            <a:extLst>
+              <a:ext uri="{28A0092B-C50C-407E-A947-70E740481C1C}">
+                <a14:useLocalDpi xmlns:a14="http://schemas.microsoft.com/office/drawing/2010/main" val="0"/>
+              </a:ext>
+            </a:extLst>
+          </a:blip>
+          <a:stretch>
+            <a:fillRect/>
+          </a:stretch>
+        </p:blipFill>
+        <p:spPr>
+          <a:xfrm>
+            <a:off x="-130629" y="-44827"/>
+            <a:ext cx="12322629" cy="6947654"/>
+          </a:xfrm>
+        </p:spPr>
+      </p:pic>
+      <p:sp>
+        <p:nvSpPr>
+          <p:cNvPr id="2" name="Title 1">
+            <a:extLst>
+              <a:ext uri="{FF2B5EF4-FFF2-40B4-BE49-F238E27FC236}">
+                <a16:creationId xmlns:a16="http://schemas.microsoft.com/office/drawing/2014/main" id="{23799F4C-4E3C-8AB9-7B07-AA21124CEABE}"/>
+              </a:ext>
+            </a:extLst>
+          </p:cNvPr>
+          <p:cNvSpPr>
+            <a:spLocks noGrp="1"/>
+          </p:cNvSpPr>
+          <p:nvPr>
+            <p:ph type="title"/>
+          </p:nvPr>
+        </p:nvSpPr>
+        <p:spPr>
+          <a:xfrm>
+            <a:off x="455644" y="141192"/>
+            <a:ext cx="10515600" cy="577266"/>
+          </a:xfrm>
+        </p:spPr>
+        <p:txBody>
+          <a:bodyPr>
+            <a:normAutofit fontScale="90000"/>
+          </a:bodyPr>
+          <a:lstStyle/>
+          <a:p>
+            <a:r>
+              <a:rPr lang="en-US" b="1" spc="-1" dirty="0">
+                <a:solidFill>
+                  <a:srgbClr val="009FDF"/>
+                </a:solidFill>
+                <a:latin typeface="Arial"/>
+              </a:rPr>
+              <a:t>4</a:t>
+            </a:r>
+            <a:r>
+              <a:rPr lang="en-US" b="1" strike="noStrike" spc="-1" dirty="0">
+                <a:solidFill>
+                  <a:srgbClr val="009FDF"/>
+                </a:solidFill>
+                <a:latin typeface="Arial"/>
+              </a:rPr>
+              <a:t>.I Comparison with experiment</a:t>
+            </a:r>
+            <a:endParaRPr lang="en-GB" dirty="0"/>
+          </a:p>
+        </p:txBody>
+      </p:sp>
+      <p:sp>
+        <p:nvSpPr>
+          <p:cNvPr id="6" name="Slide Number Placeholder 5">
+            <a:extLst>
+              <a:ext uri="{FF2B5EF4-FFF2-40B4-BE49-F238E27FC236}">
+                <a16:creationId xmlns:a16="http://schemas.microsoft.com/office/drawing/2014/main" id="{BAFACB1C-C8EF-DE7D-CF6B-A6DC324A47A3}"/>
+              </a:ext>
+            </a:extLst>
+          </p:cNvPr>
+          <p:cNvSpPr>
+            <a:spLocks noGrp="1"/>
+          </p:cNvSpPr>
+          <p:nvPr>
+            <p:ph type="sldNum" sz="quarter" idx="12"/>
+          </p:nvPr>
+        </p:nvSpPr>
+        <p:spPr>
+          <a:xfrm>
+            <a:off x="11541966" y="6537702"/>
+            <a:ext cx="511629" cy="365125"/>
+          </a:xfrm>
+        </p:spPr>
+        <p:txBody>
+          <a:bodyPr/>
+          <a:lstStyle/>
+          <a:p>
+            <a:fld id="{54D89579-D9F6-47AA-A878-E5ECDBCBE9C9}" type="slidenum">
+              <a:rPr lang="en-GB" b="1" smtClean="0"/>
+              <a:t>5</a:t>
+            </a:fld>
+            <a:endParaRPr lang="en-GB" b="1" dirty="0"/>
+          </a:p>
+        </p:txBody>
+      </p:sp>
+      <p:pic>
+        <p:nvPicPr>
+          <p:cNvPr id="8" name="Picture 7" descr="A graph of a graph of a number of objects&#10;&#10;Description automatically generated with medium confidence">
+            <a:extLst>
+              <a:ext uri="{FF2B5EF4-FFF2-40B4-BE49-F238E27FC236}">
+                <a16:creationId xmlns:a16="http://schemas.microsoft.com/office/drawing/2014/main" id="{BD2AC6A6-E8C7-C682-4568-EFC3956227EE}"/>
+              </a:ext>
+            </a:extLst>
+          </p:cNvPr>
+          <p:cNvPicPr>
+            <a:picLocks noChangeAspect="1"/>
+          </p:cNvPicPr>
+          <p:nvPr/>
+        </p:nvPicPr>
+        <p:blipFill>
+          <a:blip r:embed="rId3" cstate="print">
+            <a:extLst>
+              <a:ext uri="{28A0092B-C50C-407E-A947-70E740481C1C}">
+                <a14:useLocalDpi xmlns:a14="http://schemas.microsoft.com/office/drawing/2010/main" val="0"/>
+              </a:ext>
+            </a:extLst>
+          </a:blip>
+          <a:stretch>
+            <a:fillRect/>
+          </a:stretch>
+        </p:blipFill>
+        <p:spPr>
+          <a:xfrm>
+            <a:off x="6123" y="1425182"/>
+            <a:ext cx="5759817" cy="4319634"/>
+          </a:xfrm>
+          <a:prstGeom prst="rect">
+            <a:avLst/>
+          </a:prstGeom>
+        </p:spPr>
+      </p:pic>
+      <p:sp>
+        <p:nvSpPr>
+          <p:cNvPr id="4" name="TextBox 3">
+            <a:extLst>
+              <a:ext uri="{FF2B5EF4-FFF2-40B4-BE49-F238E27FC236}">
+                <a16:creationId xmlns:a16="http://schemas.microsoft.com/office/drawing/2014/main" id="{1C2B0A77-FD3F-2A6E-8F76-23CB915FC3D0}"/>
+              </a:ext>
+            </a:extLst>
+          </p:cNvPr>
+          <p:cNvSpPr txBox="1"/>
+          <p:nvPr/>
+        </p:nvSpPr>
+        <p:spPr>
+          <a:xfrm>
+            <a:off x="455643" y="1032043"/>
+            <a:ext cx="10221882" cy="830997"/>
+          </a:xfrm>
+          <a:prstGeom prst="rect">
+            <a:avLst/>
+          </a:prstGeom>
+          <a:noFill/>
+        </p:spPr>
+        <p:txBody>
+          <a:bodyPr wrap="square">
+            <a:spAutoFit/>
+          </a:bodyPr>
+          <a:lstStyle/>
+          <a:p>
+            <a:pPr marL="0" indent="0">
+              <a:buNone/>
+            </a:pPr>
+            <a:r>
+              <a:rPr lang="en-GB" sz="2400" dirty="0"/>
+              <a:t>Accounting for pressure scale differences (factor 2.5), the simulated UV spectra agree well with experiment:</a:t>
+            </a:r>
+          </a:p>
+        </p:txBody>
+      </p:sp>
+      <p:sp>
+        <p:nvSpPr>
+          <p:cNvPr id="9" name="TextBox 8">
+            <a:extLst>
+              <a:ext uri="{FF2B5EF4-FFF2-40B4-BE49-F238E27FC236}">
+                <a16:creationId xmlns:a16="http://schemas.microsoft.com/office/drawing/2014/main" id="{F749BB1A-6E09-5CCD-2502-7691F53BBE9D}"/>
+              </a:ext>
+            </a:extLst>
+          </p:cNvPr>
+          <p:cNvSpPr txBox="1"/>
+          <p:nvPr/>
+        </p:nvSpPr>
+        <p:spPr>
+          <a:xfrm>
+            <a:off x="407880" y="5777465"/>
+            <a:ext cx="4716419" cy="646331"/>
+          </a:xfrm>
+          <a:prstGeom prst="rect">
+            <a:avLst/>
+          </a:prstGeom>
+          <a:noFill/>
+        </p:spPr>
+        <p:txBody>
+          <a:bodyPr wrap="none" rtlCol="0">
+            <a:spAutoFit/>
+          </a:bodyPr>
+          <a:lstStyle/>
+          <a:p>
+            <a:r>
+              <a:rPr lang="en-GB" i="1" dirty="0"/>
+              <a:t>Fig. 4</a:t>
+            </a:r>
+            <a:r>
+              <a:rPr lang="en-GB" dirty="0"/>
+              <a:t>: UV output spectra for Argon with 150mW</a:t>
+            </a:r>
+          </a:p>
+          <a:p>
+            <a:r>
+              <a:rPr lang="en-GB" dirty="0"/>
+              <a:t>input beam power and 0.4bar central pressure</a:t>
+            </a:r>
+          </a:p>
+        </p:txBody>
+      </p:sp>
+      <p:sp>
+        <p:nvSpPr>
+          <p:cNvPr id="10" name="TextBox 9">
+            <a:extLst>
+              <a:ext uri="{FF2B5EF4-FFF2-40B4-BE49-F238E27FC236}">
+                <a16:creationId xmlns:a16="http://schemas.microsoft.com/office/drawing/2014/main" id="{EC48E844-5558-4418-50A6-5797265F6034}"/>
+              </a:ext>
+            </a:extLst>
+          </p:cNvPr>
+          <p:cNvSpPr txBox="1"/>
+          <p:nvPr/>
+        </p:nvSpPr>
+        <p:spPr>
+          <a:xfrm>
+            <a:off x="6355445" y="5758952"/>
+            <a:ext cx="4903105" cy="646331"/>
+          </a:xfrm>
+          <a:prstGeom prst="rect">
+            <a:avLst/>
+          </a:prstGeom>
+          <a:noFill/>
+        </p:spPr>
+        <p:txBody>
+          <a:bodyPr wrap="square" rtlCol="0">
+            <a:spAutoFit/>
+          </a:bodyPr>
+          <a:lstStyle/>
+          <a:p>
+            <a:r>
+              <a:rPr lang="en-GB" i="1" dirty="0"/>
+              <a:t>Fig. 5</a:t>
+            </a:r>
+            <a:r>
+              <a:rPr lang="en-GB" dirty="0"/>
+              <a:t>: UV output spectra for Neon with 400mW input beam power and 2.0bar central pressure</a:t>
+            </a:r>
+          </a:p>
+        </p:txBody>
+      </p:sp>
+      <p:pic>
+        <p:nvPicPr>
+          <p:cNvPr id="3" name="Picture 2" descr="A graph of a graph of a number of objects&#10;&#10;Description automatically generated with medium confidence">
+            <a:extLst>
+              <a:ext uri="{FF2B5EF4-FFF2-40B4-BE49-F238E27FC236}">
+                <a16:creationId xmlns:a16="http://schemas.microsoft.com/office/drawing/2014/main" id="{6AF3EAD6-14C4-C789-DCDD-EA217B0FE865}"/>
+              </a:ext>
+            </a:extLst>
+          </p:cNvPr>
+          <p:cNvPicPr>
+            <a:picLocks noChangeAspect="1"/>
+          </p:cNvPicPr>
+          <p:nvPr/>
+        </p:nvPicPr>
+        <p:blipFill>
+          <a:blip r:embed="rId3" cstate="print">
+            <a:extLst>
+              <a:ext uri="{28A0092B-C50C-407E-A947-70E740481C1C}">
+                <a14:useLocalDpi xmlns:a14="http://schemas.microsoft.com/office/drawing/2010/main" val="0"/>
+              </a:ext>
+            </a:extLst>
+          </a:blip>
+          <a:stretch>
+            <a:fillRect/>
+          </a:stretch>
+        </p:blipFill>
+        <p:spPr>
+          <a:xfrm>
+            <a:off x="5820200" y="1419764"/>
+            <a:ext cx="5759817" cy="4319634"/>
+          </a:xfrm>
+          <a:prstGeom prst="rect">
+            <a:avLst/>
+          </a:prstGeom>
+        </p:spPr>
+      </p:pic>
+    </p:spTree>
+    <p:extLst>
+      <p:ext uri="{BB962C8B-B14F-4D97-AF65-F5344CB8AC3E}">
+        <p14:creationId xmlns:p14="http://schemas.microsoft.com/office/powerpoint/2010/main" val="2431183386"/>
       </p:ext>
     </p:extLst>
   </p:cSld>
@@ -9648,7 +8632,7 @@
         </p:blipFill>
         <p:spPr>
           <a:xfrm>
-            <a:off x="-130629" y="-54158"/>
+            <a:off x="-130629" y="-44827"/>
             <a:ext cx="12322629" cy="6947654"/>
           </a:xfrm>
         </p:spPr>
@@ -9688,7 +8672,7 @@
                 </a:solidFill>
                 <a:latin typeface="Arial"/>
               </a:rPr>
-              <a:t>3</a:t>
+              <a:t>4</a:t>
             </a:r>
             <a:r>
               <a:rPr lang="en-US" b="1" strike="noStrike" spc="-1" dirty="0">
@@ -9697,16 +8681,7 @@
                 </a:solidFill>
                 <a:latin typeface="Arial"/>
               </a:rPr>
-              <a:t>. </a:t>
-            </a:r>
-            <a:r>
-              <a:rPr lang="en-US" b="1" spc="-1" dirty="0">
-                <a:solidFill>
-                  <a:srgbClr val="009FDF"/>
-                </a:solidFill>
-                <a:latin typeface="Arial"/>
-              </a:rPr>
-              <a:t>Simulation inputs</a:t>
+              <a:t>.I Comparison with experiment</a:t>
             </a:r>
             <a:endParaRPr lang="en-GB" dirty="0"/>
           </a:p>
@@ -9730,7 +8705,7 @@
         </p:nvSpPr>
         <p:spPr>
           <a:xfrm>
-            <a:off x="11569959" y="6509709"/>
+            <a:off x="11541966" y="6537702"/>
             <a:ext cx="511629" cy="365125"/>
           </a:xfrm>
         </p:spPr>
@@ -9739,133 +8714,19 @@
           <a:lstStyle/>
           <a:p>
             <a:fld id="{54D89579-D9F6-47AA-A878-E5ECDBCBE9C9}" type="slidenum">
-              <a:rPr lang="en-GB" sz="1400" b="1" smtClean="0">
-                <a:solidFill>
-                  <a:schemeClr val="tx1"/>
-                </a:solidFill>
-              </a:rPr>
+              <a:rPr lang="en-GB" b="1" smtClean="0"/>
               <a:t>6</a:t>
             </a:fld>
-            <a:endParaRPr lang="en-GB" sz="1400" b="1" dirty="0">
-              <a:solidFill>
-                <a:schemeClr val="tx1"/>
-              </a:solidFill>
-            </a:endParaRPr>
-          </a:p>
-        </p:txBody>
-      </p:sp>
-      <p:sp>
-        <p:nvSpPr>
-          <p:cNvPr id="3" name="TextBox 2">
-            <a:extLst>
-              <a:ext uri="{FF2B5EF4-FFF2-40B4-BE49-F238E27FC236}">
-                <a16:creationId xmlns:a16="http://schemas.microsoft.com/office/drawing/2014/main" id="{EF5B5C5F-C46B-1802-3591-D41672ECEFD7}"/>
-              </a:ext>
-            </a:extLst>
-          </p:cNvPr>
-          <p:cNvSpPr txBox="1"/>
-          <p:nvPr/>
-        </p:nvSpPr>
-        <p:spPr>
-          <a:xfrm>
-            <a:off x="222379" y="1176830"/>
-            <a:ext cx="5721221" cy="5539978"/>
-          </a:xfrm>
-          <a:prstGeom prst="rect">
-            <a:avLst/>
-          </a:prstGeom>
-          <a:noFill/>
-        </p:spPr>
-        <p:txBody>
-          <a:bodyPr wrap="square" rtlCol="0">
-            <a:spAutoFit/>
-          </a:bodyPr>
-          <a:lstStyle/>
-          <a:p>
-            <a:pPr marL="285750" indent="-285750">
-              <a:buFont typeface="Arial" panose="020B0604020202020204" pitchFamily="34" charset="0"/>
-              <a:buChar char="•"/>
-            </a:pPr>
-            <a:r>
-              <a:rPr lang="en-GB" sz="2400" dirty="0"/>
-              <a:t>The simulation input was based on measured data, as far as possible:</a:t>
-            </a:r>
-          </a:p>
-          <a:p>
-            <a:pPr marL="742950" lvl="1" indent="-285750">
-              <a:buFont typeface="Arial" panose="020B0604020202020204" pitchFamily="34" charset="0"/>
-              <a:buChar char="•"/>
-            </a:pPr>
-            <a:r>
-              <a:rPr lang="en-GB" sz="2400" dirty="0"/>
-              <a:t>Time-intensity data of the IR input beam (based on FROG) was fed in</a:t>
-            </a:r>
-          </a:p>
-          <a:p>
-            <a:pPr marL="742950" lvl="1" indent="-285750">
-              <a:buFont typeface="Arial" panose="020B0604020202020204" pitchFamily="34" charset="0"/>
-              <a:buChar char="•"/>
-            </a:pPr>
-            <a:r>
-              <a:rPr lang="en-GB" sz="2400" dirty="0"/>
-              <a:t>The spatial profile of the input beam was assumed to be a Gaussian with beam waist 65</a:t>
-            </a:r>
-            <a:r>
-              <a:rPr lang="el-GR" sz="2400" dirty="0"/>
-              <a:t>μ</a:t>
-            </a:r>
-            <a:r>
-              <a:rPr lang="en-GB" sz="2400" dirty="0"/>
-              <a:t>m (based on measurement)</a:t>
-            </a:r>
-          </a:p>
-          <a:p>
-            <a:pPr marL="742950" lvl="1" indent="-285750">
-              <a:buFont typeface="Arial" panose="020B0604020202020204" pitchFamily="34" charset="0"/>
-              <a:buChar char="•"/>
-            </a:pPr>
-            <a:r>
-              <a:rPr lang="en-GB" sz="2400" dirty="0"/>
-              <a:t>The gas density profile was based on COMSOL simulations of the gas cell (carried out by </a:t>
-            </a:r>
-            <a:r>
-              <a:rPr lang="en-GB" sz="2400" dirty="0" err="1"/>
-              <a:t>Josina</a:t>
-            </a:r>
-            <a:r>
-              <a:rPr lang="en-GB" sz="2400" dirty="0"/>
-              <a:t> Hahne and Agata </a:t>
-            </a:r>
-            <a:r>
-              <a:rPr lang="en-GB" sz="2400" dirty="0" err="1"/>
-              <a:t>Azzolin</a:t>
-            </a:r>
-            <a:r>
-              <a:rPr lang="en-GB" sz="2400" dirty="0"/>
-              <a:t>)</a:t>
-            </a:r>
-          </a:p>
-          <a:p>
-            <a:pPr marL="285750" indent="-285750">
-              <a:buFont typeface="Arial" panose="020B0604020202020204" pitchFamily="34" charset="0"/>
-              <a:buChar char="•"/>
-            </a:pPr>
-            <a:r>
-              <a:rPr lang="en-GB" sz="2400" dirty="0"/>
-              <a:t>A variety of input parameters were considered (e.g. chirp, CEP,…)</a:t>
-            </a:r>
-          </a:p>
-          <a:p>
-            <a:endParaRPr lang="en-GB" dirty="0"/>
+            <a:endParaRPr lang="en-GB" b="1" dirty="0"/>
           </a:p>
         </p:txBody>
       </p:sp>
       <p:pic>
         <p:nvPicPr>
-          <p:cNvPr id="4" name="Picture 3" descr="A red line graph with numbers and a white background&#10;&#10;Description automatically generated">
-            <a:extLst>
-              <a:ext uri="{FF2B5EF4-FFF2-40B4-BE49-F238E27FC236}">
-                <a16:creationId xmlns:a16="http://schemas.microsoft.com/office/drawing/2014/main" id="{EF0D2CAA-F022-232D-652C-C21726EE6FAF}"/>
+          <p:cNvPr id="8" name="Picture 7" descr="A graph of a graph of a number of objects&#10;&#10;Description automatically generated with medium confidence">
+            <a:extLst>
+              <a:ext uri="{FF2B5EF4-FFF2-40B4-BE49-F238E27FC236}">
+                <a16:creationId xmlns:a16="http://schemas.microsoft.com/office/drawing/2014/main" id="{BD2AC6A6-E8C7-C682-4568-EFC3956227EE}"/>
               </a:ext>
             </a:extLst>
           </p:cNvPr>
@@ -9888,7 +8749,7 @@
         </p:blipFill>
         <p:spPr>
           <a:xfrm>
-            <a:off x="6426420" y="1084018"/>
+            <a:off x="6123" y="1425182"/>
             <a:ext cx="5759817" cy="4319634"/>
           </a:xfrm>
           <a:prstGeom prst="rect">
@@ -9896,12 +8757,48 @@
           </a:prstGeom>
         </p:spPr>
       </p:pic>
-      <p:sp>
-        <p:nvSpPr>
-          <p:cNvPr id="7" name="TextBox 6">
-            <a:extLst>
-              <a:ext uri="{FF2B5EF4-FFF2-40B4-BE49-F238E27FC236}">
-                <a16:creationId xmlns:a16="http://schemas.microsoft.com/office/drawing/2014/main" id="{A0D577D9-3CA5-5E66-A262-993613DB7583}"/>
+      <p:pic>
+        <p:nvPicPr>
+          <p:cNvPr id="7" name="Picture 6" descr="A graph of a graph with red and blue dots&#10;&#10;Description automatically generated">
+            <a:extLst>
+              <a:ext uri="{FF2B5EF4-FFF2-40B4-BE49-F238E27FC236}">
+                <a16:creationId xmlns:a16="http://schemas.microsoft.com/office/drawing/2014/main" id="{4046BAA1-D72F-426E-941B-D3496A9212CE}"/>
+              </a:ext>
+            </a:extLst>
+          </p:cNvPr>
+          <p:cNvPicPr>
+            <a:picLocks noChangeAspect="1"/>
+          </p:cNvPicPr>
+          <p:nvPr/>
+        </p:nvPicPr>
+        <p:blipFill>
+          <a:blip r:embed="rId4" cstate="print">
+            <a:extLst>
+              <a:ext uri="{28A0092B-C50C-407E-A947-70E740481C1C}">
+                <a14:useLocalDpi xmlns:a14="http://schemas.microsoft.com/office/drawing/2010/main" val="0"/>
+              </a:ext>
+            </a:extLst>
+          </a:blip>
+          <a:stretch>
+            <a:fillRect/>
+          </a:stretch>
+        </p:blipFill>
+        <p:spPr>
+          <a:xfrm>
+            <a:off x="6023703" y="1425182"/>
+            <a:ext cx="5759817" cy="4319634"/>
+          </a:xfrm>
+          <a:prstGeom prst="rect">
+            <a:avLst/>
+          </a:prstGeom>
+        </p:spPr>
+      </p:pic>
+      <p:sp>
+        <p:nvSpPr>
+          <p:cNvPr id="4" name="TextBox 3">
+            <a:extLst>
+              <a:ext uri="{FF2B5EF4-FFF2-40B4-BE49-F238E27FC236}">
+                <a16:creationId xmlns:a16="http://schemas.microsoft.com/office/drawing/2014/main" id="{1C2B0A77-FD3F-2A6E-8F76-23CB915FC3D0}"/>
               </a:ext>
             </a:extLst>
           </p:cNvPr>
@@ -9910,8 +8807,8 @@
         </p:nvSpPr>
         <p:spPr>
           <a:xfrm>
-            <a:off x="7274697" y="5448060"/>
-            <a:ext cx="4249881" cy="369332"/>
+            <a:off x="455643" y="1032043"/>
+            <a:ext cx="8790993" cy="830997"/>
           </a:xfrm>
           <a:prstGeom prst="rect">
             <a:avLst/>
@@ -9919,6 +8816,44 @@
           <a:noFill/>
         </p:spPr>
         <p:txBody>
+          <a:bodyPr wrap="square">
+            <a:spAutoFit/>
+          </a:bodyPr>
+          <a:lstStyle/>
+          <a:p>
+            <a:pPr marL="0" indent="0">
+              <a:buNone/>
+            </a:pPr>
+            <a:r>
+              <a:rPr lang="en-GB" sz="2400" dirty="0"/>
+              <a:t>Using rescaled pressures, simulated UV energies qualitatively agree with experiments, although values differ by a factor of 10:</a:t>
+            </a:r>
+          </a:p>
+        </p:txBody>
+      </p:sp>
+      <p:sp>
+        <p:nvSpPr>
+          <p:cNvPr id="9" name="TextBox 8">
+            <a:extLst>
+              <a:ext uri="{FF2B5EF4-FFF2-40B4-BE49-F238E27FC236}">
+                <a16:creationId xmlns:a16="http://schemas.microsoft.com/office/drawing/2014/main" id="{F749BB1A-6E09-5CCD-2502-7691F53BBE9D}"/>
+              </a:ext>
+            </a:extLst>
+          </p:cNvPr>
+          <p:cNvSpPr txBox="1"/>
+          <p:nvPr/>
+        </p:nvSpPr>
+        <p:spPr>
+          <a:xfrm>
+            <a:off x="407880" y="5777465"/>
+            <a:ext cx="4825424" cy="646331"/>
+          </a:xfrm>
+          <a:prstGeom prst="rect">
+            <a:avLst/>
+          </a:prstGeom>
+          <a:noFill/>
+        </p:spPr>
+        <p:txBody>
           <a:bodyPr wrap="none" rtlCol="0">
             <a:spAutoFit/>
           </a:bodyPr>
@@ -9926,11 +8861,62 @@
           <a:p>
             <a:r>
               <a:rPr lang="en-GB" i="1" dirty="0"/>
-              <a:t>Fig. X</a:t>
+              <a:t>Fig. 6</a:t>
             </a:r>
             <a:r>
               <a:rPr lang="en-GB" dirty="0"/>
-              <a:t>: IR input pulse in the time domain</a:t>
+              <a:t>: UV output energies for Argon with 150mW</a:t>
+            </a:r>
+          </a:p>
+          <a:p>
+            <a:r>
+              <a:rPr lang="en-GB" dirty="0"/>
+              <a:t>input beam power</a:t>
+            </a:r>
+          </a:p>
+        </p:txBody>
+      </p:sp>
+      <p:sp>
+        <p:nvSpPr>
+          <p:cNvPr id="10" name="TextBox 9">
+            <a:extLst>
+              <a:ext uri="{FF2B5EF4-FFF2-40B4-BE49-F238E27FC236}">
+                <a16:creationId xmlns:a16="http://schemas.microsoft.com/office/drawing/2014/main" id="{EC48E844-5558-4418-50A6-5797265F6034}"/>
+              </a:ext>
+            </a:extLst>
+          </p:cNvPr>
+          <p:cNvSpPr txBox="1"/>
+          <p:nvPr/>
+        </p:nvSpPr>
+        <p:spPr>
+          <a:xfrm>
+            <a:off x="6355445" y="5758952"/>
+            <a:ext cx="4772460" cy="646331"/>
+          </a:xfrm>
+          <a:prstGeom prst="rect">
+            <a:avLst/>
+          </a:prstGeom>
+          <a:noFill/>
+        </p:spPr>
+        <p:txBody>
+          <a:bodyPr wrap="none" rtlCol="0">
+            <a:spAutoFit/>
+          </a:bodyPr>
+          <a:lstStyle/>
+          <a:p>
+            <a:r>
+              <a:rPr lang="en-GB" i="1" dirty="0"/>
+              <a:t>Fig. 7</a:t>
+            </a:r>
+            <a:r>
+              <a:rPr lang="en-GB" dirty="0"/>
+              <a:t>: UV output energies for Neon with 400mW</a:t>
+            </a:r>
+          </a:p>
+          <a:p>
+            <a:r>
+              <a:rPr lang="en-GB" dirty="0"/>
+              <a:t>input beam power</a:t>
             </a:r>
           </a:p>
         </p:txBody>
@@ -9938,7 +8924,7 @@
     </p:spTree>
     <p:extLst>
       <p:ext uri="{BB962C8B-B14F-4D97-AF65-F5344CB8AC3E}">
-        <p14:creationId xmlns:p14="http://schemas.microsoft.com/office/powerpoint/2010/main" val="305113823"/>
+        <p14:creationId xmlns:p14="http://schemas.microsoft.com/office/powerpoint/2010/main" val="909451827"/>
       </p:ext>
     </p:extLst>
   </p:cSld>
@@ -10018,8 +9004,8 @@
         </p:nvSpPr>
         <p:spPr>
           <a:xfrm>
-            <a:off x="455644" y="141192"/>
-            <a:ext cx="10515600" cy="577266"/>
+            <a:off x="357020" y="200359"/>
+            <a:ext cx="8609698" cy="577266"/>
           </a:xfrm>
         </p:spPr>
         <p:txBody>
@@ -10084,50 +9070,12 @@
           </a:p>
         </p:txBody>
       </p:sp>
-      <p:sp>
-        <p:nvSpPr>
-          <p:cNvPr id="4" name="TextBox 3">
-            <a:extLst>
-              <a:ext uri="{FF2B5EF4-FFF2-40B4-BE49-F238E27FC236}">
-                <a16:creationId xmlns:a16="http://schemas.microsoft.com/office/drawing/2014/main" id="{1C2B0A77-FD3F-2A6E-8F76-23CB915FC3D0}"/>
-              </a:ext>
-            </a:extLst>
-          </p:cNvPr>
-          <p:cNvSpPr txBox="1"/>
-          <p:nvPr/>
-        </p:nvSpPr>
-        <p:spPr>
-          <a:xfrm>
-            <a:off x="455643" y="1032043"/>
-            <a:ext cx="8790993" cy="461665"/>
-          </a:xfrm>
-          <a:prstGeom prst="rect">
-            <a:avLst/>
-          </a:prstGeom>
-          <a:noFill/>
-        </p:spPr>
-        <p:txBody>
-          <a:bodyPr wrap="square">
-            <a:spAutoFit/>
-          </a:bodyPr>
-          <a:lstStyle/>
-          <a:p>
-            <a:pPr marL="0" indent="0">
-              <a:buNone/>
-            </a:pPr>
-            <a:r>
-              <a:rPr lang="en-GB" sz="2400" dirty="0"/>
-              <a:t>The simulated UV spectra and energies agree well with experiment:</a:t>
-            </a:r>
-          </a:p>
-        </p:txBody>
-      </p:sp>
       <p:pic>
         <p:nvPicPr>
-          <p:cNvPr id="7" name="Picture 6" descr="A graph of a graph with red and blue dots&#10;&#10;Description automatically generated">
-            <a:extLst>
-              <a:ext uri="{FF2B5EF4-FFF2-40B4-BE49-F238E27FC236}">
-                <a16:creationId xmlns:a16="http://schemas.microsoft.com/office/drawing/2014/main" id="{4046BAA1-D72F-426E-941B-D3496A9212CE}"/>
+          <p:cNvPr id="3" name="Picture 2" descr="A chart of a graph&#10;&#10;Description automatically generated with medium confidence">
+            <a:extLst>
+              <a:ext uri="{FF2B5EF4-FFF2-40B4-BE49-F238E27FC236}">
+                <a16:creationId xmlns:a16="http://schemas.microsoft.com/office/drawing/2014/main" id="{910C10AE-7DE5-EB40-4FE1-D8541DF1F620}"/>
               </a:ext>
             </a:extLst>
           </p:cNvPr>
@@ -10150,8 +9098,8 @@
         </p:blipFill>
         <p:spPr>
           <a:xfrm>
-            <a:off x="6023703" y="1406520"/>
-            <a:ext cx="5759817" cy="4319634"/>
+            <a:off x="4152832" y="3545730"/>
+            <a:ext cx="3840203" cy="2880000"/>
           </a:xfrm>
           <a:prstGeom prst="rect">
             <a:avLst/>
@@ -10160,10 +9108,10 @@
       </p:pic>
       <p:pic>
         <p:nvPicPr>
-          <p:cNvPr id="8" name="Picture 7" descr="A graph of a graph of a number of objects&#10;&#10;Description automatically generated with medium confidence">
-            <a:extLst>
-              <a:ext uri="{FF2B5EF4-FFF2-40B4-BE49-F238E27FC236}">
-                <a16:creationId xmlns:a16="http://schemas.microsoft.com/office/drawing/2014/main" id="{BD2AC6A6-E8C7-C682-4568-EFC3956227EE}"/>
+          <p:cNvPr id="4" name="Content Placeholder 9" descr="A close-up of a graph&#10;&#10;Description automatically generated">
+            <a:extLst>
+              <a:ext uri="{FF2B5EF4-FFF2-40B4-BE49-F238E27FC236}">
+                <a16:creationId xmlns:a16="http://schemas.microsoft.com/office/drawing/2014/main" id="{2784F23D-05F5-E750-53D1-BC928CD95378}"/>
               </a:ext>
             </a:extLst>
           </p:cNvPr>
@@ -10186,8 +9134,8 @@
         </p:blipFill>
         <p:spPr>
           <a:xfrm>
-            <a:off x="6123" y="1406520"/>
-            <a:ext cx="5759817" cy="4319634"/>
+            <a:off x="4173248" y="851656"/>
+            <a:ext cx="3840203" cy="2880000"/>
           </a:xfrm>
           <a:prstGeom prst="rect">
             <a:avLst/>
@@ -10196,10 +9144,10 @@
       </p:pic>
       <p:sp>
         <p:nvSpPr>
-          <p:cNvPr id="9" name="TextBox 8">
-            <a:extLst>
-              <a:ext uri="{FF2B5EF4-FFF2-40B4-BE49-F238E27FC236}">
-                <a16:creationId xmlns:a16="http://schemas.microsoft.com/office/drawing/2014/main" id="{F749BB1A-6E09-5CCD-2502-7691F53BBE9D}"/>
+          <p:cNvPr id="7" name="TextBox 6">
+            <a:extLst>
+              <a:ext uri="{FF2B5EF4-FFF2-40B4-BE49-F238E27FC236}">
+                <a16:creationId xmlns:a16="http://schemas.microsoft.com/office/drawing/2014/main" id="{0A7C7B95-C893-4E86-2AD5-910D521A44B1}"/>
               </a:ext>
             </a:extLst>
           </p:cNvPr>
@@ -10208,8 +9156,8 @@
         </p:nvSpPr>
         <p:spPr>
           <a:xfrm>
-            <a:off x="407880" y="5777465"/>
-            <a:ext cx="5096332" cy="646331"/>
+            <a:off x="1011719" y="4597373"/>
+            <a:ext cx="3317685" cy="1754326"/>
           </a:xfrm>
           <a:prstGeom prst="rect">
             <a:avLst/>
@@ -10217,34 +9165,100 @@
           <a:noFill/>
         </p:spPr>
         <p:txBody>
-          <a:bodyPr wrap="none" rtlCol="0">
+          <a:bodyPr wrap="square" rtlCol="0">
             <a:spAutoFit/>
           </a:bodyPr>
           <a:lstStyle/>
           <a:p>
             <a:r>
               <a:rPr lang="en-GB" i="1" dirty="0"/>
-              <a:t>Fig. X</a:t>
+              <a:t>Fig. 8</a:t>
             </a:r>
             <a:r>
               <a:rPr lang="en-GB" dirty="0"/>
-              <a:t>: UV output spectra for Argon with 150mW</a:t>
-            </a:r>
-          </a:p>
-          <a:p>
-            <a:r>
-              <a:rPr lang="en-GB" dirty="0"/>
-              <a:t>input beam power and 0.4bar central pressure</a:t>
-            </a:r>
-          </a:p>
-        </p:txBody>
-      </p:sp>
-      <p:sp>
-        <p:nvSpPr>
-          <p:cNvPr id="10" name="TextBox 9">
-            <a:extLst>
-              <a:ext uri="{FF2B5EF4-FFF2-40B4-BE49-F238E27FC236}">
-                <a16:creationId xmlns:a16="http://schemas.microsoft.com/office/drawing/2014/main" id="{EC48E844-5558-4418-50A6-5797265F6034}"/>
+              <a:t>: UV output spectra at different central pressures. Left column: Argon (150mW), right column: Neon (400mW). Upper row: simulations, bottom row: measurements</a:t>
+            </a:r>
+          </a:p>
+        </p:txBody>
+      </p:sp>
+      <p:pic>
+        <p:nvPicPr>
+          <p:cNvPr id="10" name="Picture 9" descr="A chart of a graph&#10;&#10;Description automatically generated with medium confidence">
+            <a:extLst>
+              <a:ext uri="{FF2B5EF4-FFF2-40B4-BE49-F238E27FC236}">
+                <a16:creationId xmlns:a16="http://schemas.microsoft.com/office/drawing/2014/main" id="{EEFD7216-3545-C4C2-7779-B9098F6C91FA}"/>
+              </a:ext>
+            </a:extLst>
+          </p:cNvPr>
+          <p:cNvPicPr>
+            <a:picLocks noChangeAspect="1"/>
+          </p:cNvPicPr>
+          <p:nvPr/>
+        </p:nvPicPr>
+        <p:blipFill>
+          <a:blip r:embed="rId3" cstate="print">
+            <a:extLst>
+              <a:ext uri="{28A0092B-C50C-407E-A947-70E740481C1C}">
+                <a14:useLocalDpi xmlns:a14="http://schemas.microsoft.com/office/drawing/2010/main" val="0"/>
+              </a:ext>
+            </a:extLst>
+          </a:blip>
+          <a:stretch>
+            <a:fillRect/>
+          </a:stretch>
+        </p:blipFill>
+        <p:spPr>
+          <a:xfrm>
+            <a:off x="8013451" y="3471699"/>
+            <a:ext cx="3840203" cy="2880000"/>
+          </a:xfrm>
+          <a:prstGeom prst="rect">
+            <a:avLst/>
+          </a:prstGeom>
+        </p:spPr>
+      </p:pic>
+      <p:pic>
+        <p:nvPicPr>
+          <p:cNvPr id="11" name="Content Placeholder 9" descr="A close-up of a graph&#10;&#10;Description automatically generated">
+            <a:extLst>
+              <a:ext uri="{FF2B5EF4-FFF2-40B4-BE49-F238E27FC236}">
+                <a16:creationId xmlns:a16="http://schemas.microsoft.com/office/drawing/2014/main" id="{044BF310-D33C-E7D6-76CB-0CC5B67B8D50}"/>
+              </a:ext>
+            </a:extLst>
+          </p:cNvPr>
+          <p:cNvPicPr>
+            <a:picLocks noChangeAspect="1"/>
+          </p:cNvPicPr>
+          <p:nvPr/>
+        </p:nvPicPr>
+        <p:blipFill>
+          <a:blip r:embed="rId4" cstate="print">
+            <a:extLst>
+              <a:ext uri="{28A0092B-C50C-407E-A947-70E740481C1C}">
+                <a14:useLocalDpi xmlns:a14="http://schemas.microsoft.com/office/drawing/2010/main" val="0"/>
+              </a:ext>
+            </a:extLst>
+          </a:blip>
+          <a:stretch>
+            <a:fillRect/>
+          </a:stretch>
+        </p:blipFill>
+        <p:spPr>
+          <a:xfrm>
+            <a:off x="8033867" y="777625"/>
+            <a:ext cx="3840203" cy="2880000"/>
+          </a:xfrm>
+          <a:prstGeom prst="rect">
+            <a:avLst/>
+          </a:prstGeom>
+        </p:spPr>
+      </p:pic>
+      <p:sp>
+        <p:nvSpPr>
+          <p:cNvPr id="12" name="TextBox 11">
+            <a:extLst>
+              <a:ext uri="{FF2B5EF4-FFF2-40B4-BE49-F238E27FC236}">
+                <a16:creationId xmlns:a16="http://schemas.microsoft.com/office/drawing/2014/main" id="{B842FB5D-77BE-719D-3DCD-328636353098}"/>
               </a:ext>
             </a:extLst>
           </p:cNvPr>
@@ -10253,8 +9267,8 @@
         </p:nvSpPr>
         <p:spPr>
           <a:xfrm>
-            <a:off x="6355445" y="5758952"/>
-            <a:ext cx="5224572" cy="646331"/>
+            <a:off x="455644" y="1235197"/>
+            <a:ext cx="3528527" cy="1938992"/>
           </a:xfrm>
           <a:prstGeom prst="rect">
             <a:avLst/>
@@ -10262,24 +9276,17 @@
           <a:noFill/>
         </p:spPr>
         <p:txBody>
-          <a:bodyPr wrap="none" rtlCol="0">
+          <a:bodyPr wrap="square">
             <a:spAutoFit/>
           </a:bodyPr>
           <a:lstStyle/>
           <a:p>
-            <a:r>
-              <a:rPr lang="en-GB" i="1" dirty="0"/>
-              <a:t>Fig. X</a:t>
-            </a:r>
-            <a:r>
-              <a:rPr lang="en-GB" dirty="0"/>
-              <a:t>: UV output energies for Argon with 150mW</a:t>
-            </a:r>
-          </a:p>
-          <a:p>
-            <a:r>
-              <a:rPr lang="en-GB" dirty="0"/>
-              <a:t>input beam power</a:t>
+            <a:pPr marL="0" indent="0">
+              <a:buNone/>
+            </a:pPr>
+            <a:r>
+              <a:rPr lang="en-GB" sz="2400" dirty="0"/>
+              <a:t>Using rescaled pressures, there is fairly good agreement with measured spectra across different pressures:</a:t>
             </a:r>
           </a:p>
         </p:txBody>
@@ -10287,7 +9294,7 @@
     </p:spTree>
     <p:extLst>
       <p:ext uri="{BB962C8B-B14F-4D97-AF65-F5344CB8AC3E}">
-        <p14:creationId xmlns:p14="http://schemas.microsoft.com/office/powerpoint/2010/main" val="2431183386"/>
+        <p14:creationId xmlns:p14="http://schemas.microsoft.com/office/powerpoint/2010/main" val="525620631"/>
       </p:ext>
     </p:extLst>
   </p:cSld>
@@ -10367,8 +9374,8 @@
         </p:nvSpPr>
         <p:spPr>
           <a:xfrm>
-            <a:off x="375682" y="472848"/>
-            <a:ext cx="6103776" cy="577266"/>
+            <a:off x="455644" y="141192"/>
+            <a:ext cx="10515600" cy="577266"/>
           </a:xfrm>
         </p:spPr>
         <p:txBody>
@@ -10393,7 +9400,7 @@
                 </a:solidFill>
                 <a:latin typeface="Arial"/>
               </a:rPr>
-              <a:t>.I Comparison with experiment</a:t>
+              <a:t>.II Self-steepening</a:t>
             </a:r>
             <a:endParaRPr lang="en-GB" dirty="0"/>
           </a:p>
@@ -10433,12 +9440,47 @@
           </a:p>
         </p:txBody>
       </p:sp>
+      <p:sp>
+        <p:nvSpPr>
+          <p:cNvPr id="4" name="TextBox 3">
+            <a:extLst>
+              <a:ext uri="{FF2B5EF4-FFF2-40B4-BE49-F238E27FC236}">
+                <a16:creationId xmlns:a16="http://schemas.microsoft.com/office/drawing/2014/main" id="{F07A5647-1A90-E7B6-B4BB-5133B675E24B}"/>
+              </a:ext>
+            </a:extLst>
+          </p:cNvPr>
+          <p:cNvSpPr txBox="1"/>
+          <p:nvPr/>
+        </p:nvSpPr>
+        <p:spPr>
+          <a:xfrm>
+            <a:off x="211099" y="1174982"/>
+            <a:ext cx="4295587" cy="2308324"/>
+          </a:xfrm>
+          <a:prstGeom prst="rect">
+            <a:avLst/>
+          </a:prstGeom>
+          <a:noFill/>
+        </p:spPr>
+        <p:txBody>
+          <a:bodyPr wrap="square">
+            <a:spAutoFit/>
+          </a:bodyPr>
+          <a:lstStyle/>
+          <a:p>
+            <a:r>
+              <a:rPr lang="en-GB" sz="2400" dirty="0"/>
+              <a:t>The simulations show that ionisation-induced self-steepening of the UV pulse contributes to pulse compression, in agreement with literature [3]:</a:t>
+            </a:r>
+          </a:p>
+        </p:txBody>
+      </p:sp>
       <p:pic>
         <p:nvPicPr>
-          <p:cNvPr id="3" name="Picture 2" descr="A chart of a graph&#10;&#10;Description automatically generated with medium confidence">
-            <a:extLst>
-              <a:ext uri="{FF2B5EF4-FFF2-40B4-BE49-F238E27FC236}">
-                <a16:creationId xmlns:a16="http://schemas.microsoft.com/office/drawing/2014/main" id="{910C10AE-7DE5-EB40-4FE1-D8541DF1F620}"/>
+          <p:cNvPr id="12" name="Picture 11" descr="A rainbow colored circle with numbers and a chart&#10;&#10;Description automatically generated with medium confidence">
+            <a:extLst>
+              <a:ext uri="{FF2B5EF4-FFF2-40B4-BE49-F238E27FC236}">
+                <a16:creationId xmlns:a16="http://schemas.microsoft.com/office/drawing/2014/main" id="{B4E94243-CF9B-0E26-4C2D-1C834358BCD7}"/>
               </a:ext>
             </a:extLst>
           </p:cNvPr>
@@ -10461,7 +9503,7 @@
         </p:blipFill>
         <p:spPr>
           <a:xfrm>
-            <a:off x="6479458" y="2886120"/>
+            <a:off x="8351797" y="3456993"/>
             <a:ext cx="3840203" cy="2880000"/>
           </a:xfrm>
           <a:prstGeom prst="rect">
@@ -10471,10 +9513,10 @@
       </p:pic>
       <p:pic>
         <p:nvPicPr>
-          <p:cNvPr id="4" name="Content Placeholder 9" descr="A close-up of a graph&#10;&#10;Description automatically generated">
-            <a:extLst>
-              <a:ext uri="{FF2B5EF4-FFF2-40B4-BE49-F238E27FC236}">
-                <a16:creationId xmlns:a16="http://schemas.microsoft.com/office/drawing/2014/main" id="{2784F23D-05F5-E750-53D1-BC928CD95378}"/>
+          <p:cNvPr id="7" name="Picture 6" descr="A rainbow colored circle with numbers&#10;&#10;Description automatically generated with medium confidence">
+            <a:extLst>
+              <a:ext uri="{FF2B5EF4-FFF2-40B4-BE49-F238E27FC236}">
+                <a16:creationId xmlns:a16="http://schemas.microsoft.com/office/drawing/2014/main" id="{487BFF86-2B1B-9B29-CD10-43A490804D98}"/>
               </a:ext>
             </a:extLst>
           </p:cNvPr>
@@ -10497,7 +9539,7 @@
         </p:blipFill>
         <p:spPr>
           <a:xfrm>
-            <a:off x="6382929" y="90720"/>
+            <a:off x="8351797" y="757322"/>
             <a:ext cx="3840203" cy="2880000"/>
           </a:xfrm>
           <a:prstGeom prst="rect">
@@ -10505,12 +9547,84 @@
           </a:prstGeom>
         </p:spPr>
       </p:pic>
-      <p:sp>
-        <p:nvSpPr>
-          <p:cNvPr id="7" name="TextBox 6">
-            <a:extLst>
-              <a:ext uri="{FF2B5EF4-FFF2-40B4-BE49-F238E27FC236}">
-                <a16:creationId xmlns:a16="http://schemas.microsoft.com/office/drawing/2014/main" id="{0A7C7B95-C893-4E86-2AD5-910D521A44B1}"/>
+      <p:pic>
+        <p:nvPicPr>
+          <p:cNvPr id="3" name="Picture 2" descr="A rainbow colored circle with numbers and a chart&#10;&#10;Description automatically generated with medium confidence">
+            <a:extLst>
+              <a:ext uri="{FF2B5EF4-FFF2-40B4-BE49-F238E27FC236}">
+                <a16:creationId xmlns:a16="http://schemas.microsoft.com/office/drawing/2014/main" id="{E5FB5E4D-1D15-3A22-2D15-E22495B3E523}"/>
+              </a:ext>
+            </a:extLst>
+          </p:cNvPr>
+          <p:cNvPicPr>
+            <a:picLocks noChangeAspect="1"/>
+          </p:cNvPicPr>
+          <p:nvPr/>
+        </p:nvPicPr>
+        <p:blipFill>
+          <a:blip r:embed="rId3" cstate="print">
+            <a:extLst>
+              <a:ext uri="{28A0092B-C50C-407E-A947-70E740481C1C}">
+                <a14:useLocalDpi xmlns:a14="http://schemas.microsoft.com/office/drawing/2010/main" val="0"/>
+              </a:ext>
+            </a:extLst>
+          </a:blip>
+          <a:stretch>
+            <a:fillRect/>
+          </a:stretch>
+        </p:blipFill>
+        <p:spPr>
+          <a:xfrm>
+            <a:off x="4506686" y="3489808"/>
+            <a:ext cx="3840203" cy="2880000"/>
+          </a:xfrm>
+          <a:prstGeom prst="rect">
+            <a:avLst/>
+          </a:prstGeom>
+        </p:spPr>
+      </p:pic>
+      <p:pic>
+        <p:nvPicPr>
+          <p:cNvPr id="8" name="Picture 7" descr="A rainbow colored circle with numbers and a chart&#10;&#10;Description automatically generated with medium confidence">
+            <a:extLst>
+              <a:ext uri="{FF2B5EF4-FFF2-40B4-BE49-F238E27FC236}">
+                <a16:creationId xmlns:a16="http://schemas.microsoft.com/office/drawing/2014/main" id="{EC9BEB15-D156-A2F1-0175-3792C8E81922}"/>
+              </a:ext>
+            </a:extLst>
+          </p:cNvPr>
+          <p:cNvPicPr>
+            <a:picLocks noChangeAspect="1"/>
+          </p:cNvPicPr>
+          <p:nvPr/>
+        </p:nvPicPr>
+        <p:blipFill>
+          <a:blip r:embed="rId3" cstate="print">
+            <a:extLst>
+              <a:ext uri="{28A0092B-C50C-407E-A947-70E740481C1C}">
+                <a14:useLocalDpi xmlns:a14="http://schemas.microsoft.com/office/drawing/2010/main" val="0"/>
+              </a:ext>
+            </a:extLst>
+          </a:blip>
+          <a:stretch>
+            <a:fillRect/>
+          </a:stretch>
+        </p:blipFill>
+        <p:spPr>
+          <a:xfrm>
+            <a:off x="4506686" y="829999"/>
+            <a:ext cx="3840203" cy="2880000"/>
+          </a:xfrm>
+          <a:prstGeom prst="rect">
+            <a:avLst/>
+          </a:prstGeom>
+        </p:spPr>
+      </p:pic>
+      <p:sp>
+        <p:nvSpPr>
+          <p:cNvPr id="13" name="TextBox 12">
+            <a:extLst>
+              <a:ext uri="{FF2B5EF4-FFF2-40B4-BE49-F238E27FC236}">
+                <a16:creationId xmlns:a16="http://schemas.microsoft.com/office/drawing/2014/main" id="{124D8651-C708-7A10-D8A6-3298F0FA190B}"/>
               </a:ext>
             </a:extLst>
           </p:cNvPr>
@@ -10519,8 +9633,8 @@
         </p:nvSpPr>
         <p:spPr>
           <a:xfrm>
-            <a:off x="6479458" y="5769949"/>
-            <a:ext cx="5742289" cy="646331"/>
+            <a:off x="955736" y="5105585"/>
+            <a:ext cx="3317685" cy="1200329"/>
           </a:xfrm>
           <a:prstGeom prst="rect">
             <a:avLst/>
@@ -10535,89 +9649,11 @@
           <a:p>
             <a:r>
               <a:rPr lang="en-GB" i="1" dirty="0"/>
-              <a:t>Fig. X</a:t>
+              <a:t>Fig. 9</a:t>
             </a:r>
             <a:r>
               <a:rPr lang="en-GB" dirty="0"/>
-              <a:t>: UV output spectral pressure scan map (Argon, 150mW)</a:t>
-            </a:r>
-          </a:p>
-        </p:txBody>
-      </p:sp>
-      <p:sp>
-        <p:nvSpPr>
-          <p:cNvPr id="8" name="TextBox 7">
-            <a:extLst>
-              <a:ext uri="{FF2B5EF4-FFF2-40B4-BE49-F238E27FC236}">
-                <a16:creationId xmlns:a16="http://schemas.microsoft.com/office/drawing/2014/main" id="{743A03A2-926F-E0E5-15A9-F0F09AEFB44D}"/>
-              </a:ext>
-            </a:extLst>
-          </p:cNvPr>
-          <p:cNvSpPr txBox="1"/>
-          <p:nvPr/>
-        </p:nvSpPr>
-        <p:spPr>
-          <a:xfrm>
-            <a:off x="10176387" y="1779077"/>
-            <a:ext cx="1524000" cy="369332"/>
-          </a:xfrm>
-          <a:prstGeom prst="rect">
-            <a:avLst/>
-          </a:prstGeom>
-          <a:noFill/>
-        </p:spPr>
-        <p:txBody>
-          <a:bodyPr wrap="square" rtlCol="0">
-            <a:spAutoFit/>
-          </a:bodyPr>
-          <a:lstStyle/>
-          <a:p>
-            <a:r>
-              <a:rPr lang="en-GB" i="1" dirty="0"/>
-              <a:t>(a) </a:t>
-            </a:r>
-            <a:r>
-              <a:rPr lang="en-GB" dirty="0"/>
-              <a:t>simulated</a:t>
-            </a:r>
-          </a:p>
-        </p:txBody>
-      </p:sp>
-      <p:sp>
-        <p:nvSpPr>
-          <p:cNvPr id="9" name="TextBox 8">
-            <a:extLst>
-              <a:ext uri="{FF2B5EF4-FFF2-40B4-BE49-F238E27FC236}">
-                <a16:creationId xmlns:a16="http://schemas.microsoft.com/office/drawing/2014/main" id="{5E4C9F79-A278-0B02-493E-C57C841A671B}"/>
-              </a:ext>
-            </a:extLst>
-          </p:cNvPr>
-          <p:cNvSpPr txBox="1"/>
-          <p:nvPr/>
-        </p:nvSpPr>
-        <p:spPr>
-          <a:xfrm>
-            <a:off x="10176386" y="4304349"/>
-            <a:ext cx="1764031" cy="369332"/>
-          </a:xfrm>
-          <a:prstGeom prst="rect">
-            <a:avLst/>
-          </a:prstGeom>
-          <a:noFill/>
-        </p:spPr>
-        <p:txBody>
-          <a:bodyPr wrap="square" rtlCol="0">
-            <a:spAutoFit/>
-          </a:bodyPr>
-          <a:lstStyle/>
-          <a:p>
-            <a:r>
-              <a:rPr lang="en-GB" i="1" dirty="0"/>
-              <a:t>(b) </a:t>
-            </a:r>
-            <a:r>
-              <a:rPr lang="en-GB" dirty="0"/>
-              <a:t>measured</a:t>
+              <a:t>: UV output beam with (left column) and without (right column) ionisation using Argon at 150mW and 0.4bar</a:t>
             </a:r>
           </a:p>
         </p:txBody>
@@ -10625,7 +9661,7 @@
     </p:spTree>
     <p:extLst>
       <p:ext uri="{BB962C8B-B14F-4D97-AF65-F5344CB8AC3E}">
-        <p14:creationId xmlns:p14="http://schemas.microsoft.com/office/powerpoint/2010/main" val="525620631"/>
+        <p14:creationId xmlns:p14="http://schemas.microsoft.com/office/powerpoint/2010/main" val="989361818"/>
       </p:ext>
     </p:extLst>
   </p:cSld>
@@ -10731,7 +9767,7 @@
                 </a:solidFill>
                 <a:latin typeface="Arial"/>
               </a:rPr>
-              <a:t>.II Self-steepening</a:t>
+              <a:t>.III Effects of chirp</a:t>
             </a:r>
             <a:endParaRPr lang="en-GB" dirty="0"/>
           </a:p>
@@ -10771,81 +9807,12 @@
           </a:p>
         </p:txBody>
       </p:sp>
-      <p:sp>
-        <p:nvSpPr>
-          <p:cNvPr id="4" name="TextBox 3">
-            <a:extLst>
-              <a:ext uri="{FF2B5EF4-FFF2-40B4-BE49-F238E27FC236}">
-                <a16:creationId xmlns:a16="http://schemas.microsoft.com/office/drawing/2014/main" id="{F07A5647-1A90-E7B6-B4BB-5133B675E24B}"/>
-              </a:ext>
-            </a:extLst>
-          </p:cNvPr>
-          <p:cNvSpPr txBox="1"/>
-          <p:nvPr/>
-        </p:nvSpPr>
-        <p:spPr>
-          <a:xfrm>
-            <a:off x="366227" y="1524010"/>
-            <a:ext cx="5568042" cy="3416320"/>
-          </a:xfrm>
-          <a:prstGeom prst="rect">
-            <a:avLst/>
-          </a:prstGeom>
-          <a:noFill/>
-        </p:spPr>
-        <p:txBody>
-          <a:bodyPr wrap="square">
-            <a:spAutoFit/>
-          </a:bodyPr>
-          <a:lstStyle/>
-          <a:p>
-            <a:pPr marL="285750" indent="-285750">
-              <a:buFont typeface="Arial" panose="020B0604020202020204" pitchFamily="34" charset="0"/>
-              <a:buChar char="•"/>
-            </a:pPr>
-            <a:r>
-              <a:rPr lang="en-GB" sz="2400" dirty="0"/>
-              <a:t>The simulations could demonstrate leading-edge self-steepening of the UV pulses </a:t>
-            </a:r>
-          </a:p>
-          <a:p>
-            <a:pPr marL="285750" indent="-285750">
-              <a:buFont typeface="Arial" panose="020B0604020202020204" pitchFamily="34" charset="0"/>
-              <a:buChar char="•"/>
-            </a:pPr>
-            <a:r>
-              <a:rPr lang="en-GB" sz="2400" dirty="0"/>
-              <a:t>This adds to spectral broadening and pulse compression </a:t>
-            </a:r>
-          </a:p>
-          <a:p>
-            <a:pPr marL="285750" indent="-285750">
-              <a:buFont typeface="Arial" panose="020B0604020202020204" pitchFamily="34" charset="0"/>
-              <a:buChar char="•"/>
-            </a:pPr>
-            <a:r>
-              <a:rPr lang="en-GB" sz="2400" dirty="0"/>
-              <a:t>Self-steepening seems to be caused by ionisation </a:t>
-            </a:r>
-          </a:p>
-          <a:p>
-            <a:pPr marL="285750" indent="-285750">
-              <a:buFont typeface="Arial" panose="020B0604020202020204" pitchFamily="34" charset="0"/>
-              <a:buChar char="•"/>
-            </a:pPr>
-            <a:r>
-              <a:rPr lang="en-GB" sz="2400" dirty="0"/>
-              <a:t>These results agree with the literature [3]</a:t>
-            </a:r>
-          </a:p>
-        </p:txBody>
-      </p:sp>
       <p:pic>
         <p:nvPicPr>
-          <p:cNvPr id="7" name="Picture 6" descr="A rainbow colored circle with numbers&#10;&#10;Description automatically generated with medium confidence">
-            <a:extLst>
-              <a:ext uri="{FF2B5EF4-FFF2-40B4-BE49-F238E27FC236}">
-                <a16:creationId xmlns:a16="http://schemas.microsoft.com/office/drawing/2014/main" id="{487BFF86-2B1B-9B29-CD10-43A490804D98}"/>
+          <p:cNvPr id="12" name="Picture 11" descr="A graph of a graph of a graph&#10;&#10;Description automatically generated with medium confidence">
+            <a:extLst>
+              <a:ext uri="{FF2B5EF4-FFF2-40B4-BE49-F238E27FC236}">
+                <a16:creationId xmlns:a16="http://schemas.microsoft.com/office/drawing/2014/main" id="{EFA435A9-BA50-B587-5F9D-C59CA86671D7}"/>
               </a:ext>
             </a:extLst>
           </p:cNvPr>
@@ -10868,7 +9835,7 @@
         </p:blipFill>
         <p:spPr>
           <a:xfrm>
-            <a:off x="5993872" y="3045241"/>
+            <a:off x="4826566" y="3732344"/>
             <a:ext cx="3840203" cy="2880000"/>
           </a:xfrm>
           <a:prstGeom prst="rect">
@@ -10878,10 +9845,10 @@
       </p:pic>
       <p:pic>
         <p:nvPicPr>
-          <p:cNvPr id="8" name="Picture 7" descr="A rainbow colored circle with numbers and a chart&#10;&#10;Description automatically generated with medium confidence">
-            <a:extLst>
-              <a:ext uri="{FF2B5EF4-FFF2-40B4-BE49-F238E27FC236}">
-                <a16:creationId xmlns:a16="http://schemas.microsoft.com/office/drawing/2014/main" id="{EC9BEB15-D156-A2F1-0175-3792C8E81922}"/>
+          <p:cNvPr id="7" name="Picture 6" descr="A graph of a graph of a graph&#10;&#10;Description automatically generated with medium confidence">
+            <a:extLst>
+              <a:ext uri="{FF2B5EF4-FFF2-40B4-BE49-F238E27FC236}">
+                <a16:creationId xmlns:a16="http://schemas.microsoft.com/office/drawing/2014/main" id="{3F449FF9-4322-FF8D-259F-DC398957DF6C}"/>
               </a:ext>
             </a:extLst>
           </p:cNvPr>
@@ -10891,7 +9858,7 @@
           <p:nvPr/>
         </p:nvPicPr>
         <p:blipFill>
-          <a:blip r:embed="rId4" cstate="print">
+          <a:blip r:embed="rId3" cstate="print">
             <a:extLst>
               <a:ext uri="{28A0092B-C50C-407E-A947-70E740481C1C}">
                 <a14:useLocalDpi xmlns:a14="http://schemas.microsoft.com/office/drawing/2010/main" val="0"/>
@@ -10904,7 +9871,7 @@
         </p:blipFill>
         <p:spPr>
           <a:xfrm>
-            <a:off x="5964822" y="396486"/>
+            <a:off x="4795673" y="932470"/>
             <a:ext cx="3840203" cy="2880000"/>
           </a:xfrm>
           <a:prstGeom prst="rect">
@@ -10914,10 +9881,10 @@
       </p:pic>
       <p:sp>
         <p:nvSpPr>
-          <p:cNvPr id="9" name="TextBox 8">
-            <a:extLst>
-              <a:ext uri="{FF2B5EF4-FFF2-40B4-BE49-F238E27FC236}">
-                <a16:creationId xmlns:a16="http://schemas.microsoft.com/office/drawing/2014/main" id="{F6FCE9CC-92BC-A9C6-EC9A-973B7584FF1F}"/>
+          <p:cNvPr id="3" name="TextBox 2">
+            <a:extLst>
+              <a:ext uri="{FF2B5EF4-FFF2-40B4-BE49-F238E27FC236}">
+                <a16:creationId xmlns:a16="http://schemas.microsoft.com/office/drawing/2014/main" id="{D440B460-199C-81DC-585A-250C34B2710C}"/>
               </a:ext>
             </a:extLst>
           </p:cNvPr>
@@ -10926,8 +9893,8 @@
         </p:nvSpPr>
         <p:spPr>
           <a:xfrm>
-            <a:off x="10176387" y="1779077"/>
-            <a:ext cx="1443431" cy="646331"/>
+            <a:off x="211099" y="1174982"/>
+            <a:ext cx="4295587" cy="1200329"/>
           </a:xfrm>
           <a:prstGeom prst="rect">
             <a:avLst/>
@@ -10935,28 +9902,24 @@
           <a:noFill/>
         </p:spPr>
         <p:txBody>
-          <a:bodyPr wrap="square" rtlCol="0">
+          <a:bodyPr wrap="square">
             <a:spAutoFit/>
           </a:bodyPr>
           <a:lstStyle/>
           <a:p>
             <a:r>
-              <a:rPr lang="en-GB" i="1" dirty="0"/>
-              <a:t>(a) </a:t>
-            </a:r>
-            <a:r>
-              <a:rPr lang="en-GB" dirty="0"/>
-              <a:t>with ionisation</a:t>
-            </a:r>
-          </a:p>
-        </p:txBody>
-      </p:sp>
-      <p:sp>
-        <p:nvSpPr>
-          <p:cNvPr id="10" name="TextBox 9">
-            <a:extLst>
-              <a:ext uri="{FF2B5EF4-FFF2-40B4-BE49-F238E27FC236}">
-                <a16:creationId xmlns:a16="http://schemas.microsoft.com/office/drawing/2014/main" id="{D9B9B6FB-4ACB-F638-49B0-6EB1D9F74B89}"/>
+              <a:rPr lang="en-GB" sz="2400" dirty="0"/>
+              <a:t>The simulations indicate that using chirped input pulses could improve UV pulse properties:</a:t>
+            </a:r>
+          </a:p>
+        </p:txBody>
+      </p:sp>
+      <p:sp>
+        <p:nvSpPr>
+          <p:cNvPr id="9" name="TextBox 8">
+            <a:extLst>
+              <a:ext uri="{FF2B5EF4-FFF2-40B4-BE49-F238E27FC236}">
+                <a16:creationId xmlns:a16="http://schemas.microsoft.com/office/drawing/2014/main" id="{88C7CA60-8EF7-3C0C-88CC-B068800E9AD0}"/>
               </a:ext>
             </a:extLst>
           </p:cNvPr>
@@ -10965,8 +9928,8 @@
         </p:nvSpPr>
         <p:spPr>
           <a:xfrm>
-            <a:off x="10176386" y="4304349"/>
-            <a:ext cx="1764031" cy="646331"/>
+            <a:off x="955736" y="5105585"/>
+            <a:ext cx="3569609" cy="1200329"/>
           </a:xfrm>
           <a:prstGeom prst="rect">
             <a:avLst/>
@@ -10981,58 +9944,91 @@
           <a:p>
             <a:r>
               <a:rPr lang="en-GB" i="1" dirty="0"/>
-              <a:t>(b) </a:t>
+              <a:t>Fig. 10</a:t>
             </a:r>
             <a:r>
               <a:rPr lang="en-GB" dirty="0"/>
-              <a:t>without ionisation</a:t>
-            </a:r>
-          </a:p>
-        </p:txBody>
-      </p:sp>
-      <p:sp>
-        <p:nvSpPr>
-          <p:cNvPr id="11" name="TextBox 10">
-            <a:extLst>
-              <a:ext uri="{FF2B5EF4-FFF2-40B4-BE49-F238E27FC236}">
-                <a16:creationId xmlns:a16="http://schemas.microsoft.com/office/drawing/2014/main" id="{2FA328C9-03AC-85B9-EA6A-ADA18E989C59}"/>
-              </a:ext>
-            </a:extLst>
-          </p:cNvPr>
-          <p:cNvSpPr txBox="1"/>
+              <a:t>: UV output spectra and temporal profiles for different GVD values of the input pulse. Left column: Argon, right column: Neon</a:t>
+            </a:r>
+          </a:p>
+        </p:txBody>
+      </p:sp>
+      <p:pic>
+        <p:nvPicPr>
+          <p:cNvPr id="10" name="Picture 9" descr="A graph of a graph of a graph&#10;&#10;Description automatically generated with medium confidence">
+            <a:extLst>
+              <a:ext uri="{FF2B5EF4-FFF2-40B4-BE49-F238E27FC236}">
+                <a16:creationId xmlns:a16="http://schemas.microsoft.com/office/drawing/2014/main" id="{F6A73CC4-01B6-25AC-10ED-0B10F21B8FDB}"/>
+              </a:ext>
+            </a:extLst>
+          </p:cNvPr>
+          <p:cNvPicPr>
+            <a:picLocks noChangeAspect="1"/>
+          </p:cNvPicPr>
           <p:nvPr/>
-        </p:nvSpPr>
-        <p:spPr>
-          <a:xfrm>
-            <a:off x="6198129" y="5852507"/>
-            <a:ext cx="5742289" cy="646331"/>
+        </p:nvPicPr>
+        <p:blipFill>
+          <a:blip r:embed="rId3" cstate="print">
+            <a:extLst>
+              <a:ext uri="{28A0092B-C50C-407E-A947-70E740481C1C}">
+                <a14:useLocalDpi xmlns:a14="http://schemas.microsoft.com/office/drawing/2010/main" val="0"/>
+              </a:ext>
+            </a:extLst>
+          </a:blip>
+          <a:stretch>
+            <a:fillRect/>
+          </a:stretch>
+        </p:blipFill>
+        <p:spPr>
+          <a:xfrm>
+            <a:off x="8351797" y="930642"/>
+            <a:ext cx="3840203" cy="2880000"/>
           </a:xfrm>
           <a:prstGeom prst="rect">
             <a:avLst/>
           </a:prstGeom>
-          <a:noFill/>
-        </p:spPr>
-        <p:txBody>
-          <a:bodyPr wrap="square" rtlCol="0">
-            <a:spAutoFit/>
-          </a:bodyPr>
-          <a:lstStyle/>
-          <a:p>
-            <a:r>
-              <a:rPr lang="en-GB" i="1" dirty="0"/>
-              <a:t>Fig. X</a:t>
-            </a:r>
-            <a:r>
-              <a:rPr lang="en-GB" dirty="0"/>
-              <a:t>: UV output beam profile with and without ionisation (Argon, 150mW, 0.4bar)</a:t>
-            </a:r>
-          </a:p>
-        </p:txBody>
-      </p:sp>
+        </p:spPr>
+      </p:pic>
+      <p:pic>
+        <p:nvPicPr>
+          <p:cNvPr id="11" name="Picture 10" descr="A graph of a graph of a graph&#10;&#10;Description automatically generated with medium confidence">
+            <a:extLst>
+              <a:ext uri="{FF2B5EF4-FFF2-40B4-BE49-F238E27FC236}">
+                <a16:creationId xmlns:a16="http://schemas.microsoft.com/office/drawing/2014/main" id="{AC3395C2-9095-9840-0320-D4A5F9CED1FC}"/>
+              </a:ext>
+            </a:extLst>
+          </p:cNvPr>
+          <p:cNvPicPr>
+            <a:picLocks noChangeAspect="1"/>
+          </p:cNvPicPr>
+          <p:nvPr/>
+        </p:nvPicPr>
+        <p:blipFill>
+          <a:blip r:embed="rId3" cstate="print">
+            <a:extLst>
+              <a:ext uri="{28A0092B-C50C-407E-A947-70E740481C1C}">
+                <a14:useLocalDpi xmlns:a14="http://schemas.microsoft.com/office/drawing/2010/main" val="0"/>
+              </a:ext>
+            </a:extLst>
+          </a:blip>
+          <a:stretch>
+            <a:fillRect/>
+          </a:stretch>
+        </p:blipFill>
+        <p:spPr>
+          <a:xfrm>
+            <a:off x="8351796" y="3734172"/>
+            <a:ext cx="3840203" cy="2880000"/>
+          </a:xfrm>
+          <a:prstGeom prst="rect">
+            <a:avLst/>
+          </a:prstGeom>
+        </p:spPr>
+      </p:pic>
     </p:spTree>
     <p:extLst>
       <p:ext uri="{BB962C8B-B14F-4D97-AF65-F5344CB8AC3E}">
-        <p14:creationId xmlns:p14="http://schemas.microsoft.com/office/powerpoint/2010/main" val="989361818"/>
+        <p14:creationId xmlns:p14="http://schemas.microsoft.com/office/powerpoint/2010/main" val="1190150282"/>
       </p:ext>
     </p:extLst>
   </p:cSld>
